--- a/docs/diagrams/ModelComponentClassDiagram.pptx
+++ b/docs/diagrams/ModelComponentClassDiagram.pptx
@@ -208,7 +208,7 @@
           <a:p>
             <a:fld id="{F5CC4B3F-88C1-4FFA-B1B6-F41C21DC6924}" type="datetimeFigureOut">
               <a:rPr lang="en-US" smtClean="0"/>
-              <a:t>12/5/2018</a:t>
+              <a:t>04-Apr-19</a:t>
             </a:fld>
             <a:endParaRPr lang="en-US"/>
           </a:p>
@@ -654,7 +654,7 @@
           <a:p>
             <a:fld id="{78C97017-6FC3-485B-9764-EAC9E56C1D49}" type="datetimeFigureOut">
               <a:rPr lang="en-US" smtClean="0"/>
-              <a:t>12/5/2018</a:t>
+              <a:t>04-Apr-19</a:t>
             </a:fld>
             <a:endParaRPr lang="en-US"/>
           </a:p>
@@ -822,7 +822,7 @@
           <a:p>
             <a:fld id="{78C97017-6FC3-485B-9764-EAC9E56C1D49}" type="datetimeFigureOut">
               <a:rPr lang="en-US" smtClean="0"/>
-              <a:t>12/5/2018</a:t>
+              <a:t>04-Apr-19</a:t>
             </a:fld>
             <a:endParaRPr lang="en-US"/>
           </a:p>
@@ -1000,7 +1000,7 @@
           <a:p>
             <a:fld id="{78C97017-6FC3-485B-9764-EAC9E56C1D49}" type="datetimeFigureOut">
               <a:rPr lang="en-US" smtClean="0"/>
-              <a:t>12/5/2018</a:t>
+              <a:t>04-Apr-19</a:t>
             </a:fld>
             <a:endParaRPr lang="en-US"/>
           </a:p>
@@ -1168,7 +1168,7 @@
           <a:p>
             <a:fld id="{78C97017-6FC3-485B-9764-EAC9E56C1D49}" type="datetimeFigureOut">
               <a:rPr lang="en-US" smtClean="0"/>
-              <a:t>12/5/2018</a:t>
+              <a:t>04-Apr-19</a:t>
             </a:fld>
             <a:endParaRPr lang="en-US"/>
           </a:p>
@@ -1413,7 +1413,7 @@
           <a:p>
             <a:fld id="{78C97017-6FC3-485B-9764-EAC9E56C1D49}" type="datetimeFigureOut">
               <a:rPr lang="en-US" smtClean="0"/>
-              <a:t>12/5/2018</a:t>
+              <a:t>04-Apr-19</a:t>
             </a:fld>
             <a:endParaRPr lang="en-US"/>
           </a:p>
@@ -1698,7 +1698,7 @@
           <a:p>
             <a:fld id="{78C97017-6FC3-485B-9764-EAC9E56C1D49}" type="datetimeFigureOut">
               <a:rPr lang="en-US" smtClean="0"/>
-              <a:t>12/5/2018</a:t>
+              <a:t>04-Apr-19</a:t>
             </a:fld>
             <a:endParaRPr lang="en-US"/>
           </a:p>
@@ -2117,7 +2117,7 @@
           <a:p>
             <a:fld id="{78C97017-6FC3-485B-9764-EAC9E56C1D49}" type="datetimeFigureOut">
               <a:rPr lang="en-US" smtClean="0"/>
-              <a:t>12/5/2018</a:t>
+              <a:t>04-Apr-19</a:t>
             </a:fld>
             <a:endParaRPr lang="en-US"/>
           </a:p>
@@ -2234,7 +2234,7 @@
           <a:p>
             <a:fld id="{78C97017-6FC3-485B-9764-EAC9E56C1D49}" type="datetimeFigureOut">
               <a:rPr lang="en-US" smtClean="0"/>
-              <a:t>12/5/2018</a:t>
+              <a:t>04-Apr-19</a:t>
             </a:fld>
             <a:endParaRPr lang="en-US"/>
           </a:p>
@@ -2329,7 +2329,7 @@
           <a:p>
             <a:fld id="{78C97017-6FC3-485B-9764-EAC9E56C1D49}" type="datetimeFigureOut">
               <a:rPr lang="en-US" smtClean="0"/>
-              <a:t>12/5/2018</a:t>
+              <a:t>04-Apr-19</a:t>
             </a:fld>
             <a:endParaRPr lang="en-US"/>
           </a:p>
@@ -2604,7 +2604,7 @@
           <a:p>
             <a:fld id="{78C97017-6FC3-485B-9764-EAC9E56C1D49}" type="datetimeFigureOut">
               <a:rPr lang="en-US" smtClean="0"/>
-              <a:t>12/5/2018</a:t>
+              <a:t>04-Apr-19</a:t>
             </a:fld>
             <a:endParaRPr lang="en-US"/>
           </a:p>
@@ -2856,7 +2856,7 @@
           <a:p>
             <a:fld id="{78C97017-6FC3-485B-9764-EAC9E56C1D49}" type="datetimeFigureOut">
               <a:rPr lang="en-US" smtClean="0"/>
-              <a:t>12/5/2018</a:t>
+              <a:t>04-Apr-19</a:t>
             </a:fld>
             <a:endParaRPr lang="en-US"/>
           </a:p>
@@ -3067,7 +3067,7 @@
           <a:p>
             <a:fld id="{78C97017-6FC3-485B-9764-EAC9E56C1D49}" type="datetimeFigureOut">
               <a:rPr lang="en-US" smtClean="0"/>
-              <a:t>12/5/2018</a:t>
+              <a:t>04-Apr-19</a:t>
             </a:fld>
             <a:endParaRPr lang="en-US"/>
           </a:p>
@@ -3450,8 +3450,8 @@
         </p:nvSpPr>
         <p:spPr>
           <a:xfrm>
-            <a:off x="1119865" y="1600200"/>
-            <a:ext cx="7490735" cy="3124200"/>
+            <a:off x="685800" y="1447800"/>
+            <a:ext cx="7848600" cy="4614840"/>
           </a:xfrm>
           <a:prstGeom prst="roundRect">
             <a:avLst>
@@ -3511,7 +3511,7 @@
         </p:nvSpPr>
         <p:spPr>
           <a:xfrm>
-            <a:off x="2825280" y="3463240"/>
+            <a:off x="2520480" y="4256689"/>
             <a:ext cx="878211" cy="346760"/>
           </a:xfrm>
           <a:prstGeom prst="rect">
@@ -3544,7 +3544,7 @@
           <a:p>
             <a:pPr algn="ctr"/>
             <a:r>
-              <a:rPr lang="en-US" sz="1050" dirty="0" err="1">
+              <a:rPr lang="en-US" sz="1050" dirty="0">
                 <a:solidFill>
                   <a:srgbClr val="7030A0"/>
                 </a:solidFill>
@@ -3567,7 +3567,7 @@
         </p:nvSpPr>
         <p:spPr>
           <a:xfrm rot="16200000">
-            <a:off x="1661548" y="3097750"/>
+            <a:off x="1356748" y="3891199"/>
             <a:ext cx="1093635" cy="346760"/>
           </a:xfrm>
           <a:prstGeom prst="rect">
@@ -3603,7 +3603,7 @@
           <a:p>
             <a:pPr algn="ctr"/>
             <a:r>
-              <a:rPr lang="en-US" sz="1050" dirty="0" err="1">
+              <a:rPr lang="en-US" sz="1050" dirty="0">
                 <a:solidFill>
                   <a:schemeClr val="bg1"/>
                 </a:solidFill>
@@ -3630,7 +3630,7 @@
         </p:nvCxnSpPr>
         <p:spPr>
           <a:xfrm rot="5400000" flipH="1" flipV="1">
-            <a:off x="4131507" y="1281685"/>
+            <a:off x="3826707" y="2075134"/>
             <a:ext cx="613122" cy="4459404"/>
           </a:xfrm>
           <a:prstGeom prst="bentConnector3">
@@ -3671,7 +3671,7 @@
         </p:nvSpPr>
         <p:spPr>
           <a:xfrm rot="16200000">
-            <a:off x="956202" y="2861202"/>
+            <a:off x="651402" y="3638588"/>
             <a:ext cx="1093635" cy="346760"/>
           </a:xfrm>
           <a:prstGeom prst="rect">
@@ -3741,7 +3741,7 @@
         </p:nvSpPr>
         <p:spPr>
           <a:xfrm rot="16200000">
-            <a:off x="1626910" y="2952291"/>
+            <a:off x="1322110" y="3745740"/>
             <a:ext cx="270504" cy="175523"/>
           </a:xfrm>
           <a:prstGeom prst="triangle">
@@ -3792,7 +3792,7 @@
         </p:nvCxnSpPr>
         <p:spPr>
           <a:xfrm>
-            <a:off x="2609828" y="3636620"/>
+            <a:off x="2305028" y="4430069"/>
             <a:ext cx="215452" cy="0"/>
           </a:xfrm>
           <a:prstGeom prst="straightConnector1">
@@ -3830,7 +3830,7 @@
         </p:nvCxnSpPr>
         <p:spPr>
           <a:xfrm>
-            <a:off x="910091" y="3040053"/>
+            <a:off x="605291" y="3833502"/>
             <a:ext cx="419548" cy="2860"/>
           </a:xfrm>
           <a:prstGeom prst="bentConnector3">
@@ -3875,7 +3875,7 @@
         </p:nvCxnSpPr>
         <p:spPr>
           <a:xfrm flipV="1">
-            <a:off x="1849924" y="3040052"/>
+            <a:off x="1545124" y="3833501"/>
             <a:ext cx="216105" cy="1"/>
           </a:xfrm>
           <a:prstGeom prst="line">
@@ -3914,7 +3914,7 @@
         </p:nvSpPr>
         <p:spPr>
           <a:xfrm>
-            <a:off x="2373780" y="3549930"/>
+            <a:off x="2068980" y="4343379"/>
             <a:ext cx="236048" cy="173380"/>
           </a:xfrm>
           <a:prstGeom prst="flowChartDecision">
@@ -3959,7 +3959,7 @@
         </p:nvSpPr>
         <p:spPr>
           <a:xfrm>
-            <a:off x="2825280" y="2846162"/>
+            <a:off x="2520480" y="3639611"/>
             <a:ext cx="1490560" cy="334856"/>
           </a:xfrm>
           <a:prstGeom prst="rect">
@@ -3992,12 +3992,12 @@
           <a:p>
             <a:pPr algn="ctr"/>
             <a:r>
-              <a:rPr lang="en-US" sz="1050" dirty="0" err="1">
+              <a:rPr lang="en-US" sz="1050" dirty="0">
                 <a:solidFill>
                   <a:srgbClr val="7030A0"/>
                 </a:solidFill>
               </a:rPr>
-              <a:t>VersionedAddressBook</a:t>
+              <a:t>VersionedTaskBook</a:t>
             </a:r>
             <a:endParaRPr lang="en-SG" sz="1050" dirty="0">
               <a:solidFill>
@@ -4018,7 +4018,7 @@
         </p:nvCxnSpPr>
         <p:spPr>
           <a:xfrm>
-            <a:off x="2624360" y="3003033"/>
+            <a:off x="2319560" y="3796482"/>
             <a:ext cx="200920" cy="10557"/>
           </a:xfrm>
           <a:prstGeom prst="straightConnector1">
@@ -4056,7 +4056,7 @@
         </p:nvSpPr>
         <p:spPr>
           <a:xfrm>
-            <a:off x="2388312" y="2916343"/>
+            <a:off x="2083512" y="3709792"/>
             <a:ext cx="236048" cy="173380"/>
           </a:xfrm>
           <a:prstGeom prst="flowChartDecision">
@@ -4101,7 +4101,7 @@
         </p:nvSpPr>
         <p:spPr>
           <a:xfrm>
-            <a:off x="4692650" y="2846162"/>
+            <a:off x="4387850" y="3639611"/>
             <a:ext cx="1156969" cy="346760"/>
           </a:xfrm>
           <a:prstGeom prst="rect">
@@ -4134,12 +4134,12 @@
           <a:p>
             <a:pPr algn="ctr"/>
             <a:r>
-              <a:rPr lang="en-US" sz="1050" dirty="0" err="1">
+              <a:rPr lang="en-US" sz="1050" dirty="0">
                 <a:solidFill>
                   <a:srgbClr val="7030A0"/>
                 </a:solidFill>
               </a:rPr>
-              <a:t>UniquePersonList</a:t>
+              <a:t>UniqueTaskList</a:t>
             </a:r>
             <a:endParaRPr lang="en-SG" sz="1050" dirty="0">
               <a:solidFill>
@@ -4157,7 +4157,7 @@
         </p:nvSpPr>
         <p:spPr>
           <a:xfrm>
-            <a:off x="4324972" y="2920532"/>
+            <a:off x="4020172" y="3713981"/>
             <a:ext cx="236048" cy="173380"/>
           </a:xfrm>
           <a:prstGeom prst="flowChartDecision">
@@ -4204,7 +4204,7 @@
         </p:nvSpPr>
         <p:spPr>
           <a:xfrm>
-            <a:off x="6313677" y="2858066"/>
+            <a:off x="6008877" y="3651515"/>
             <a:ext cx="708186" cy="346760"/>
           </a:xfrm>
           <a:prstGeom prst="rect">
@@ -4242,7 +4242,7 @@
                   <a:srgbClr val="7030A0"/>
                 </a:solidFill>
               </a:rPr>
-              <a:t>Person</a:t>
+              <a:t>Task</a:t>
             </a:r>
             <a:endParaRPr lang="en-SG" sz="1050" dirty="0">
               <a:solidFill>
@@ -4260,7 +4260,7 @@
         </p:nvSpPr>
         <p:spPr>
           <a:xfrm>
-            <a:off x="5858751" y="2941676"/>
+            <a:off x="5553951" y="3735125"/>
             <a:ext cx="236048" cy="173380"/>
           </a:xfrm>
           <a:prstGeom prst="flowChartDecision">
@@ -4308,7 +4308,7 @@
         </p:nvCxnSpPr>
         <p:spPr>
           <a:xfrm>
-            <a:off x="6094799" y="3028366"/>
+            <a:off x="5789999" y="3821815"/>
             <a:ext cx="218878" cy="3080"/>
           </a:xfrm>
           <a:prstGeom prst="bentConnector3">
@@ -4340,69 +4340,13 @@
       </p:cxnSp>
       <p:sp>
         <p:nvSpPr>
-          <p:cNvPr id="76" name="Rectangle 8"/>
-          <p:cNvSpPr/>
-          <p:nvPr/>
-        </p:nvSpPr>
-        <p:spPr>
-          <a:xfrm>
-            <a:off x="7712397" y="2564238"/>
-            <a:ext cx="708186" cy="285783"/>
-          </a:xfrm>
-          <a:prstGeom prst="rect">
-            <a:avLst/>
-          </a:prstGeom>
-          <a:ln w="19050">
-            <a:solidFill>
-              <a:srgbClr val="7030A0"/>
-            </a:solidFill>
-          </a:ln>
-          <a:effectLst/>
-        </p:spPr>
-        <p:style>
-          <a:lnRef idx="1">
-            <a:schemeClr val="accent4"/>
-          </a:lnRef>
-          <a:fillRef idx="2">
-            <a:schemeClr val="accent4"/>
-          </a:fillRef>
-          <a:effectRef idx="1">
-            <a:schemeClr val="accent4"/>
-          </a:effectRef>
-          <a:fontRef idx="minor">
-            <a:schemeClr val="dk1"/>
-          </a:fontRef>
-        </p:style>
-        <p:txBody>
-          <a:bodyPr rtlCol="0" anchor="ctr"/>
-          <a:lstStyle/>
-          <a:p>
-            <a:pPr algn="ctr"/>
-            <a:r>
-              <a:rPr lang="en-US" sz="1050" dirty="0">
-                <a:solidFill>
-                  <a:srgbClr val="7030A0"/>
-                </a:solidFill>
-              </a:rPr>
-              <a:t>Name</a:t>
-            </a:r>
-            <a:endParaRPr lang="en-SG" sz="1050" dirty="0">
-              <a:solidFill>
-                <a:srgbClr val="7030A0"/>
-              </a:solidFill>
-            </a:endParaRPr>
-          </a:p>
-        </p:txBody>
-      </p:sp>
-      <p:sp>
-        <p:nvSpPr>
           <p:cNvPr id="78" name="Flowchart: Decision 96"/>
           <p:cNvSpPr/>
           <p:nvPr/>
         </p:nvSpPr>
         <p:spPr>
           <a:xfrm>
-            <a:off x="7041947" y="2948201"/>
+            <a:off x="6737147" y="3741650"/>
             <a:ext cx="236048" cy="173380"/>
           </a:xfrm>
           <a:prstGeom prst="flowChartDecision">
@@ -4443,26 +4387,31 @@
       </p:sp>
       <p:cxnSp>
         <p:nvCxnSpPr>
-          <p:cNvPr id="79" name="Elbow Connector 78"/>
+          <p:cNvPr id="97" name="Elbow Connector 63"/>
           <p:cNvCxnSpPr>
             <a:cxnSpLocks/>
+            <a:stCxn id="99" idx="3"/>
+            <a:endCxn id="46" idx="0"/>
           </p:cNvCxnSpPr>
           <p:nvPr/>
         </p:nvCxnSpPr>
         <p:spPr>
-          <a:xfrm flipV="1">
-            <a:off x="7277995" y="2706821"/>
-            <a:ext cx="434402" cy="327761"/>
+          <a:xfrm rot="5400000">
+            <a:off x="3015015" y="3387988"/>
+            <a:ext cx="502368" cy="878"/>
           </a:xfrm>
           <a:prstGeom prst="bentConnector3">
-            <a:avLst/>
+            <a:avLst>
+              <a:gd name="adj1" fmla="val 50000"/>
+            </a:avLst>
           </a:prstGeom>
           <a:ln w="19050">
             <a:solidFill>
               <a:srgbClr val="7030A0"/>
             </a:solidFill>
+            <a:prstDash val="sysDot"/>
             <a:headEnd type="none" w="med" len="med"/>
-            <a:tailEnd type="arrow" w="med" len="med"/>
+            <a:tailEnd type="none" w="med" len="med"/>
           </a:ln>
           <a:effectLst/>
         </p:spPr>
@@ -4483,18 +4432,24 @@
       </p:cxnSp>
       <p:sp>
         <p:nvSpPr>
-          <p:cNvPr id="80" name="Rectangle 8"/>
+          <p:cNvPr id="99" name="Isosceles Triangle 102"/>
           <p:cNvSpPr/>
           <p:nvPr/>
         </p:nvSpPr>
         <p:spPr>
-          <a:xfrm>
-            <a:off x="7712397" y="2887216"/>
-            <a:ext cx="708186" cy="285783"/>
-          </a:xfrm>
-          <a:prstGeom prst="rect">
+          <a:xfrm rot="10800000" flipV="1">
+            <a:off x="3125445" y="2980181"/>
+            <a:ext cx="282387" cy="157062"/>
+          </a:xfrm>
+          <a:prstGeom prst="triangle">
             <a:avLst/>
           </a:prstGeom>
+          <a:solidFill>
+            <a:schemeClr val="accent4">
+              <a:lumMod val="20000"/>
+              <a:lumOff val="80000"/>
+            </a:schemeClr>
+          </a:solidFill>
           <a:ln w="19050">
             <a:solidFill>
               <a:srgbClr val="7030A0"/>
@@ -4521,13 +4476,76 @@
           <a:lstStyle/>
           <a:p>
             <a:pPr algn="ctr"/>
+            <a:endParaRPr lang="en-SG" sz="1050" b="1">
+              <a:solidFill>
+                <a:srgbClr val="92D050"/>
+              </a:solidFill>
+            </a:endParaRPr>
+          </a:p>
+        </p:txBody>
+      </p:sp>
+      <p:sp>
+        <p:nvSpPr>
+          <p:cNvPr id="100" name="Rectangle 8"/>
+          <p:cNvSpPr/>
+          <p:nvPr/>
+        </p:nvSpPr>
+        <p:spPr>
+          <a:xfrm>
+            <a:off x="824068" y="2591977"/>
+            <a:ext cx="1443661" cy="364396"/>
+          </a:xfrm>
+          <a:prstGeom prst="rect">
+            <a:avLst/>
+          </a:prstGeom>
+          <a:ln w="19050">
+            <a:solidFill>
+              <a:srgbClr val="7030A0"/>
+            </a:solidFill>
+          </a:ln>
+          <a:effectLst/>
+        </p:spPr>
+        <p:style>
+          <a:lnRef idx="1">
+            <a:schemeClr val="accent4"/>
+          </a:lnRef>
+          <a:fillRef idx="2">
+            <a:schemeClr val="accent4"/>
+          </a:fillRef>
+          <a:effectRef idx="1">
+            <a:schemeClr val="accent4"/>
+          </a:effectRef>
+          <a:fontRef idx="minor">
+            <a:schemeClr val="dk1"/>
+          </a:fontRef>
+        </p:style>
+        <p:txBody>
+          <a:bodyPr rtlCol="0" anchor="ctr"/>
+          <a:lstStyle/>
+          <a:p>
+            <a:pPr algn="ctr"/>
             <a:r>
               <a:rPr lang="en-US" sz="1050" dirty="0">
                 <a:solidFill>
                   <a:srgbClr val="7030A0"/>
                 </a:solidFill>
               </a:rPr>
-              <a:t>Phone</a:t>
+              <a:t>&lt;&lt;interface&gt;&gt;</a:t>
+            </a:r>
+            <a:br>
+              <a:rPr lang="en-US" sz="1050" dirty="0">
+                <a:solidFill>
+                  <a:srgbClr val="7030A0"/>
+                </a:solidFill>
+              </a:rPr>
+            </a:br>
+            <a:r>
+              <a:rPr lang="en-US" sz="1050" dirty="0">
+                <a:solidFill>
+                  <a:srgbClr val="7030A0"/>
+                </a:solidFill>
+              </a:rPr>
+              <a:t>ReadOnlyTaskBook</a:t>
             </a:r>
             <a:endParaRPr lang="en-SG" sz="1050" dirty="0">
               <a:solidFill>
@@ -4537,27 +4555,138 @@
           </a:p>
         </p:txBody>
       </p:sp>
-      <p:cxnSp>
-        <p:nvCxnSpPr>
-          <p:cNvPr id="81" name="Elbow Connector 80"/>
-          <p:cNvCxnSpPr>
-            <a:stCxn id="78" idx="3"/>
-            <a:endCxn id="80" idx="1"/>
-          </p:cNvCxnSpPr>
+      <p:sp>
+        <p:nvSpPr>
+          <p:cNvPr id="114" name="TextBox 113"/>
+          <p:cNvSpPr txBox="1"/>
           <p:nvPr/>
-        </p:nvCxnSpPr>
-        <p:spPr>
-          <a:xfrm flipV="1">
-            <a:off x="7277995" y="3030108"/>
-            <a:ext cx="434402" cy="4783"/>
-          </a:xfrm>
-          <a:prstGeom prst="bentConnector3">
+        </p:nvSpPr>
+        <p:spPr>
+          <a:xfrm rot="16200000">
+            <a:off x="6058086" y="4379754"/>
+            <a:ext cx="881018" cy="261610"/>
+          </a:xfrm>
+          <a:prstGeom prst="rect">
+            <a:avLst/>
+          </a:prstGeom>
+          <a:noFill/>
+        </p:spPr>
+        <p:txBody>
+          <a:bodyPr wrap="square" rtlCol="0">
+            <a:spAutoFit/>
+          </a:bodyPr>
+          <a:lstStyle/>
+          <a:p>
+            <a:pPr algn="r"/>
+            <a:r>
+              <a:rPr lang="en-US" sz="1100" dirty="0">
+                <a:solidFill>
+                  <a:srgbClr val="7030A0"/>
+                </a:solidFill>
+              </a:rPr>
+              <a:t>filtered list</a:t>
+            </a:r>
+            <a:endParaRPr lang="en-SG" sz="1100" dirty="0">
+              <a:solidFill>
+                <a:srgbClr val="7030A0"/>
+              </a:solidFill>
+            </a:endParaRPr>
+          </a:p>
+        </p:txBody>
+      </p:sp>
+      <p:sp>
+        <p:nvSpPr>
+          <p:cNvPr id="122" name="Rectangle 8"/>
+          <p:cNvSpPr/>
+          <p:nvPr/>
+        </p:nvSpPr>
+        <p:spPr>
+          <a:xfrm>
+            <a:off x="1752601" y="5032940"/>
+            <a:ext cx="1066800" cy="346760"/>
+          </a:xfrm>
+          <a:prstGeom prst="rect">
             <a:avLst/>
           </a:prstGeom>
           <a:ln w="19050">
             <a:solidFill>
               <a:srgbClr val="7030A0"/>
             </a:solidFill>
+          </a:ln>
+          <a:effectLst/>
+        </p:spPr>
+        <p:style>
+          <a:lnRef idx="1">
+            <a:schemeClr val="accent4"/>
+          </a:lnRef>
+          <a:fillRef idx="2">
+            <a:schemeClr val="accent4"/>
+          </a:fillRef>
+          <a:effectRef idx="1">
+            <a:schemeClr val="accent4"/>
+          </a:effectRef>
+          <a:fontRef idx="minor">
+            <a:schemeClr val="dk1"/>
+          </a:fontRef>
+        </p:style>
+        <p:txBody>
+          <a:bodyPr rtlCol="0" anchor="ctr"/>
+          <a:lstStyle/>
+          <a:p>
+            <a:pPr algn="ctr"/>
+            <a:r>
+              <a:rPr lang="en-US" sz="1050" dirty="0">
+                <a:solidFill>
+                  <a:srgbClr val="7030A0"/>
+                </a:solidFill>
+              </a:rPr>
+              <a:t>&lt;&lt;interface&gt;&gt;</a:t>
+            </a:r>
+            <a:br>
+              <a:rPr lang="en-US" sz="1050" dirty="0">
+                <a:solidFill>
+                  <a:srgbClr val="7030A0"/>
+                </a:solidFill>
+              </a:rPr>
+            </a:br>
+            <a:r>
+              <a:rPr lang="en-US" sz="1050" dirty="0">
+                <a:solidFill>
+                  <a:srgbClr val="7030A0"/>
+                </a:solidFill>
+              </a:rPr>
+              <a:t>ObservableList</a:t>
+            </a:r>
+            <a:endParaRPr lang="en-SG" sz="1050" dirty="0">
+              <a:solidFill>
+                <a:srgbClr val="7030A0"/>
+              </a:solidFill>
+            </a:endParaRPr>
+          </a:p>
+        </p:txBody>
+      </p:sp>
+      <p:cxnSp>
+        <p:nvCxnSpPr>
+          <p:cNvPr id="124" name="Elbow Connector 122"/>
+          <p:cNvCxnSpPr>
+            <a:cxnSpLocks/>
+            <a:endCxn id="122" idx="1"/>
+          </p:cNvCxnSpPr>
+          <p:nvPr/>
+        </p:nvCxnSpPr>
+        <p:spPr>
+          <a:xfrm rot="16200000" flipH="1">
+            <a:off x="1059675" y="4513393"/>
+            <a:ext cx="831471" cy="554381"/>
+          </a:xfrm>
+          <a:prstGeom prst="bentConnector2">
+            <a:avLst/>
+          </a:prstGeom>
+          <a:ln w="19050">
+            <a:solidFill>
+              <a:srgbClr val="7030A0"/>
+            </a:solidFill>
+            <a:prstDash val="sysDot"/>
             <a:headEnd type="none" w="med" len="med"/>
             <a:tailEnd type="arrow" w="med" len="med"/>
           </a:ln>
@@ -4580,14 +4709,215 @@
       </p:cxnSp>
       <p:sp>
         <p:nvSpPr>
-          <p:cNvPr id="83" name="Rectangle 8"/>
+          <p:cNvPr id="54" name="TextBox 53"/>
+          <p:cNvSpPr txBox="1"/>
+          <p:nvPr/>
+        </p:nvSpPr>
+        <p:spPr>
+          <a:xfrm>
+            <a:off x="4168972" y="3897030"/>
+            <a:ext cx="189257" cy="178683"/>
+          </a:xfrm>
+          <a:prstGeom prst="rect">
+            <a:avLst/>
+          </a:prstGeom>
+          <a:noFill/>
+        </p:spPr>
+        <p:txBody>
+          <a:bodyPr wrap="square" lIns="0" tIns="0" rIns="0" bIns="0" rtlCol="0">
+            <a:noAutofit/>
+          </a:bodyPr>
+          <a:lstStyle/>
+          <a:p>
+            <a:pPr algn="ctr"/>
+            <a:r>
+              <a:rPr lang="en-US" sz="1100" dirty="0">
+                <a:solidFill>
+                  <a:srgbClr val="7030A0"/>
+                </a:solidFill>
+              </a:rPr>
+              <a:t>1</a:t>
+            </a:r>
+            <a:endParaRPr lang="en-SG" sz="1100" dirty="0">
+              <a:solidFill>
+                <a:srgbClr val="7030A0"/>
+              </a:solidFill>
+            </a:endParaRPr>
+          </a:p>
+        </p:txBody>
+      </p:sp>
+      <p:sp>
+        <p:nvSpPr>
+          <p:cNvPr id="61" name="TextBox 60"/>
+          <p:cNvSpPr txBox="1"/>
+          <p:nvPr/>
+        </p:nvSpPr>
+        <p:spPr>
+          <a:xfrm>
+            <a:off x="5830456" y="3891366"/>
+            <a:ext cx="189257" cy="178683"/>
+          </a:xfrm>
+          <a:prstGeom prst="rect">
+            <a:avLst/>
+          </a:prstGeom>
+          <a:noFill/>
+        </p:spPr>
+        <p:txBody>
+          <a:bodyPr wrap="square" lIns="0" tIns="0" rIns="0" bIns="0" rtlCol="0">
+            <a:noAutofit/>
+          </a:bodyPr>
+          <a:lstStyle/>
+          <a:p>
+            <a:pPr algn="ctr"/>
+            <a:r>
+              <a:rPr lang="en-US" sz="1100" dirty="0">
+                <a:solidFill>
+                  <a:srgbClr val="7030A0"/>
+                </a:solidFill>
+              </a:rPr>
+              <a:t>*</a:t>
+            </a:r>
+            <a:endParaRPr lang="en-SG" sz="1100" dirty="0">
+              <a:solidFill>
+                <a:srgbClr val="7030A0"/>
+              </a:solidFill>
+            </a:endParaRPr>
+          </a:p>
+        </p:txBody>
+      </p:sp>
+      <p:sp>
+        <p:nvSpPr>
+          <p:cNvPr id="65" name="TextBox 64"/>
+          <p:cNvSpPr txBox="1"/>
+          <p:nvPr/>
+        </p:nvSpPr>
+        <p:spPr>
+          <a:xfrm>
+            <a:off x="2268594" y="3550164"/>
+            <a:ext cx="170110" cy="137542"/>
+          </a:xfrm>
+          <a:prstGeom prst="rect">
+            <a:avLst/>
+          </a:prstGeom>
+          <a:noFill/>
+        </p:spPr>
+        <p:txBody>
+          <a:bodyPr wrap="square" lIns="0" tIns="0" rIns="0" bIns="0" rtlCol="0">
+            <a:noAutofit/>
+          </a:bodyPr>
+          <a:lstStyle/>
+          <a:p>
+            <a:pPr algn="ctr"/>
+            <a:r>
+              <a:rPr lang="en-US" sz="1100" dirty="0">
+                <a:solidFill>
+                  <a:srgbClr val="7030A0"/>
+                </a:solidFill>
+              </a:rPr>
+              <a:t>1</a:t>
+            </a:r>
+            <a:endParaRPr lang="en-SG" sz="1100" dirty="0">
+              <a:solidFill>
+                <a:srgbClr val="7030A0"/>
+              </a:solidFill>
+            </a:endParaRPr>
+          </a:p>
+        </p:txBody>
+      </p:sp>
+      <p:sp>
+        <p:nvSpPr>
+          <p:cNvPr id="66" name="TextBox 65"/>
+          <p:cNvSpPr txBox="1"/>
+          <p:nvPr/>
+        </p:nvSpPr>
+        <p:spPr>
+          <a:xfrm>
+            <a:off x="2325391" y="4461186"/>
+            <a:ext cx="189257" cy="178683"/>
+          </a:xfrm>
+          <a:prstGeom prst="rect">
+            <a:avLst/>
+          </a:prstGeom>
+          <a:noFill/>
+        </p:spPr>
+        <p:txBody>
+          <a:bodyPr wrap="square" lIns="0" tIns="0" rIns="0" bIns="0" rtlCol="0">
+            <a:noAutofit/>
+          </a:bodyPr>
+          <a:lstStyle/>
+          <a:p>
+            <a:pPr algn="ctr"/>
+            <a:r>
+              <a:rPr lang="en-US" sz="1100" dirty="0">
+                <a:solidFill>
+                  <a:srgbClr val="7030A0"/>
+                </a:solidFill>
+              </a:rPr>
+              <a:t>1</a:t>
+            </a:r>
+            <a:endParaRPr lang="en-SG" sz="1100" dirty="0">
+              <a:solidFill>
+                <a:srgbClr val="7030A0"/>
+              </a:solidFill>
+            </a:endParaRPr>
+          </a:p>
+        </p:txBody>
+      </p:sp>
+      <p:sp>
+        <p:nvSpPr>
+          <p:cNvPr id="70" name="TextBox 69"/>
+          <p:cNvSpPr txBox="1"/>
+          <p:nvPr/>
+        </p:nvSpPr>
+        <p:spPr>
+          <a:xfrm>
+            <a:off x="6145096" y="3998275"/>
+            <a:ext cx="189257" cy="178683"/>
+          </a:xfrm>
+          <a:prstGeom prst="rect">
+            <a:avLst/>
+          </a:prstGeom>
+          <a:noFill/>
+        </p:spPr>
+        <p:txBody>
+          <a:bodyPr wrap="square" lIns="0" tIns="0" rIns="0" bIns="0" rtlCol="0">
+            <a:noAutofit/>
+          </a:bodyPr>
+          <a:lstStyle/>
+          <a:p>
+            <a:pPr algn="ctr"/>
+            <a:r>
+              <a:rPr lang="en-US" sz="1100" dirty="0">
+                <a:solidFill>
+                  <a:srgbClr val="7030A0"/>
+                </a:solidFill>
+              </a:rPr>
+              <a:t>1</a:t>
+            </a:r>
+            <a:endParaRPr lang="en-SG" sz="1100" dirty="0">
+              <a:solidFill>
+                <a:srgbClr val="7030A0"/>
+              </a:solidFill>
+            </a:endParaRPr>
+          </a:p>
+        </p:txBody>
+      </p:sp>
+      <p:sp>
+        <p:nvSpPr>
+          <p:cNvPr id="52" name="Rectangle 8">
+            <a:extLst>
+              <a:ext uri="{FF2B5EF4-FFF2-40B4-BE49-F238E27FC236}">
+                <a16:creationId xmlns:a16="http://schemas.microsoft.com/office/drawing/2014/main" id="{ABDCDBD2-131A-4B66-A2F2-43BBEE82C773}"/>
+              </a:ext>
+            </a:extLst>
+          </p:cNvPr>
           <p:cNvSpPr/>
           <p:nvPr/>
         </p:nvSpPr>
         <p:spPr>
           <a:xfrm>
-            <a:off x="7712397" y="3210194"/>
-            <a:ext cx="708186" cy="285783"/>
+            <a:off x="7393027" y="3362612"/>
+            <a:ext cx="867269" cy="285783"/>
           </a:xfrm>
           <a:prstGeom prst="rect">
             <a:avLst/>
@@ -4624,7 +4954,7 @@
                   <a:srgbClr val="7030A0"/>
                 </a:solidFill>
               </a:rPr>
-              <a:t>Email</a:t>
+              <a:t>Tag</a:t>
             </a:r>
             <a:endParaRPr lang="en-SG" sz="1050" dirty="0">
               <a:solidFill>
@@ -4634,21 +4964,122 @@
           </a:p>
         </p:txBody>
       </p:sp>
+      <p:sp>
+        <p:nvSpPr>
+          <p:cNvPr id="50" name="TextBox 49">
+            <a:extLst>
+              <a:ext uri="{FF2B5EF4-FFF2-40B4-BE49-F238E27FC236}">
+                <a16:creationId xmlns:a16="http://schemas.microsoft.com/office/drawing/2014/main" id="{B3FA9D57-880F-49C4-AD0B-A64E30D6F403}"/>
+              </a:ext>
+            </a:extLst>
+          </p:cNvPr>
+          <p:cNvSpPr txBox="1"/>
+          <p:nvPr/>
+        </p:nvSpPr>
+        <p:spPr>
+          <a:xfrm>
+            <a:off x="7146874" y="3389506"/>
+            <a:ext cx="231771" cy="178683"/>
+          </a:xfrm>
+          <a:prstGeom prst="rect">
+            <a:avLst/>
+          </a:prstGeom>
+          <a:noFill/>
+        </p:spPr>
+        <p:txBody>
+          <a:bodyPr wrap="square" lIns="0" tIns="0" rIns="0" bIns="0" rtlCol="0">
+            <a:noAutofit/>
+          </a:bodyPr>
+          <a:lstStyle/>
+          <a:p>
+            <a:pPr algn="ctr"/>
+            <a:r>
+              <a:rPr lang="en-US" sz="1100" dirty="0">
+                <a:solidFill>
+                  <a:srgbClr val="7030A0"/>
+                </a:solidFill>
+              </a:rPr>
+              <a:t>*</a:t>
+            </a:r>
+            <a:endParaRPr lang="en-SG" sz="1100" dirty="0">
+              <a:solidFill>
+                <a:srgbClr val="7030A0"/>
+              </a:solidFill>
+            </a:endParaRPr>
+          </a:p>
+        </p:txBody>
+      </p:sp>
+      <p:sp>
+        <p:nvSpPr>
+          <p:cNvPr id="55" name="Rectangle 8"/>
+          <p:cNvSpPr/>
+          <p:nvPr/>
+        </p:nvSpPr>
+        <p:spPr>
+          <a:xfrm>
+            <a:off x="2733327" y="2591977"/>
+            <a:ext cx="1060683" cy="364396"/>
+          </a:xfrm>
+          <a:prstGeom prst="rect">
+            <a:avLst/>
+          </a:prstGeom>
+          <a:ln w="19050">
+            <a:solidFill>
+              <a:srgbClr val="7030A0"/>
+            </a:solidFill>
+          </a:ln>
+          <a:effectLst/>
+        </p:spPr>
+        <p:style>
+          <a:lnRef idx="1">
+            <a:schemeClr val="accent4"/>
+          </a:lnRef>
+          <a:fillRef idx="2">
+            <a:schemeClr val="accent4"/>
+          </a:fillRef>
+          <a:effectRef idx="1">
+            <a:schemeClr val="accent4"/>
+          </a:effectRef>
+          <a:fontRef idx="minor">
+            <a:schemeClr val="dk1"/>
+          </a:fontRef>
+        </p:style>
+        <p:txBody>
+          <a:bodyPr rtlCol="0" anchor="ctr"/>
+          <a:lstStyle/>
+          <a:p>
+            <a:pPr algn="ctr"/>
+            <a:r>
+              <a:rPr lang="en-US" sz="1050" dirty="0">
+                <a:solidFill>
+                  <a:srgbClr val="7030A0"/>
+                </a:solidFill>
+              </a:rPr>
+              <a:t>TaskBook</a:t>
+            </a:r>
+            <a:endParaRPr lang="en-SG" sz="1050" dirty="0">
+              <a:solidFill>
+                <a:srgbClr val="7030A0"/>
+              </a:solidFill>
+            </a:endParaRPr>
+          </a:p>
+        </p:txBody>
+      </p:sp>
       <p:cxnSp>
         <p:nvCxnSpPr>
-          <p:cNvPr id="84" name="Elbow Connector 83"/>
+          <p:cNvPr id="60" name="Straight Arrow Connector 59"/>
           <p:cNvCxnSpPr>
-            <a:stCxn id="78" idx="3"/>
-            <a:endCxn id="83" idx="1"/>
+            <a:stCxn id="51" idx="1"/>
+            <a:endCxn id="49" idx="1"/>
           </p:cNvCxnSpPr>
           <p:nvPr/>
         </p:nvCxnSpPr>
         <p:spPr>
           <a:xfrm>
-            <a:off x="7277995" y="3034891"/>
-            <a:ext cx="434402" cy="318195"/>
-          </a:xfrm>
-          <a:prstGeom prst="bentConnector3">
+            <a:off x="4020172" y="3800671"/>
+            <a:ext cx="367678" cy="12320"/>
+          </a:xfrm>
+          <a:prstGeom prst="straightConnector1">
             <a:avLst/>
           </a:prstGeom>
           <a:ln w="19050">
@@ -4677,18 +5108,26 @@
       </p:cxnSp>
       <p:sp>
         <p:nvSpPr>
-          <p:cNvPr id="85" name="Rectangle 8"/>
+          <p:cNvPr id="68" name="Isosceles Triangle 102"/>
           <p:cNvSpPr/>
           <p:nvPr/>
         </p:nvSpPr>
         <p:spPr>
-          <a:xfrm>
-            <a:off x="7712397" y="3533171"/>
-            <a:ext cx="708186" cy="285783"/>
-          </a:xfrm>
-          <a:prstGeom prst="rect">
-            <a:avLst/>
-          </a:prstGeom>
+          <a:xfrm rot="16200000">
+            <a:off x="2232219" y="2662785"/>
+            <a:ext cx="271014" cy="187417"/>
+          </a:xfrm>
+          <a:prstGeom prst="triangle">
+            <a:avLst>
+              <a:gd name="adj" fmla="val 44517"/>
+            </a:avLst>
+          </a:prstGeom>
+          <a:solidFill>
+            <a:schemeClr val="accent4">
+              <a:lumMod val="20000"/>
+              <a:lumOff val="80000"/>
+            </a:schemeClr>
+          </a:solidFill>
           <a:ln w="19050">
             <a:solidFill>
               <a:srgbClr val="7030A0"/>
@@ -4698,13 +5137,13 @@
         </p:spPr>
         <p:style>
           <a:lnRef idx="1">
-            <a:schemeClr val="accent4"/>
+            <a:schemeClr val="accent6"/>
           </a:lnRef>
           <a:fillRef idx="2">
-            <a:schemeClr val="accent4"/>
+            <a:schemeClr val="accent6"/>
           </a:fillRef>
           <a:effectRef idx="1">
-            <a:schemeClr val="accent4"/>
+            <a:schemeClr val="accent6"/>
           </a:effectRef>
           <a:fontRef idx="minor">
             <a:schemeClr val="dk1"/>
@@ -4715,13 +5154,118 @@
           <a:lstStyle/>
           <a:p>
             <a:pPr algn="ctr"/>
+            <a:endParaRPr lang="en-SG" sz="1050"/>
+          </a:p>
+        </p:txBody>
+      </p:sp>
+      <p:cxnSp>
+        <p:nvCxnSpPr>
+          <p:cNvPr id="69" name="Elbow Connector 63"/>
+          <p:cNvCxnSpPr>
+            <a:stCxn id="68" idx="3"/>
+            <a:endCxn id="55" idx="1"/>
+          </p:cNvCxnSpPr>
+          <p:nvPr/>
+        </p:nvCxnSpPr>
+        <p:spPr>
+          <a:xfrm>
+            <a:off x="2461435" y="2771354"/>
+            <a:ext cx="271892" cy="2821"/>
+          </a:xfrm>
+          <a:prstGeom prst="bentConnector3">
+            <a:avLst>
+              <a:gd name="adj1" fmla="val 50000"/>
+            </a:avLst>
+          </a:prstGeom>
+          <a:ln w="19050">
+            <a:solidFill>
+              <a:srgbClr val="7030A0"/>
+            </a:solidFill>
+            <a:prstDash val="sysDot"/>
+            <a:headEnd type="none" w="med" len="med"/>
+            <a:tailEnd type="none" w="med" len="med"/>
+          </a:ln>
+          <a:effectLst/>
+        </p:spPr>
+        <p:style>
+          <a:lnRef idx="1">
+            <a:schemeClr val="accent2"/>
+          </a:lnRef>
+          <a:fillRef idx="2">
+            <a:schemeClr val="accent2"/>
+          </a:fillRef>
+          <a:effectRef idx="1">
+            <a:schemeClr val="accent2"/>
+          </a:effectRef>
+          <a:fontRef idx="minor">
+            <a:schemeClr val="dk1"/>
+          </a:fontRef>
+        </p:style>
+      </p:cxnSp>
+      <p:sp>
+        <p:nvSpPr>
+          <p:cNvPr id="57" name="Rectangle 8">
+            <a:extLst>
+              <a:ext uri="{FF2B5EF4-FFF2-40B4-BE49-F238E27FC236}">
+                <a16:creationId xmlns:a16="http://schemas.microsoft.com/office/drawing/2014/main" id="{6A42DA50-9012-4391-9EF3-285E4FA3FCD8}"/>
+              </a:ext>
+            </a:extLst>
+          </p:cNvPr>
+          <p:cNvSpPr/>
+          <p:nvPr/>
+        </p:nvSpPr>
+        <p:spPr>
+          <a:xfrm>
+            <a:off x="3934092" y="4254313"/>
+            <a:ext cx="1293486" cy="346760"/>
+          </a:xfrm>
+          <a:prstGeom prst="rect">
+            <a:avLst/>
+          </a:prstGeom>
+          <a:ln w="19050">
+            <a:solidFill>
+              <a:srgbClr val="7030A0"/>
+            </a:solidFill>
+          </a:ln>
+          <a:effectLst/>
+        </p:spPr>
+        <p:style>
+          <a:lnRef idx="1">
+            <a:schemeClr val="accent4"/>
+          </a:lnRef>
+          <a:fillRef idx="2">
+            <a:schemeClr val="accent4"/>
+          </a:fillRef>
+          <a:effectRef idx="1">
+            <a:schemeClr val="accent4"/>
+          </a:effectRef>
+          <a:fontRef idx="minor">
+            <a:schemeClr val="dk1"/>
+          </a:fontRef>
+        </p:style>
+        <p:txBody>
+          <a:bodyPr rtlCol="0" anchor="ctr"/>
+          <a:lstStyle/>
+          <a:p>
+            <a:pPr algn="ctr"/>
             <a:r>
               <a:rPr lang="en-US" sz="1050" dirty="0">
                 <a:solidFill>
                   <a:srgbClr val="7030A0"/>
                 </a:solidFill>
               </a:rPr>
-              <a:t>Address</a:t>
+              <a:t>&lt;&lt;interface&gt;&gt;</a:t>
+            </a:r>
+          </a:p>
+          <a:p>
+            <a:pPr algn="ctr"/>
+            <a:r>
+              <a:rPr lang="en-US" sz="1050" dirty="0">
+                <a:solidFill>
+                  <a:srgbClr val="7030A0"/>
+                </a:solidFill>
+              </a:rPr>
+              <a:t>ReadOnlyUserPrefs</a:t>
             </a:r>
             <a:endParaRPr lang="en-SG" sz="1050" dirty="0">
               <a:solidFill>
@@ -4731,21 +5275,663 @@
           </a:p>
         </p:txBody>
       </p:sp>
+      <p:sp>
+        <p:nvSpPr>
+          <p:cNvPr id="59" name="Isosceles Triangle 102">
+            <a:extLst>
+              <a:ext uri="{FF2B5EF4-FFF2-40B4-BE49-F238E27FC236}">
+                <a16:creationId xmlns:a16="http://schemas.microsoft.com/office/drawing/2014/main" id="{B263B2D7-6E76-465E-B40E-7E2A46254A84}"/>
+              </a:ext>
+            </a:extLst>
+          </p:cNvPr>
+          <p:cNvSpPr/>
+          <p:nvPr/>
+        </p:nvSpPr>
+        <p:spPr>
+          <a:xfrm rot="5400000" flipH="1">
+            <a:off x="3687836" y="4307863"/>
+            <a:ext cx="271014" cy="221497"/>
+          </a:xfrm>
+          <a:prstGeom prst="triangle">
+            <a:avLst>
+              <a:gd name="adj" fmla="val 44517"/>
+            </a:avLst>
+          </a:prstGeom>
+          <a:solidFill>
+            <a:schemeClr val="accent4">
+              <a:lumMod val="20000"/>
+              <a:lumOff val="80000"/>
+            </a:schemeClr>
+          </a:solidFill>
+          <a:ln w="19050">
+            <a:solidFill>
+              <a:srgbClr val="7030A0"/>
+            </a:solidFill>
+          </a:ln>
+          <a:effectLst/>
+        </p:spPr>
+        <p:style>
+          <a:lnRef idx="1">
+            <a:schemeClr val="accent6"/>
+          </a:lnRef>
+          <a:fillRef idx="2">
+            <a:schemeClr val="accent6"/>
+          </a:fillRef>
+          <a:effectRef idx="1">
+            <a:schemeClr val="accent6"/>
+          </a:effectRef>
+          <a:fontRef idx="minor">
+            <a:schemeClr val="dk1"/>
+          </a:fontRef>
+        </p:style>
+        <p:txBody>
+          <a:bodyPr rtlCol="0" anchor="ctr"/>
+          <a:lstStyle/>
+          <a:p>
+            <a:pPr algn="ctr"/>
+            <a:endParaRPr lang="en-SG" sz="1050"/>
+          </a:p>
+        </p:txBody>
+      </p:sp>
       <p:cxnSp>
         <p:nvCxnSpPr>
-          <p:cNvPr id="86" name="Elbow Connector 85"/>
+          <p:cNvPr id="67" name="Elbow Connector 63">
+            <a:extLst>
+              <a:ext uri="{FF2B5EF4-FFF2-40B4-BE49-F238E27FC236}">
+                <a16:creationId xmlns:a16="http://schemas.microsoft.com/office/drawing/2014/main" id="{BA3A25CD-7C1D-4B3B-B294-1B05ABCFECFD}"/>
+              </a:ext>
+            </a:extLst>
+          </p:cNvPr>
           <p:cNvCxnSpPr>
-            <a:stCxn id="78" idx="3"/>
-            <a:endCxn id="85" idx="1"/>
+            <a:cxnSpLocks/>
+            <a:stCxn id="59" idx="3"/>
+            <a:endCxn id="2" idx="3"/>
           </p:cNvCxnSpPr>
           <p:nvPr/>
         </p:nvCxnSpPr>
         <p:spPr>
+          <a:xfrm rot="10800000">
+            <a:off x="3398691" y="4430070"/>
+            <a:ext cx="313904" cy="3403"/>
+          </a:xfrm>
+          <a:prstGeom prst="bentConnector3">
+            <a:avLst>
+              <a:gd name="adj1" fmla="val 50000"/>
+            </a:avLst>
+          </a:prstGeom>
+          <a:ln w="19050">
+            <a:solidFill>
+              <a:srgbClr val="7030A0"/>
+            </a:solidFill>
+            <a:prstDash val="sysDot"/>
+            <a:headEnd type="none" w="med" len="med"/>
+            <a:tailEnd type="none" w="med" len="med"/>
+          </a:ln>
+          <a:effectLst/>
+        </p:spPr>
+        <p:style>
+          <a:lnRef idx="1">
+            <a:schemeClr val="accent2"/>
+          </a:lnRef>
+          <a:fillRef idx="2">
+            <a:schemeClr val="accent2"/>
+          </a:fillRef>
+          <a:effectRef idx="1">
+            <a:schemeClr val="accent2"/>
+          </a:effectRef>
+          <a:fontRef idx="minor">
+            <a:schemeClr val="dk1"/>
+          </a:fontRef>
+        </p:style>
+      </p:cxnSp>
+      <p:sp>
+        <p:nvSpPr>
+          <p:cNvPr id="130" name="Rectangle 8">
+            <a:extLst>
+              <a:ext uri="{FF2B5EF4-FFF2-40B4-BE49-F238E27FC236}">
+                <a16:creationId xmlns:a16="http://schemas.microsoft.com/office/drawing/2014/main" id="{6EA1720F-AF3B-4513-A83A-75933938FF78}"/>
+              </a:ext>
+            </a:extLst>
+          </p:cNvPr>
+          <p:cNvSpPr/>
+          <p:nvPr/>
+        </p:nvSpPr>
+        <p:spPr>
           <a:xfrm>
-            <a:off x="7277995" y="3034891"/>
-            <a:ext cx="434402" cy="641172"/>
-          </a:xfrm>
-          <a:prstGeom prst="bentConnector3">
+            <a:off x="7393028" y="3682866"/>
+            <a:ext cx="874528" cy="285783"/>
+          </a:xfrm>
+          <a:prstGeom prst="rect">
+            <a:avLst/>
+          </a:prstGeom>
+          <a:ln w="19050">
+            <a:solidFill>
+              <a:srgbClr val="7030A0"/>
+            </a:solidFill>
+          </a:ln>
+          <a:effectLst/>
+        </p:spPr>
+        <p:style>
+          <a:lnRef idx="1">
+            <a:schemeClr val="accent4"/>
+          </a:lnRef>
+          <a:fillRef idx="2">
+            <a:schemeClr val="accent4"/>
+          </a:fillRef>
+          <a:effectRef idx="1">
+            <a:schemeClr val="accent4"/>
+          </a:effectRef>
+          <a:fontRef idx="minor">
+            <a:schemeClr val="dk1"/>
+          </a:fontRef>
+        </p:style>
+        <p:txBody>
+          <a:bodyPr rtlCol="0" anchor="ctr"/>
+          <a:lstStyle/>
+          <a:p>
+            <a:pPr algn="ctr"/>
+            <a:r>
+              <a:rPr lang="en-US" sz="1050" dirty="0">
+                <a:solidFill>
+                  <a:srgbClr val="7030A0"/>
+                </a:solidFill>
+              </a:rPr>
+              <a:t>Name</a:t>
+            </a:r>
+            <a:endParaRPr lang="en-SG" sz="1050" dirty="0">
+              <a:solidFill>
+                <a:srgbClr val="7030A0"/>
+              </a:solidFill>
+            </a:endParaRPr>
+          </a:p>
+        </p:txBody>
+      </p:sp>
+      <p:sp>
+        <p:nvSpPr>
+          <p:cNvPr id="132" name="Rectangle 8">
+            <a:extLst>
+              <a:ext uri="{FF2B5EF4-FFF2-40B4-BE49-F238E27FC236}">
+                <a16:creationId xmlns:a16="http://schemas.microsoft.com/office/drawing/2014/main" id="{5047F02F-F463-407F-BC3A-33DCC8829F91}"/>
+              </a:ext>
+            </a:extLst>
+          </p:cNvPr>
+          <p:cNvSpPr/>
+          <p:nvPr/>
+        </p:nvSpPr>
+        <p:spPr>
+          <a:xfrm>
+            <a:off x="7393028" y="4005844"/>
+            <a:ext cx="867269" cy="285783"/>
+          </a:xfrm>
+          <a:prstGeom prst="rect">
+            <a:avLst/>
+          </a:prstGeom>
+          <a:ln w="19050">
+            <a:solidFill>
+              <a:srgbClr val="7030A0"/>
+            </a:solidFill>
+          </a:ln>
+          <a:effectLst/>
+        </p:spPr>
+        <p:style>
+          <a:lnRef idx="1">
+            <a:schemeClr val="accent4"/>
+          </a:lnRef>
+          <a:fillRef idx="2">
+            <a:schemeClr val="accent4"/>
+          </a:fillRef>
+          <a:effectRef idx="1">
+            <a:schemeClr val="accent4"/>
+          </a:effectRef>
+          <a:fontRef idx="minor">
+            <a:schemeClr val="dk1"/>
+          </a:fontRef>
+        </p:style>
+        <p:txBody>
+          <a:bodyPr rtlCol="0" anchor="ctr"/>
+          <a:lstStyle/>
+          <a:p>
+            <a:pPr algn="ctr"/>
+            <a:r>
+              <a:rPr lang="en-US" sz="1050" dirty="0">
+                <a:solidFill>
+                  <a:srgbClr val="7030A0"/>
+                </a:solidFill>
+              </a:rPr>
+              <a:t>StartDate</a:t>
+            </a:r>
+            <a:endParaRPr lang="en-SG" sz="1050" dirty="0">
+              <a:solidFill>
+                <a:srgbClr val="7030A0"/>
+              </a:solidFill>
+            </a:endParaRPr>
+          </a:p>
+        </p:txBody>
+      </p:sp>
+      <p:sp>
+        <p:nvSpPr>
+          <p:cNvPr id="133" name="Rectangle 8">
+            <a:extLst>
+              <a:ext uri="{FF2B5EF4-FFF2-40B4-BE49-F238E27FC236}">
+                <a16:creationId xmlns:a16="http://schemas.microsoft.com/office/drawing/2014/main" id="{3AAF65FF-4539-4D97-BDC4-041AB751469D}"/>
+              </a:ext>
+            </a:extLst>
+          </p:cNvPr>
+          <p:cNvSpPr/>
+          <p:nvPr/>
+        </p:nvSpPr>
+        <p:spPr>
+          <a:xfrm>
+            <a:off x="7393029" y="4328822"/>
+            <a:ext cx="867270" cy="285783"/>
+          </a:xfrm>
+          <a:prstGeom prst="rect">
+            <a:avLst/>
+          </a:prstGeom>
+          <a:ln w="19050">
+            <a:solidFill>
+              <a:srgbClr val="7030A0"/>
+            </a:solidFill>
+          </a:ln>
+          <a:effectLst/>
+        </p:spPr>
+        <p:style>
+          <a:lnRef idx="1">
+            <a:schemeClr val="accent4"/>
+          </a:lnRef>
+          <a:fillRef idx="2">
+            <a:schemeClr val="accent4"/>
+          </a:fillRef>
+          <a:effectRef idx="1">
+            <a:schemeClr val="accent4"/>
+          </a:effectRef>
+          <a:fontRef idx="minor">
+            <a:schemeClr val="dk1"/>
+          </a:fontRef>
+        </p:style>
+        <p:txBody>
+          <a:bodyPr rtlCol="0" anchor="ctr"/>
+          <a:lstStyle/>
+          <a:p>
+            <a:pPr algn="ctr"/>
+            <a:r>
+              <a:rPr lang="en-US" sz="1050" dirty="0">
+                <a:solidFill>
+                  <a:srgbClr val="7030A0"/>
+                </a:solidFill>
+              </a:rPr>
+              <a:t>StartTime</a:t>
+            </a:r>
+            <a:endParaRPr lang="en-SG" sz="1050" dirty="0">
+              <a:solidFill>
+                <a:srgbClr val="7030A0"/>
+              </a:solidFill>
+            </a:endParaRPr>
+          </a:p>
+        </p:txBody>
+      </p:sp>
+      <p:sp>
+        <p:nvSpPr>
+          <p:cNvPr id="135" name="Rectangle 8">
+            <a:extLst>
+              <a:ext uri="{FF2B5EF4-FFF2-40B4-BE49-F238E27FC236}">
+                <a16:creationId xmlns:a16="http://schemas.microsoft.com/office/drawing/2014/main" id="{0D349634-2488-4BA9-B442-A5E21C4AB11E}"/>
+              </a:ext>
+            </a:extLst>
+          </p:cNvPr>
+          <p:cNvSpPr/>
+          <p:nvPr/>
+        </p:nvSpPr>
+        <p:spPr>
+          <a:xfrm>
+            <a:off x="7393028" y="4651799"/>
+            <a:ext cx="874527" cy="285783"/>
+          </a:xfrm>
+          <a:prstGeom prst="rect">
+            <a:avLst/>
+          </a:prstGeom>
+          <a:ln w="19050">
+            <a:solidFill>
+              <a:srgbClr val="7030A0"/>
+            </a:solidFill>
+          </a:ln>
+          <a:effectLst/>
+        </p:spPr>
+        <p:style>
+          <a:lnRef idx="1">
+            <a:schemeClr val="accent4"/>
+          </a:lnRef>
+          <a:fillRef idx="2">
+            <a:schemeClr val="accent4"/>
+          </a:fillRef>
+          <a:effectRef idx="1">
+            <a:schemeClr val="accent4"/>
+          </a:effectRef>
+          <a:fontRef idx="minor">
+            <a:schemeClr val="dk1"/>
+          </a:fontRef>
+        </p:style>
+        <p:txBody>
+          <a:bodyPr rtlCol="0" anchor="ctr"/>
+          <a:lstStyle/>
+          <a:p>
+            <a:pPr algn="ctr"/>
+            <a:r>
+              <a:rPr lang="en-US" sz="1050" dirty="0">
+                <a:solidFill>
+                  <a:srgbClr val="7030A0"/>
+                </a:solidFill>
+              </a:rPr>
+              <a:t>EndDate</a:t>
+            </a:r>
+            <a:endParaRPr lang="en-SG" sz="1050" dirty="0">
+              <a:solidFill>
+                <a:srgbClr val="7030A0"/>
+              </a:solidFill>
+            </a:endParaRPr>
+          </a:p>
+        </p:txBody>
+      </p:sp>
+      <p:sp>
+        <p:nvSpPr>
+          <p:cNvPr id="137" name="Rectangle 8">
+            <a:extLst>
+              <a:ext uri="{FF2B5EF4-FFF2-40B4-BE49-F238E27FC236}">
+                <a16:creationId xmlns:a16="http://schemas.microsoft.com/office/drawing/2014/main" id="{D863CD1A-1FA9-4C69-B893-CAEDFF2A8476}"/>
+              </a:ext>
+            </a:extLst>
+          </p:cNvPr>
+          <p:cNvSpPr/>
+          <p:nvPr/>
+        </p:nvSpPr>
+        <p:spPr>
+          <a:xfrm>
+            <a:off x="7393028" y="4974776"/>
+            <a:ext cx="874527" cy="285783"/>
+          </a:xfrm>
+          <a:prstGeom prst="rect">
+            <a:avLst/>
+          </a:prstGeom>
+          <a:ln w="19050">
+            <a:solidFill>
+              <a:srgbClr val="7030A0"/>
+            </a:solidFill>
+          </a:ln>
+          <a:effectLst/>
+        </p:spPr>
+        <p:style>
+          <a:lnRef idx="1">
+            <a:schemeClr val="accent4"/>
+          </a:lnRef>
+          <a:fillRef idx="2">
+            <a:schemeClr val="accent4"/>
+          </a:fillRef>
+          <a:effectRef idx="1">
+            <a:schemeClr val="accent4"/>
+          </a:effectRef>
+          <a:fontRef idx="minor">
+            <a:schemeClr val="dk1"/>
+          </a:fontRef>
+        </p:style>
+        <p:txBody>
+          <a:bodyPr rtlCol="0" anchor="ctr"/>
+          <a:lstStyle/>
+          <a:p>
+            <a:pPr algn="ctr"/>
+            <a:r>
+              <a:rPr lang="en-US" sz="1050" dirty="0">
+                <a:solidFill>
+                  <a:srgbClr val="7030A0"/>
+                </a:solidFill>
+              </a:rPr>
+              <a:t>EndTime</a:t>
+            </a:r>
+            <a:endParaRPr lang="en-SG" sz="1050" dirty="0">
+              <a:solidFill>
+                <a:srgbClr val="7030A0"/>
+              </a:solidFill>
+            </a:endParaRPr>
+          </a:p>
+        </p:txBody>
+      </p:sp>
+      <p:cxnSp>
+        <p:nvCxnSpPr>
+          <p:cNvPr id="138" name="Elbow Connector 80">
+            <a:extLst>
+              <a:ext uri="{FF2B5EF4-FFF2-40B4-BE49-F238E27FC236}">
+                <a16:creationId xmlns:a16="http://schemas.microsoft.com/office/drawing/2014/main" id="{8D2AA1B2-621F-4B0A-85E7-8BC2A584EDEA}"/>
+              </a:ext>
+            </a:extLst>
+          </p:cNvPr>
+          <p:cNvCxnSpPr>
+            <a:cxnSpLocks/>
+            <a:endCxn id="137" idx="1"/>
+          </p:cNvCxnSpPr>
+          <p:nvPr/>
+        </p:nvCxnSpPr>
+        <p:spPr>
+          <a:xfrm rot="16200000" flipH="1">
+            <a:off x="7096037" y="4820677"/>
+            <a:ext cx="322980" cy="271002"/>
+          </a:xfrm>
+          <a:prstGeom prst="bentConnector2">
+            <a:avLst/>
+          </a:prstGeom>
+          <a:ln w="19050">
+            <a:solidFill>
+              <a:srgbClr val="7030A0"/>
+            </a:solidFill>
+            <a:headEnd type="none" w="med" len="med"/>
+            <a:tailEnd type="arrow" w="med" len="med"/>
+          </a:ln>
+          <a:effectLst/>
+        </p:spPr>
+        <p:style>
+          <a:lnRef idx="1">
+            <a:schemeClr val="accent2"/>
+          </a:lnRef>
+          <a:fillRef idx="2">
+            <a:schemeClr val="accent2"/>
+          </a:fillRef>
+          <a:effectRef idx="1">
+            <a:schemeClr val="accent2"/>
+          </a:effectRef>
+          <a:fontRef idx="minor">
+            <a:schemeClr val="dk1"/>
+          </a:fontRef>
+        </p:style>
+      </p:cxnSp>
+      <p:sp>
+        <p:nvSpPr>
+          <p:cNvPr id="139" name="Rectangle 8">
+            <a:extLst>
+              <a:ext uri="{FF2B5EF4-FFF2-40B4-BE49-F238E27FC236}">
+                <a16:creationId xmlns:a16="http://schemas.microsoft.com/office/drawing/2014/main" id="{E400448B-9446-445C-A8DB-4C456E9481A6}"/>
+              </a:ext>
+            </a:extLst>
+          </p:cNvPr>
+          <p:cNvSpPr/>
+          <p:nvPr/>
+        </p:nvSpPr>
+        <p:spPr>
+          <a:xfrm>
+            <a:off x="7395709" y="5292961"/>
+            <a:ext cx="874527" cy="285783"/>
+          </a:xfrm>
+          <a:prstGeom prst="rect">
+            <a:avLst/>
+          </a:prstGeom>
+          <a:ln w="19050">
+            <a:solidFill>
+              <a:srgbClr val="7030A0"/>
+            </a:solidFill>
+          </a:ln>
+          <a:effectLst/>
+        </p:spPr>
+        <p:style>
+          <a:lnRef idx="1">
+            <a:schemeClr val="accent4"/>
+          </a:lnRef>
+          <a:fillRef idx="2">
+            <a:schemeClr val="accent4"/>
+          </a:fillRef>
+          <a:effectRef idx="1">
+            <a:schemeClr val="accent4"/>
+          </a:effectRef>
+          <a:fontRef idx="minor">
+            <a:schemeClr val="dk1"/>
+          </a:fontRef>
+        </p:style>
+        <p:txBody>
+          <a:bodyPr rtlCol="0" anchor="ctr"/>
+          <a:lstStyle/>
+          <a:p>
+            <a:pPr algn="ctr"/>
+            <a:r>
+              <a:rPr lang="en-US" sz="1050" dirty="0">
+                <a:solidFill>
+                  <a:srgbClr val="7030A0"/>
+                </a:solidFill>
+              </a:rPr>
+              <a:t>Description</a:t>
+            </a:r>
+            <a:endParaRPr lang="en-SG" sz="1050" dirty="0">
+              <a:solidFill>
+                <a:srgbClr val="7030A0"/>
+              </a:solidFill>
+            </a:endParaRPr>
+          </a:p>
+        </p:txBody>
+      </p:sp>
+      <p:cxnSp>
+        <p:nvCxnSpPr>
+          <p:cNvPr id="140" name="Elbow Connector 80">
+            <a:extLst>
+              <a:ext uri="{FF2B5EF4-FFF2-40B4-BE49-F238E27FC236}">
+                <a16:creationId xmlns:a16="http://schemas.microsoft.com/office/drawing/2014/main" id="{0E316A2C-7DF3-45B1-A16A-589E2E8CEF52}"/>
+              </a:ext>
+            </a:extLst>
+          </p:cNvPr>
+          <p:cNvCxnSpPr>
+            <a:cxnSpLocks/>
+            <a:endCxn id="139" idx="1"/>
+          </p:cNvCxnSpPr>
+          <p:nvPr/>
+        </p:nvCxnSpPr>
+        <p:spPr>
+          <a:xfrm rot="16200000" flipH="1">
+            <a:off x="7101692" y="5141836"/>
+            <a:ext cx="314344" cy="273690"/>
+          </a:xfrm>
+          <a:prstGeom prst="bentConnector2">
+            <a:avLst/>
+          </a:prstGeom>
+          <a:ln w="19050">
+            <a:solidFill>
+              <a:srgbClr val="7030A0"/>
+            </a:solidFill>
+            <a:headEnd type="none" w="med" len="med"/>
+            <a:tailEnd type="arrow" w="med" len="med"/>
+          </a:ln>
+          <a:effectLst/>
+        </p:spPr>
+        <p:style>
+          <a:lnRef idx="1">
+            <a:schemeClr val="accent2"/>
+          </a:lnRef>
+          <a:fillRef idx="2">
+            <a:schemeClr val="accent2"/>
+          </a:fillRef>
+          <a:effectRef idx="1">
+            <a:schemeClr val="accent2"/>
+          </a:effectRef>
+          <a:fontRef idx="minor">
+            <a:schemeClr val="dk1"/>
+          </a:fontRef>
+        </p:style>
+      </p:cxnSp>
+      <p:sp>
+        <p:nvSpPr>
+          <p:cNvPr id="141" name="Rectangle 8">
+            <a:extLst>
+              <a:ext uri="{FF2B5EF4-FFF2-40B4-BE49-F238E27FC236}">
+                <a16:creationId xmlns:a16="http://schemas.microsoft.com/office/drawing/2014/main" id="{7C3E0BBD-CC41-4129-96F1-07E86CC8D68C}"/>
+              </a:ext>
+            </a:extLst>
+          </p:cNvPr>
+          <p:cNvSpPr/>
+          <p:nvPr/>
+        </p:nvSpPr>
+        <p:spPr>
+          <a:xfrm>
+            <a:off x="7403656" y="5614617"/>
+            <a:ext cx="874527" cy="285783"/>
+          </a:xfrm>
+          <a:prstGeom prst="rect">
+            <a:avLst/>
+          </a:prstGeom>
+          <a:ln w="19050">
+            <a:solidFill>
+              <a:srgbClr val="7030A0"/>
+            </a:solidFill>
+          </a:ln>
+          <a:effectLst/>
+        </p:spPr>
+        <p:style>
+          <a:lnRef idx="1">
+            <a:schemeClr val="accent4"/>
+          </a:lnRef>
+          <a:fillRef idx="2">
+            <a:schemeClr val="accent4"/>
+          </a:fillRef>
+          <a:effectRef idx="1">
+            <a:schemeClr val="accent4"/>
+          </a:effectRef>
+          <a:fontRef idx="minor">
+            <a:schemeClr val="dk1"/>
+          </a:fontRef>
+        </p:style>
+        <p:txBody>
+          <a:bodyPr rtlCol="0" anchor="ctr"/>
+          <a:lstStyle/>
+          <a:p>
+            <a:pPr algn="ctr"/>
+            <a:r>
+              <a:rPr lang="en-US" sz="1050" dirty="0">
+                <a:solidFill>
+                  <a:srgbClr val="7030A0"/>
+                </a:solidFill>
+              </a:rPr>
+              <a:t>Category</a:t>
+            </a:r>
+            <a:endParaRPr lang="en-SG" sz="1050" dirty="0">
+              <a:solidFill>
+                <a:srgbClr val="7030A0"/>
+              </a:solidFill>
+            </a:endParaRPr>
+          </a:p>
+        </p:txBody>
+      </p:sp>
+      <p:cxnSp>
+        <p:nvCxnSpPr>
+          <p:cNvPr id="142" name="Elbow Connector 80">
+            <a:extLst>
+              <a:ext uri="{FF2B5EF4-FFF2-40B4-BE49-F238E27FC236}">
+                <a16:creationId xmlns:a16="http://schemas.microsoft.com/office/drawing/2014/main" id="{28A873BE-3C8A-49A5-BAAB-0BAFABCFD14C}"/>
+              </a:ext>
+            </a:extLst>
+          </p:cNvPr>
+          <p:cNvCxnSpPr>
+            <a:cxnSpLocks/>
+          </p:cNvCxnSpPr>
+          <p:nvPr/>
+        </p:nvCxnSpPr>
+        <p:spPr>
+          <a:xfrm rot="16200000" flipH="1">
+            <a:off x="7106361" y="5454294"/>
+            <a:ext cx="314342" cy="273069"/>
+          </a:xfrm>
+          <a:prstGeom prst="bentConnector2">
             <a:avLst/>
           </a:prstGeom>
           <a:ln w="19050">
@@ -4774,30 +5960,32 @@
       </p:cxnSp>
       <p:cxnSp>
         <p:nvCxnSpPr>
-          <p:cNvPr id="97" name="Elbow Connector 63"/>
+          <p:cNvPr id="143" name="Elbow Connector 78">
+            <a:extLst>
+              <a:ext uri="{FF2B5EF4-FFF2-40B4-BE49-F238E27FC236}">
+                <a16:creationId xmlns:a16="http://schemas.microsoft.com/office/drawing/2014/main" id="{17048CD0-329D-4821-A59A-85801ABEE36E}"/>
+              </a:ext>
+            </a:extLst>
+          </p:cNvPr>
           <p:cNvCxnSpPr>
             <a:cxnSpLocks/>
-            <a:stCxn id="99" idx="3"/>
           </p:cNvCxnSpPr>
           <p:nvPr/>
         </p:nvCxnSpPr>
         <p:spPr>
-          <a:xfrm rot="16200000" flipH="1">
-            <a:off x="3566454" y="2680653"/>
-            <a:ext cx="274076" cy="1"/>
-          </a:xfrm>
-          <a:prstGeom prst="bentConnector3">
-            <a:avLst>
-              <a:gd name="adj1" fmla="val 50000"/>
-            </a:avLst>
+          <a:xfrm rot="5400000" flipH="1" flipV="1">
+            <a:off x="7104219" y="4174053"/>
+            <a:ext cx="319291" cy="282632"/>
+          </a:xfrm>
+          <a:prstGeom prst="bentConnector2">
+            <a:avLst/>
           </a:prstGeom>
           <a:ln w="19050">
             <a:solidFill>
               <a:srgbClr val="7030A0"/>
             </a:solidFill>
-            <a:prstDash val="sysDot"/>
             <a:headEnd type="none" w="med" len="med"/>
-            <a:tailEnd type="none" w="med" len="med"/>
+            <a:tailEnd type="arrow" w="med" len="med"/>
           </a:ln>
           <a:effectLst/>
         </p:spPr>
@@ -4816,263 +6004,32 @@
           </a:fontRef>
         </p:style>
       </p:cxnSp>
-      <p:sp>
-        <p:nvSpPr>
-          <p:cNvPr id="99" name="Isosceles Triangle 102"/>
-          <p:cNvSpPr/>
+      <p:cxnSp>
+        <p:nvCxnSpPr>
+          <p:cNvPr id="144" name="Elbow Connector 80">
+            <a:extLst>
+              <a:ext uri="{FF2B5EF4-FFF2-40B4-BE49-F238E27FC236}">
+                <a16:creationId xmlns:a16="http://schemas.microsoft.com/office/drawing/2014/main" id="{742DD852-2299-4647-8797-8AB1F0F95B20}"/>
+              </a:ext>
+            </a:extLst>
+          </p:cNvPr>
+          <p:cNvCxnSpPr>
+            <a:cxnSpLocks/>
+          </p:cNvCxnSpPr>
           <p:nvPr/>
-        </p:nvSpPr>
-        <p:spPr>
-          <a:xfrm rot="10800000" flipV="1">
-            <a:off x="3562299" y="2386554"/>
-            <a:ext cx="282387" cy="157062"/>
-          </a:xfrm>
-          <a:prstGeom prst="triangle">
+        </p:nvCxnSpPr>
+        <p:spPr>
+          <a:xfrm rot="16200000" flipH="1">
+            <a:off x="7098711" y="4494979"/>
+            <a:ext cx="322980" cy="271002"/>
+          </a:xfrm>
+          <a:prstGeom prst="bentConnector2">
             <a:avLst/>
           </a:prstGeom>
-          <a:solidFill>
-            <a:schemeClr val="accent4">
-              <a:lumMod val="20000"/>
-              <a:lumOff val="80000"/>
-            </a:schemeClr>
-          </a:solidFill>
           <a:ln w="19050">
             <a:solidFill>
               <a:srgbClr val="7030A0"/>
             </a:solidFill>
-          </a:ln>
-          <a:effectLst/>
-        </p:spPr>
-        <p:style>
-          <a:lnRef idx="1">
-            <a:schemeClr val="accent4"/>
-          </a:lnRef>
-          <a:fillRef idx="2">
-            <a:schemeClr val="accent4"/>
-          </a:fillRef>
-          <a:effectRef idx="1">
-            <a:schemeClr val="accent4"/>
-          </a:effectRef>
-          <a:fontRef idx="minor">
-            <a:schemeClr val="dk1"/>
-          </a:fontRef>
-        </p:style>
-        <p:txBody>
-          <a:bodyPr rtlCol="0" anchor="ctr"/>
-          <a:lstStyle/>
-          <a:p>
-            <a:pPr algn="ctr"/>
-            <a:endParaRPr lang="en-SG" sz="1050" b="1">
-              <a:solidFill>
-                <a:srgbClr val="92D050"/>
-              </a:solidFill>
-            </a:endParaRPr>
-          </a:p>
-        </p:txBody>
-      </p:sp>
-      <p:sp>
-        <p:nvSpPr>
-          <p:cNvPr id="100" name="Rectangle 8"/>
-          <p:cNvSpPr/>
-          <p:nvPr/>
-        </p:nvSpPr>
-        <p:spPr>
-          <a:xfrm>
-            <a:off x="1260922" y="1998350"/>
-            <a:ext cx="1443661" cy="364396"/>
-          </a:xfrm>
-          <a:prstGeom prst="rect">
-            <a:avLst/>
-          </a:prstGeom>
-          <a:ln w="19050">
-            <a:solidFill>
-              <a:srgbClr val="7030A0"/>
-            </a:solidFill>
-          </a:ln>
-          <a:effectLst/>
-        </p:spPr>
-        <p:style>
-          <a:lnRef idx="1">
-            <a:schemeClr val="accent4"/>
-          </a:lnRef>
-          <a:fillRef idx="2">
-            <a:schemeClr val="accent4"/>
-          </a:fillRef>
-          <a:effectRef idx="1">
-            <a:schemeClr val="accent4"/>
-          </a:effectRef>
-          <a:fontRef idx="minor">
-            <a:schemeClr val="dk1"/>
-          </a:fontRef>
-        </p:style>
-        <p:txBody>
-          <a:bodyPr rtlCol="0" anchor="ctr"/>
-          <a:lstStyle/>
-          <a:p>
-            <a:pPr algn="ctr"/>
-            <a:r>
-              <a:rPr lang="en-US" sz="1050" dirty="0">
-                <a:solidFill>
-                  <a:srgbClr val="7030A0"/>
-                </a:solidFill>
-              </a:rPr>
-              <a:t>&lt;&lt;interface&gt;&gt;</a:t>
-            </a:r>
-            <a:br>
-              <a:rPr lang="en-US" sz="1050" dirty="0">
-                <a:solidFill>
-                  <a:srgbClr val="7030A0"/>
-                </a:solidFill>
-              </a:rPr>
-            </a:br>
-            <a:r>
-              <a:rPr lang="en-US" sz="1050" dirty="0" err="1">
-                <a:solidFill>
-                  <a:srgbClr val="7030A0"/>
-                </a:solidFill>
-              </a:rPr>
-              <a:t>ReadOnlyAddressBook</a:t>
-            </a:r>
-            <a:endParaRPr lang="en-SG" sz="1050" dirty="0">
-              <a:solidFill>
-                <a:srgbClr val="7030A0"/>
-              </a:solidFill>
-            </a:endParaRPr>
-          </a:p>
-        </p:txBody>
-      </p:sp>
-      <p:sp>
-        <p:nvSpPr>
-          <p:cNvPr id="114" name="TextBox 113"/>
-          <p:cNvSpPr txBox="1"/>
-          <p:nvPr/>
-        </p:nvSpPr>
-        <p:spPr>
-          <a:xfrm rot="16200000">
-            <a:off x="6362886" y="3586305"/>
-            <a:ext cx="881018" cy="261610"/>
-          </a:xfrm>
-          <a:prstGeom prst="rect">
-            <a:avLst/>
-          </a:prstGeom>
-          <a:noFill/>
-        </p:spPr>
-        <p:txBody>
-          <a:bodyPr wrap="square" rtlCol="0">
-            <a:spAutoFit/>
-          </a:bodyPr>
-          <a:lstStyle/>
-          <a:p>
-            <a:pPr algn="r"/>
-            <a:r>
-              <a:rPr lang="en-US" sz="1100" dirty="0">
-                <a:solidFill>
-                  <a:srgbClr val="7030A0"/>
-                </a:solidFill>
-              </a:rPr>
-              <a:t>filtered list</a:t>
-            </a:r>
-            <a:endParaRPr lang="en-SG" sz="1100" dirty="0">
-              <a:solidFill>
-                <a:srgbClr val="7030A0"/>
-              </a:solidFill>
-            </a:endParaRPr>
-          </a:p>
-        </p:txBody>
-      </p:sp>
-      <p:sp>
-        <p:nvSpPr>
-          <p:cNvPr id="122" name="Rectangle 8"/>
-          <p:cNvSpPr/>
-          <p:nvPr/>
-        </p:nvSpPr>
-        <p:spPr>
-          <a:xfrm>
-            <a:off x="2057401" y="4239491"/>
-            <a:ext cx="1066800" cy="346760"/>
-          </a:xfrm>
-          <a:prstGeom prst="rect">
-            <a:avLst/>
-          </a:prstGeom>
-          <a:ln w="19050">
-            <a:solidFill>
-              <a:srgbClr val="7030A0"/>
-            </a:solidFill>
-          </a:ln>
-          <a:effectLst/>
-        </p:spPr>
-        <p:style>
-          <a:lnRef idx="1">
-            <a:schemeClr val="accent4"/>
-          </a:lnRef>
-          <a:fillRef idx="2">
-            <a:schemeClr val="accent4"/>
-          </a:fillRef>
-          <a:effectRef idx="1">
-            <a:schemeClr val="accent4"/>
-          </a:effectRef>
-          <a:fontRef idx="minor">
-            <a:schemeClr val="dk1"/>
-          </a:fontRef>
-        </p:style>
-        <p:txBody>
-          <a:bodyPr rtlCol="0" anchor="ctr"/>
-          <a:lstStyle/>
-          <a:p>
-            <a:pPr algn="ctr"/>
-            <a:r>
-              <a:rPr lang="en-US" sz="1050" dirty="0">
-                <a:solidFill>
-                  <a:srgbClr val="7030A0"/>
-                </a:solidFill>
-              </a:rPr>
-              <a:t>&lt;&lt;interface&gt;&gt;</a:t>
-            </a:r>
-            <a:br>
-              <a:rPr lang="en-US" sz="1050">
-                <a:solidFill>
-                  <a:srgbClr val="7030A0"/>
-                </a:solidFill>
-              </a:rPr>
-            </a:br>
-            <a:r>
-              <a:rPr lang="en-US" sz="1050" dirty="0" err="1">
-                <a:solidFill>
-                  <a:srgbClr val="7030A0"/>
-                </a:solidFill>
-              </a:rPr>
-              <a:t>ObservableList</a:t>
-            </a:r>
-            <a:endParaRPr lang="en-SG" sz="1050" dirty="0">
-              <a:solidFill>
-                <a:srgbClr val="7030A0"/>
-              </a:solidFill>
-            </a:endParaRPr>
-          </a:p>
-        </p:txBody>
-      </p:sp>
-      <p:cxnSp>
-        <p:nvCxnSpPr>
-          <p:cNvPr id="124" name="Elbow Connector 122"/>
-          <p:cNvCxnSpPr>
-            <a:stCxn id="119" idx="1"/>
-            <a:endCxn id="122" idx="1"/>
-          </p:cNvCxnSpPr>
-          <p:nvPr/>
-        </p:nvCxnSpPr>
-        <p:spPr>
-          <a:xfrm rot="16200000" flipH="1">
-            <a:off x="1364475" y="3719944"/>
-            <a:ext cx="831471" cy="554381"/>
-          </a:xfrm>
-          <a:prstGeom prst="bentConnector2">
-            <a:avLst/>
-          </a:prstGeom>
-          <a:ln w="19050">
-            <a:solidFill>
-              <a:srgbClr val="7030A0"/>
-            </a:solidFill>
-            <a:prstDash val="sysDot"/>
             <a:headEnd type="none" w="med" len="med"/>
             <a:tailEnd type="arrow" w="med" len="med"/>
           </a:ln>
@@ -5093,288 +6050,28 @@
           </a:fontRef>
         </p:style>
       </p:cxnSp>
-      <p:sp>
-        <p:nvSpPr>
-          <p:cNvPr id="54" name="TextBox 53"/>
-          <p:cNvSpPr txBox="1"/>
-          <p:nvPr/>
-        </p:nvSpPr>
-        <p:spPr>
-          <a:xfrm>
-            <a:off x="4429979" y="3111479"/>
-            <a:ext cx="189257" cy="178683"/>
-          </a:xfrm>
-          <a:prstGeom prst="rect">
-            <a:avLst/>
-          </a:prstGeom>
-          <a:noFill/>
-        </p:spPr>
-        <p:txBody>
-          <a:bodyPr wrap="square" lIns="0" tIns="0" rIns="0" bIns="0" rtlCol="0">
-            <a:noAutofit/>
-          </a:bodyPr>
-          <a:lstStyle/>
-          <a:p>
-            <a:pPr algn="ctr"/>
-            <a:r>
-              <a:rPr lang="en-US" sz="1100" dirty="0">
-                <a:solidFill>
-                  <a:srgbClr val="7030A0"/>
-                </a:solidFill>
-              </a:rPr>
-              <a:t>1</a:t>
-            </a:r>
-            <a:endParaRPr lang="en-SG" sz="1100" dirty="0">
-              <a:solidFill>
-                <a:srgbClr val="7030A0"/>
-              </a:solidFill>
-            </a:endParaRPr>
-          </a:p>
-        </p:txBody>
-      </p:sp>
-      <p:sp>
-        <p:nvSpPr>
-          <p:cNvPr id="61" name="TextBox 60"/>
-          <p:cNvSpPr txBox="1"/>
-          <p:nvPr/>
-        </p:nvSpPr>
-        <p:spPr>
-          <a:xfrm>
-            <a:off x="6135256" y="3097917"/>
-            <a:ext cx="189257" cy="178683"/>
-          </a:xfrm>
-          <a:prstGeom prst="rect">
-            <a:avLst/>
-          </a:prstGeom>
-          <a:noFill/>
-        </p:spPr>
-        <p:txBody>
-          <a:bodyPr wrap="square" lIns="0" tIns="0" rIns="0" bIns="0" rtlCol="0">
-            <a:noAutofit/>
-          </a:bodyPr>
-          <a:lstStyle/>
-          <a:p>
-            <a:pPr algn="ctr"/>
-            <a:r>
-              <a:rPr lang="en-US" sz="1100" dirty="0">
-                <a:solidFill>
-                  <a:srgbClr val="7030A0"/>
-                </a:solidFill>
-              </a:rPr>
-              <a:t>*</a:t>
-            </a:r>
-            <a:endParaRPr lang="en-SG" sz="1100" dirty="0">
-              <a:solidFill>
-                <a:srgbClr val="7030A0"/>
-              </a:solidFill>
-            </a:endParaRPr>
-          </a:p>
-        </p:txBody>
-      </p:sp>
-      <p:sp>
-        <p:nvSpPr>
-          <p:cNvPr id="65" name="TextBox 64"/>
-          <p:cNvSpPr txBox="1"/>
-          <p:nvPr/>
-        </p:nvSpPr>
-        <p:spPr>
-          <a:xfrm>
-            <a:off x="2573394" y="2756715"/>
-            <a:ext cx="170110" cy="137542"/>
-          </a:xfrm>
-          <a:prstGeom prst="rect">
-            <a:avLst/>
-          </a:prstGeom>
-          <a:noFill/>
-        </p:spPr>
-        <p:txBody>
-          <a:bodyPr wrap="square" lIns="0" tIns="0" rIns="0" bIns="0" rtlCol="0">
-            <a:noAutofit/>
-          </a:bodyPr>
-          <a:lstStyle/>
-          <a:p>
-            <a:pPr algn="ctr"/>
-            <a:r>
-              <a:rPr lang="en-US" sz="1100" dirty="0">
-                <a:solidFill>
-                  <a:srgbClr val="7030A0"/>
-                </a:solidFill>
-              </a:rPr>
-              <a:t>1</a:t>
-            </a:r>
-            <a:endParaRPr lang="en-SG" sz="1100" dirty="0">
-              <a:solidFill>
-                <a:srgbClr val="7030A0"/>
-              </a:solidFill>
-            </a:endParaRPr>
-          </a:p>
-        </p:txBody>
-      </p:sp>
-      <p:sp>
-        <p:nvSpPr>
-          <p:cNvPr id="66" name="TextBox 65"/>
-          <p:cNvSpPr txBox="1"/>
-          <p:nvPr/>
-        </p:nvSpPr>
-        <p:spPr>
-          <a:xfrm>
-            <a:off x="2630191" y="3667737"/>
-            <a:ext cx="189257" cy="178683"/>
-          </a:xfrm>
-          <a:prstGeom prst="rect">
-            <a:avLst/>
-          </a:prstGeom>
-          <a:noFill/>
-        </p:spPr>
-        <p:txBody>
-          <a:bodyPr wrap="square" lIns="0" tIns="0" rIns="0" bIns="0" rtlCol="0">
-            <a:noAutofit/>
-          </a:bodyPr>
-          <a:lstStyle/>
-          <a:p>
-            <a:pPr algn="ctr"/>
-            <a:r>
-              <a:rPr lang="en-US" sz="1100" dirty="0">
-                <a:solidFill>
-                  <a:srgbClr val="7030A0"/>
-                </a:solidFill>
-              </a:rPr>
-              <a:t>1</a:t>
-            </a:r>
-            <a:endParaRPr lang="en-SG" sz="1100" dirty="0">
-              <a:solidFill>
-                <a:srgbClr val="7030A0"/>
-              </a:solidFill>
-            </a:endParaRPr>
-          </a:p>
-        </p:txBody>
-      </p:sp>
-      <p:sp>
-        <p:nvSpPr>
-          <p:cNvPr id="70" name="TextBox 69"/>
-          <p:cNvSpPr txBox="1"/>
-          <p:nvPr/>
-        </p:nvSpPr>
-        <p:spPr>
-          <a:xfrm>
-            <a:off x="6449896" y="3204826"/>
-            <a:ext cx="189257" cy="178683"/>
-          </a:xfrm>
-          <a:prstGeom prst="rect">
-            <a:avLst/>
-          </a:prstGeom>
-          <a:noFill/>
-        </p:spPr>
-        <p:txBody>
-          <a:bodyPr wrap="square" lIns="0" tIns="0" rIns="0" bIns="0" rtlCol="0">
-            <a:noAutofit/>
-          </a:bodyPr>
-          <a:lstStyle/>
-          <a:p>
-            <a:pPr algn="ctr"/>
-            <a:r>
-              <a:rPr lang="en-US" sz="1100" dirty="0">
-                <a:solidFill>
-                  <a:srgbClr val="7030A0"/>
-                </a:solidFill>
-              </a:rPr>
-              <a:t>1</a:t>
-            </a:r>
-            <a:endParaRPr lang="en-SG" sz="1100" dirty="0">
-              <a:solidFill>
-                <a:srgbClr val="7030A0"/>
-              </a:solidFill>
-            </a:endParaRPr>
-          </a:p>
-        </p:txBody>
-      </p:sp>
-      <p:sp>
-        <p:nvSpPr>
-          <p:cNvPr id="52" name="Rectangle 8">
+      <p:cxnSp>
+        <p:nvCxnSpPr>
+          <p:cNvPr id="145" name="Elbow Connector 78">
             <a:extLst>
               <a:ext uri="{FF2B5EF4-FFF2-40B4-BE49-F238E27FC236}">
-                <a16:creationId xmlns:a16="http://schemas.microsoft.com/office/drawing/2014/main" id="{ABDCDBD2-131A-4B66-A2F2-43BBEE82C773}"/>
-              </a:ext>
-            </a:extLst>
-          </p:cNvPr>
-          <p:cNvSpPr/>
-          <p:nvPr/>
-        </p:nvSpPr>
-        <p:spPr>
-          <a:xfrm>
-            <a:off x="7712397" y="2228817"/>
-            <a:ext cx="708186" cy="285783"/>
-          </a:xfrm>
-          <a:prstGeom prst="rect">
-            <a:avLst/>
-          </a:prstGeom>
-          <a:ln w="19050">
-            <a:solidFill>
-              <a:srgbClr val="7030A0"/>
-            </a:solidFill>
-          </a:ln>
-          <a:effectLst/>
-        </p:spPr>
-        <p:style>
-          <a:lnRef idx="1">
-            <a:schemeClr val="accent4"/>
-          </a:lnRef>
-          <a:fillRef idx="2">
-            <a:schemeClr val="accent4"/>
-          </a:fillRef>
-          <a:effectRef idx="1">
-            <a:schemeClr val="accent4"/>
-          </a:effectRef>
-          <a:fontRef idx="minor">
-            <a:schemeClr val="dk1"/>
-          </a:fontRef>
-        </p:style>
-        <p:txBody>
-          <a:bodyPr rtlCol="0" anchor="ctr"/>
-          <a:lstStyle/>
-          <a:p>
-            <a:pPr algn="ctr"/>
-            <a:r>
-              <a:rPr lang="en-US" sz="1050" dirty="0">
-                <a:solidFill>
-                  <a:srgbClr val="7030A0"/>
-                </a:solidFill>
-              </a:rPr>
-              <a:t>Tag</a:t>
-            </a:r>
-            <a:endParaRPr lang="en-SG" sz="1050" dirty="0">
-              <a:solidFill>
-                <a:srgbClr val="7030A0"/>
-              </a:solidFill>
-            </a:endParaRPr>
-          </a:p>
-        </p:txBody>
-      </p:sp>
-      <p:cxnSp>
-        <p:nvCxnSpPr>
-          <p:cNvPr id="53" name="Elbow Connector 78">
-            <a:extLst>
-              <a:ext uri="{FF2B5EF4-FFF2-40B4-BE49-F238E27FC236}">
-                <a16:creationId xmlns:a16="http://schemas.microsoft.com/office/drawing/2014/main" id="{B97967F8-618A-448B-81FD-CDFD4AF0EC64}"/>
+                <a16:creationId xmlns:a16="http://schemas.microsoft.com/office/drawing/2014/main" id="{5FA1E01A-3B2E-4AA4-AFDC-DD945D1E9020}"/>
               </a:ext>
             </a:extLst>
           </p:cNvPr>
           <p:cNvCxnSpPr>
             <a:cxnSpLocks/>
-            <a:stCxn id="78" idx="3"/>
             <a:endCxn id="52" idx="1"/>
           </p:cNvCxnSpPr>
           <p:nvPr/>
         </p:nvCxnSpPr>
         <p:spPr>
-          <a:xfrm flipV="1">
-            <a:off x="7277995" y="2371709"/>
-            <a:ext cx="434402" cy="663182"/>
-          </a:xfrm>
-          <a:prstGeom prst="bentConnector3">
-            <a:avLst>
-              <a:gd name="adj1" fmla="val 50000"/>
-            </a:avLst>
+          <a:xfrm rot="5400000" flipH="1" flipV="1">
+            <a:off x="6926666" y="3700858"/>
+            <a:ext cx="661715" cy="271008"/>
+          </a:xfrm>
+          <a:prstGeom prst="bentConnector2">
+            <a:avLst/>
           </a:prstGeom>
           <a:ln w="19050">
             <a:solidFill>
@@ -5400,12 +6097,119 @@
           </a:fontRef>
         </p:style>
       </p:cxnSp>
-      <p:sp>
-        <p:nvSpPr>
-          <p:cNvPr id="50" name="TextBox 49">
+      <p:cxnSp>
+        <p:nvCxnSpPr>
+          <p:cNvPr id="146" name="Straight Arrow Connector 145">
             <a:extLst>
               <a:ext uri="{FF2B5EF4-FFF2-40B4-BE49-F238E27FC236}">
-                <a16:creationId xmlns:a16="http://schemas.microsoft.com/office/drawing/2014/main" id="{B3FA9D57-880F-49C4-AD0B-A64E30D6F403}"/>
+                <a16:creationId xmlns:a16="http://schemas.microsoft.com/office/drawing/2014/main" id="{99C19D88-5E86-4727-A16A-0D2133CAA740}"/>
+              </a:ext>
+            </a:extLst>
+          </p:cNvPr>
+          <p:cNvCxnSpPr>
+            <a:cxnSpLocks/>
+          </p:cNvCxnSpPr>
+          <p:nvPr/>
+        </p:nvCxnSpPr>
+        <p:spPr>
+          <a:xfrm>
+            <a:off x="7131050" y="4472910"/>
+            <a:ext cx="260459" cy="0"/>
+          </a:xfrm>
+          <a:prstGeom prst="straightConnector1">
+            <a:avLst/>
+          </a:prstGeom>
+          <a:ln w="19050">
+            <a:solidFill>
+              <a:srgbClr val="7030A0"/>
+            </a:solidFill>
+            <a:headEnd type="none" w="med" len="med"/>
+            <a:tailEnd type="arrow" w="med" len="med"/>
+          </a:ln>
+        </p:spPr>
+        <p:style>
+          <a:lnRef idx="1">
+            <a:schemeClr val="accent4"/>
+          </a:lnRef>
+          <a:fillRef idx="0">
+            <a:schemeClr val="accent4"/>
+          </a:fillRef>
+          <a:effectRef idx="0">
+            <a:schemeClr val="accent4"/>
+          </a:effectRef>
+          <a:fontRef idx="minor">
+            <a:schemeClr val="tx1"/>
+          </a:fontRef>
+        </p:style>
+      </p:cxnSp>
+      <p:sp>
+        <p:nvSpPr>
+          <p:cNvPr id="148" name="Rectangle 8">
+            <a:extLst>
+              <a:ext uri="{FF2B5EF4-FFF2-40B4-BE49-F238E27FC236}">
+                <a16:creationId xmlns:a16="http://schemas.microsoft.com/office/drawing/2014/main" id="{386F3633-491C-4C22-A7D0-FD9B8D89CAC0}"/>
+              </a:ext>
+            </a:extLst>
+          </p:cNvPr>
+          <p:cNvSpPr/>
+          <p:nvPr/>
+        </p:nvSpPr>
+        <p:spPr>
+          <a:xfrm>
+            <a:off x="4387849" y="2943298"/>
+            <a:ext cx="1156969" cy="346760"/>
+          </a:xfrm>
+          <a:prstGeom prst="rect">
+            <a:avLst/>
+          </a:prstGeom>
+          <a:ln w="19050">
+            <a:solidFill>
+              <a:srgbClr val="7030A0"/>
+            </a:solidFill>
+          </a:ln>
+          <a:effectLst/>
+        </p:spPr>
+        <p:style>
+          <a:lnRef idx="1">
+            <a:schemeClr val="accent4"/>
+          </a:lnRef>
+          <a:fillRef idx="2">
+            <a:schemeClr val="accent4"/>
+          </a:fillRef>
+          <a:effectRef idx="1">
+            <a:schemeClr val="accent4"/>
+          </a:effectRef>
+          <a:fontRef idx="minor">
+            <a:schemeClr val="dk1"/>
+          </a:fontRef>
+        </p:style>
+        <p:txBody>
+          <a:bodyPr rtlCol="0" anchor="ctr"/>
+          <a:lstStyle/>
+          <a:p>
+            <a:pPr algn="ctr"/>
+            <a:r>
+              <a:rPr lang="en-US" sz="1050" dirty="0">
+                <a:solidFill>
+                  <a:srgbClr val="7030A0"/>
+                </a:solidFill>
+              </a:rPr>
+              <a:t>UniqueDayList</a:t>
+            </a:r>
+            <a:endParaRPr lang="en-SG" sz="1050" dirty="0">
+              <a:solidFill>
+                <a:srgbClr val="7030A0"/>
+              </a:solidFill>
+            </a:endParaRPr>
+          </a:p>
+        </p:txBody>
+      </p:sp>
+      <p:sp>
+        <p:nvSpPr>
+          <p:cNvPr id="149" name="TextBox 148">
+            <a:extLst>
+              <a:ext uri="{FF2B5EF4-FFF2-40B4-BE49-F238E27FC236}">
+                <a16:creationId xmlns:a16="http://schemas.microsoft.com/office/drawing/2014/main" id="{52EAAB1D-5097-410F-B61B-C4C5B9CE47F3}"/>
               </a:ext>
             </a:extLst>
           </p:cNvPr>
@@ -5414,7 +6218,165 @@
         </p:nvSpPr>
         <p:spPr>
           <a:xfrm>
-            <a:off x="7466243" y="2255711"/>
+            <a:off x="4161279" y="3229379"/>
+            <a:ext cx="189257" cy="178683"/>
+          </a:xfrm>
+          <a:prstGeom prst="rect">
+            <a:avLst/>
+          </a:prstGeom>
+          <a:noFill/>
+        </p:spPr>
+        <p:txBody>
+          <a:bodyPr wrap="square" lIns="0" tIns="0" rIns="0" bIns="0" rtlCol="0">
+            <a:noAutofit/>
+          </a:bodyPr>
+          <a:lstStyle/>
+          <a:p>
+            <a:pPr algn="ctr"/>
+            <a:r>
+              <a:rPr lang="en-US" sz="1100" dirty="0">
+                <a:solidFill>
+                  <a:srgbClr val="7030A0"/>
+                </a:solidFill>
+              </a:rPr>
+              <a:t>1</a:t>
+            </a:r>
+            <a:endParaRPr lang="en-SG" sz="1100" dirty="0">
+              <a:solidFill>
+                <a:srgbClr val="7030A0"/>
+              </a:solidFill>
+            </a:endParaRPr>
+          </a:p>
+        </p:txBody>
+      </p:sp>
+      <p:sp>
+        <p:nvSpPr>
+          <p:cNvPr id="150" name="Rectangle 8">
+            <a:extLst>
+              <a:ext uri="{FF2B5EF4-FFF2-40B4-BE49-F238E27FC236}">
+                <a16:creationId xmlns:a16="http://schemas.microsoft.com/office/drawing/2014/main" id="{19D3F06F-4C0C-4B3B-A77C-44BCF185D538}"/>
+              </a:ext>
+            </a:extLst>
+          </p:cNvPr>
+          <p:cNvSpPr/>
+          <p:nvPr/>
+        </p:nvSpPr>
+        <p:spPr>
+          <a:xfrm>
+            <a:off x="6008877" y="2936787"/>
+            <a:ext cx="708186" cy="346760"/>
+          </a:xfrm>
+          <a:prstGeom prst="rect">
+            <a:avLst/>
+          </a:prstGeom>
+          <a:ln w="19050">
+            <a:solidFill>
+              <a:srgbClr val="7030A0"/>
+            </a:solidFill>
+          </a:ln>
+          <a:effectLst/>
+        </p:spPr>
+        <p:style>
+          <a:lnRef idx="1">
+            <a:schemeClr val="accent4"/>
+          </a:lnRef>
+          <a:fillRef idx="2">
+            <a:schemeClr val="accent4"/>
+          </a:fillRef>
+          <a:effectRef idx="1">
+            <a:schemeClr val="accent4"/>
+          </a:effectRef>
+          <a:fontRef idx="minor">
+            <a:schemeClr val="dk1"/>
+          </a:fontRef>
+        </p:style>
+        <p:txBody>
+          <a:bodyPr rtlCol="0" anchor="ctr"/>
+          <a:lstStyle/>
+          <a:p>
+            <a:pPr algn="ctr"/>
+            <a:r>
+              <a:rPr lang="en-US" sz="1050" dirty="0">
+                <a:solidFill>
+                  <a:srgbClr val="7030A0"/>
+                </a:solidFill>
+              </a:rPr>
+              <a:t>Day</a:t>
+            </a:r>
+            <a:endParaRPr lang="en-SG" sz="1050" dirty="0">
+              <a:solidFill>
+                <a:srgbClr val="7030A0"/>
+              </a:solidFill>
+            </a:endParaRPr>
+          </a:p>
+        </p:txBody>
+      </p:sp>
+      <p:sp>
+        <p:nvSpPr>
+          <p:cNvPr id="151" name="Flowchart: Decision 96">
+            <a:extLst>
+              <a:ext uri="{FF2B5EF4-FFF2-40B4-BE49-F238E27FC236}">
+                <a16:creationId xmlns:a16="http://schemas.microsoft.com/office/drawing/2014/main" id="{38671C37-F885-47B7-8E6D-DB96D7B1CCE2}"/>
+              </a:ext>
+            </a:extLst>
+          </p:cNvPr>
+          <p:cNvSpPr/>
+          <p:nvPr/>
+        </p:nvSpPr>
+        <p:spPr>
+          <a:xfrm>
+            <a:off x="5561564" y="3023769"/>
+            <a:ext cx="236048" cy="173380"/>
+          </a:xfrm>
+          <a:prstGeom prst="flowChartDecision">
+            <a:avLst/>
+          </a:prstGeom>
+          <a:noFill/>
+          <a:ln w="19050">
+            <a:solidFill>
+              <a:srgbClr val="7030A0"/>
+            </a:solidFill>
+          </a:ln>
+          <a:effectLst/>
+        </p:spPr>
+        <p:style>
+          <a:lnRef idx="1">
+            <a:schemeClr val="accent6"/>
+          </a:lnRef>
+          <a:fillRef idx="2">
+            <a:schemeClr val="accent6"/>
+          </a:fillRef>
+          <a:effectRef idx="1">
+            <a:schemeClr val="accent6"/>
+          </a:effectRef>
+          <a:fontRef idx="minor">
+            <a:schemeClr val="dk1"/>
+          </a:fontRef>
+        </p:style>
+        <p:txBody>
+          <a:bodyPr rtlCol="0" anchor="ctr"/>
+          <a:lstStyle/>
+          <a:p>
+            <a:pPr algn="ctr"/>
+            <a:endParaRPr lang="en-US" sz="1050"/>
+          </a:p>
+        </p:txBody>
+      </p:sp>
+      <p:sp>
+        <p:nvSpPr>
+          <p:cNvPr id="152" name="TextBox 151">
+            <a:extLst>
+              <a:ext uri="{FF2B5EF4-FFF2-40B4-BE49-F238E27FC236}">
+                <a16:creationId xmlns:a16="http://schemas.microsoft.com/office/drawing/2014/main" id="{93F40BFD-DBEE-47A0-A816-B5F1FD53244B}"/>
+              </a:ext>
+            </a:extLst>
+          </p:cNvPr>
+          <p:cNvSpPr txBox="1"/>
+          <p:nvPr/>
+        </p:nvSpPr>
+        <p:spPr>
+          <a:xfrm>
+            <a:off x="5844312" y="3163688"/>
             <a:ext cx="189257" cy="178683"/>
           </a:xfrm>
           <a:prstGeom prst="rect">
@@ -5447,18 +6409,27 @@
       </p:sp>
       <p:sp>
         <p:nvSpPr>
-          <p:cNvPr id="55" name="Rectangle 8"/>
+          <p:cNvPr id="153" name="Flowchart: Decision 96">
+            <a:extLst>
+              <a:ext uri="{FF2B5EF4-FFF2-40B4-BE49-F238E27FC236}">
+                <a16:creationId xmlns:a16="http://schemas.microsoft.com/office/drawing/2014/main" id="{F9AB96E9-4F5A-48AB-B320-6426A24B43FB}"/>
+              </a:ext>
+            </a:extLst>
+          </p:cNvPr>
           <p:cNvSpPr/>
           <p:nvPr/>
         </p:nvSpPr>
         <p:spPr>
-          <a:xfrm>
-            <a:off x="3170181" y="1998350"/>
-            <a:ext cx="1060683" cy="364396"/>
-          </a:xfrm>
-          <a:prstGeom prst="rect">
+          <a:xfrm rot="10800000">
+            <a:off x="6727968" y="3000741"/>
+            <a:ext cx="236048" cy="190718"/>
+          </a:xfrm>
+          <a:prstGeom prst="flowChartDecision">
             <a:avLst/>
           </a:prstGeom>
+          <a:solidFill>
+            <a:srgbClr val="7030A0"/>
+          </a:solidFill>
           <a:ln w="19050">
             <a:solidFill>
               <a:srgbClr val="7030A0"/>
@@ -5468,13 +6439,13 @@
         </p:spPr>
         <p:style>
           <a:lnRef idx="1">
-            <a:schemeClr val="accent4"/>
+            <a:schemeClr val="accent6"/>
           </a:lnRef>
           <a:fillRef idx="2">
-            <a:schemeClr val="accent4"/>
+            <a:schemeClr val="accent6"/>
           </a:fillRef>
           <a:effectRef idx="1">
-            <a:schemeClr val="accent4"/>
+            <a:schemeClr val="accent6"/>
           </a:effectRef>
           <a:fontRef idx="minor">
             <a:schemeClr val="dk1"/>
@@ -5485,13 +6456,157 @@
           <a:lstStyle/>
           <a:p>
             <a:pPr algn="ctr"/>
-            <a:r>
-              <a:rPr lang="en-US" sz="1050" dirty="0" err="1">
+            <a:endParaRPr lang="en-US" sz="1050"/>
+          </a:p>
+        </p:txBody>
+      </p:sp>
+      <p:cxnSp>
+        <p:nvCxnSpPr>
+          <p:cNvPr id="154" name="Straight Arrow Connector 153">
+            <a:extLst>
+              <a:ext uri="{FF2B5EF4-FFF2-40B4-BE49-F238E27FC236}">
+                <a16:creationId xmlns:a16="http://schemas.microsoft.com/office/drawing/2014/main" id="{63A571CF-5E79-452F-AA37-938511C43834}"/>
+              </a:ext>
+            </a:extLst>
+          </p:cNvPr>
+          <p:cNvCxnSpPr>
+            <a:cxnSpLocks/>
+            <a:stCxn id="151" idx="3"/>
+            <a:endCxn id="150" idx="1"/>
+          </p:cNvCxnSpPr>
+          <p:nvPr/>
+        </p:nvCxnSpPr>
+        <p:spPr>
+          <a:xfrm flipV="1">
+            <a:off x="5797612" y="3110167"/>
+            <a:ext cx="211265" cy="292"/>
+          </a:xfrm>
+          <a:prstGeom prst="straightConnector1">
+            <a:avLst/>
+          </a:prstGeom>
+          <a:ln w="19050">
+            <a:solidFill>
+              <a:srgbClr val="7030A0"/>
+            </a:solidFill>
+            <a:headEnd type="none" w="med" len="med"/>
+            <a:tailEnd type="arrow" w="med" len="med"/>
+          </a:ln>
+        </p:spPr>
+        <p:style>
+          <a:lnRef idx="1">
+            <a:schemeClr val="accent4"/>
+          </a:lnRef>
+          <a:fillRef idx="0">
+            <a:schemeClr val="accent4"/>
+          </a:fillRef>
+          <a:effectRef idx="0">
+            <a:schemeClr val="accent4"/>
+          </a:effectRef>
+          <a:fontRef idx="minor">
+            <a:schemeClr val="tx1"/>
+          </a:fontRef>
+        </p:style>
+      </p:cxnSp>
+      <p:cxnSp>
+        <p:nvCxnSpPr>
+          <p:cNvPr id="155" name="Straight Arrow Connector 154">
+            <a:extLst>
+              <a:ext uri="{FF2B5EF4-FFF2-40B4-BE49-F238E27FC236}">
+                <a16:creationId xmlns:a16="http://schemas.microsoft.com/office/drawing/2014/main" id="{CAF579E5-95FC-4006-BBFB-750549265732}"/>
+              </a:ext>
+            </a:extLst>
+          </p:cNvPr>
+          <p:cNvCxnSpPr>
+            <a:cxnSpLocks/>
+            <a:stCxn id="78" idx="3"/>
+            <a:endCxn id="130" idx="1"/>
+          </p:cNvCxnSpPr>
+          <p:nvPr/>
+        </p:nvCxnSpPr>
+        <p:spPr>
+          <a:xfrm flipV="1">
+            <a:off x="6973195" y="3825758"/>
+            <a:ext cx="419833" cy="2582"/>
+          </a:xfrm>
+          <a:prstGeom prst="straightConnector1">
+            <a:avLst/>
+          </a:prstGeom>
+          <a:ln w="19050">
+            <a:solidFill>
+              <a:srgbClr val="7030A0"/>
+            </a:solidFill>
+            <a:headEnd type="none" w="med" len="med"/>
+            <a:tailEnd type="arrow" w="med" len="med"/>
+          </a:ln>
+        </p:spPr>
+        <p:style>
+          <a:lnRef idx="1">
+            <a:schemeClr val="accent4"/>
+          </a:lnRef>
+          <a:fillRef idx="0">
+            <a:schemeClr val="accent4"/>
+          </a:fillRef>
+          <a:effectRef idx="0">
+            <a:schemeClr val="accent4"/>
+          </a:effectRef>
+          <a:fontRef idx="minor">
+            <a:schemeClr val="tx1"/>
+          </a:fontRef>
+        </p:style>
+      </p:cxnSp>
+      <p:sp>
+        <p:nvSpPr>
+          <p:cNvPr id="156" name="Rectangle 8">
+            <a:extLst>
+              <a:ext uri="{FF2B5EF4-FFF2-40B4-BE49-F238E27FC236}">
+                <a16:creationId xmlns:a16="http://schemas.microsoft.com/office/drawing/2014/main" id="{845E3C7D-7BA6-4AE7-94F7-0221EA20EB62}"/>
+              </a:ext>
+            </a:extLst>
+          </p:cNvPr>
+          <p:cNvSpPr/>
+          <p:nvPr/>
+        </p:nvSpPr>
+        <p:spPr>
+          <a:xfrm>
+            <a:off x="7385769" y="2287328"/>
+            <a:ext cx="874527" cy="285783"/>
+          </a:xfrm>
+          <a:prstGeom prst="rect">
+            <a:avLst/>
+          </a:prstGeom>
+          <a:ln w="19050">
+            <a:solidFill>
+              <a:srgbClr val="7030A0"/>
+            </a:solidFill>
+          </a:ln>
+          <a:effectLst/>
+        </p:spPr>
+        <p:style>
+          <a:lnRef idx="1">
+            <a:schemeClr val="accent4"/>
+          </a:lnRef>
+          <a:fillRef idx="2">
+            <a:schemeClr val="accent4"/>
+          </a:fillRef>
+          <a:effectRef idx="1">
+            <a:schemeClr val="accent4"/>
+          </a:effectRef>
+          <a:fontRef idx="minor">
+            <a:schemeClr val="dk1"/>
+          </a:fontRef>
+        </p:style>
+        <p:txBody>
+          <a:bodyPr rtlCol="0" anchor="ctr"/>
+          <a:lstStyle/>
+          <a:p>
+            <a:pPr algn="ctr"/>
+            <a:r>
+              <a:rPr lang="en-US" sz="1050" dirty="0">
                 <a:solidFill>
                   <a:srgbClr val="7030A0"/>
                 </a:solidFill>
               </a:rPr>
-              <a:t>AddressBook</a:t>
+              <a:t>Cca</a:t>
             </a:r>
             <a:endParaRPr lang="en-SG" sz="1050" dirty="0">
               <a:solidFill>
@@ -5501,21 +6616,320 @@
           </a:p>
         </p:txBody>
       </p:sp>
+      <p:sp>
+        <p:nvSpPr>
+          <p:cNvPr id="157" name="Rectangle 8">
+            <a:extLst>
+              <a:ext uri="{FF2B5EF4-FFF2-40B4-BE49-F238E27FC236}">
+                <a16:creationId xmlns:a16="http://schemas.microsoft.com/office/drawing/2014/main" id="{43D87AE1-B901-4C6F-9699-276ABC018828}"/>
+              </a:ext>
+            </a:extLst>
+          </p:cNvPr>
+          <p:cNvSpPr/>
+          <p:nvPr/>
+        </p:nvSpPr>
+        <p:spPr>
+          <a:xfrm>
+            <a:off x="7378644" y="1959496"/>
+            <a:ext cx="874527" cy="285783"/>
+          </a:xfrm>
+          <a:prstGeom prst="rect">
+            <a:avLst/>
+          </a:prstGeom>
+          <a:ln w="19050">
+            <a:solidFill>
+              <a:srgbClr val="7030A0"/>
+            </a:solidFill>
+          </a:ln>
+          <a:effectLst/>
+        </p:spPr>
+        <p:style>
+          <a:lnRef idx="1">
+            <a:schemeClr val="accent4"/>
+          </a:lnRef>
+          <a:fillRef idx="2">
+            <a:schemeClr val="accent4"/>
+          </a:fillRef>
+          <a:effectRef idx="1">
+            <a:schemeClr val="accent4"/>
+          </a:effectRef>
+          <a:fontRef idx="minor">
+            <a:schemeClr val="dk1"/>
+          </a:fontRef>
+        </p:style>
+        <p:txBody>
+          <a:bodyPr rtlCol="0" anchor="ctr"/>
+          <a:lstStyle/>
+          <a:p>
+            <a:pPr algn="ctr"/>
+            <a:r>
+              <a:rPr lang="en-US" sz="1050" dirty="0">
+                <a:solidFill>
+                  <a:srgbClr val="7030A0"/>
+                </a:solidFill>
+              </a:rPr>
+              <a:t>Errand</a:t>
+            </a:r>
+            <a:endParaRPr lang="en-SG" sz="1050" dirty="0">
+              <a:solidFill>
+                <a:srgbClr val="7030A0"/>
+              </a:solidFill>
+            </a:endParaRPr>
+          </a:p>
+        </p:txBody>
+      </p:sp>
+      <p:sp>
+        <p:nvSpPr>
+          <p:cNvPr id="158" name="Rectangle 8">
+            <a:extLst>
+              <a:ext uri="{FF2B5EF4-FFF2-40B4-BE49-F238E27FC236}">
+                <a16:creationId xmlns:a16="http://schemas.microsoft.com/office/drawing/2014/main" id="{547BAACD-4007-45CF-BD65-BFD0EDD322A7}"/>
+              </a:ext>
+            </a:extLst>
+          </p:cNvPr>
+          <p:cNvSpPr/>
+          <p:nvPr/>
+        </p:nvSpPr>
+        <p:spPr>
+          <a:xfrm>
+            <a:off x="7378644" y="1637395"/>
+            <a:ext cx="874527" cy="285783"/>
+          </a:xfrm>
+          <a:prstGeom prst="rect">
+            <a:avLst/>
+          </a:prstGeom>
+          <a:ln w="19050">
+            <a:solidFill>
+              <a:srgbClr val="7030A0"/>
+            </a:solidFill>
+          </a:ln>
+          <a:effectLst/>
+        </p:spPr>
+        <p:style>
+          <a:lnRef idx="1">
+            <a:schemeClr val="accent4"/>
+          </a:lnRef>
+          <a:fillRef idx="2">
+            <a:schemeClr val="accent4"/>
+          </a:fillRef>
+          <a:effectRef idx="1">
+            <a:schemeClr val="accent4"/>
+          </a:effectRef>
+          <a:fontRef idx="minor">
+            <a:schemeClr val="dk1"/>
+          </a:fontRef>
+        </p:style>
+        <p:txBody>
+          <a:bodyPr rtlCol="0" anchor="ctr"/>
+          <a:lstStyle/>
+          <a:p>
+            <a:pPr algn="ctr"/>
+            <a:r>
+              <a:rPr lang="en-US" sz="1050" dirty="0">
+                <a:solidFill>
+                  <a:srgbClr val="7030A0"/>
+                </a:solidFill>
+              </a:rPr>
+              <a:t>Other</a:t>
+            </a:r>
+            <a:endParaRPr lang="en-SG" sz="1050" dirty="0">
+              <a:solidFill>
+                <a:srgbClr val="7030A0"/>
+              </a:solidFill>
+            </a:endParaRPr>
+          </a:p>
+        </p:txBody>
+      </p:sp>
+      <p:sp>
+        <p:nvSpPr>
+          <p:cNvPr id="159" name="Rectangle 8">
+            <a:extLst>
+              <a:ext uri="{FF2B5EF4-FFF2-40B4-BE49-F238E27FC236}">
+                <a16:creationId xmlns:a16="http://schemas.microsoft.com/office/drawing/2014/main" id="{72CD027E-B37C-413A-8B14-8D78F137F8DD}"/>
+              </a:ext>
+            </a:extLst>
+          </p:cNvPr>
+          <p:cNvSpPr/>
+          <p:nvPr/>
+        </p:nvSpPr>
+        <p:spPr>
+          <a:xfrm>
+            <a:off x="7385769" y="2615165"/>
+            <a:ext cx="874527" cy="285783"/>
+          </a:xfrm>
+          <a:prstGeom prst="rect">
+            <a:avLst/>
+          </a:prstGeom>
+          <a:ln w="19050">
+            <a:solidFill>
+              <a:srgbClr val="7030A0"/>
+            </a:solidFill>
+          </a:ln>
+          <a:effectLst/>
+        </p:spPr>
+        <p:style>
+          <a:lnRef idx="1">
+            <a:schemeClr val="accent4"/>
+          </a:lnRef>
+          <a:fillRef idx="2">
+            <a:schemeClr val="accent4"/>
+          </a:fillRef>
+          <a:effectRef idx="1">
+            <a:schemeClr val="accent4"/>
+          </a:effectRef>
+          <a:fontRef idx="minor">
+            <a:schemeClr val="dk1"/>
+          </a:fontRef>
+        </p:style>
+        <p:txBody>
+          <a:bodyPr rtlCol="0" anchor="ctr"/>
+          <a:lstStyle/>
+          <a:p>
+            <a:pPr algn="ctr"/>
+            <a:r>
+              <a:rPr lang="en-US" sz="1050" dirty="0">
+                <a:solidFill>
+                  <a:srgbClr val="7030A0"/>
+                </a:solidFill>
+              </a:rPr>
+              <a:t>Academic</a:t>
+            </a:r>
+            <a:endParaRPr lang="en-SG" sz="1050" dirty="0">
+              <a:solidFill>
+                <a:srgbClr val="7030A0"/>
+              </a:solidFill>
+            </a:endParaRPr>
+          </a:p>
+        </p:txBody>
+      </p:sp>
+      <p:sp>
+        <p:nvSpPr>
+          <p:cNvPr id="160" name="Rectangle 8">
+            <a:extLst>
+              <a:ext uri="{FF2B5EF4-FFF2-40B4-BE49-F238E27FC236}">
+                <a16:creationId xmlns:a16="http://schemas.microsoft.com/office/drawing/2014/main" id="{EC399546-44EB-4AF7-8CF1-A06F530E4070}"/>
+              </a:ext>
+            </a:extLst>
+          </p:cNvPr>
+          <p:cNvSpPr/>
+          <p:nvPr/>
+        </p:nvSpPr>
+        <p:spPr>
+          <a:xfrm>
+            <a:off x="7378645" y="2943596"/>
+            <a:ext cx="874527" cy="285783"/>
+          </a:xfrm>
+          <a:prstGeom prst="rect">
+            <a:avLst/>
+          </a:prstGeom>
+          <a:ln w="19050">
+            <a:solidFill>
+              <a:srgbClr val="7030A0"/>
+            </a:solidFill>
+          </a:ln>
+          <a:effectLst/>
+        </p:spPr>
+        <p:style>
+          <a:lnRef idx="1">
+            <a:schemeClr val="accent4"/>
+          </a:lnRef>
+          <a:fillRef idx="2">
+            <a:schemeClr val="accent4"/>
+          </a:fillRef>
+          <a:effectRef idx="1">
+            <a:schemeClr val="accent4"/>
+          </a:effectRef>
+          <a:fontRef idx="minor">
+            <a:schemeClr val="dk1"/>
+          </a:fontRef>
+        </p:style>
+        <p:txBody>
+          <a:bodyPr rtlCol="0" anchor="ctr"/>
+          <a:lstStyle/>
+          <a:p>
+            <a:pPr algn="ctr"/>
+            <a:r>
+              <a:rPr lang="en-US" sz="1050" dirty="0">
+                <a:solidFill>
+                  <a:srgbClr val="7030A0"/>
+                </a:solidFill>
+              </a:rPr>
+              <a:t>Date</a:t>
+            </a:r>
+            <a:endParaRPr lang="en-SG" sz="1050" dirty="0">
+              <a:solidFill>
+                <a:srgbClr val="7030A0"/>
+              </a:solidFill>
+            </a:endParaRPr>
+          </a:p>
+        </p:txBody>
+      </p:sp>
       <p:cxnSp>
         <p:nvCxnSpPr>
-          <p:cNvPr id="60" name="Straight Arrow Connector 59"/>
+          <p:cNvPr id="164" name="Straight Arrow Connector 163">
+            <a:extLst>
+              <a:ext uri="{FF2B5EF4-FFF2-40B4-BE49-F238E27FC236}">
+                <a16:creationId xmlns:a16="http://schemas.microsoft.com/office/drawing/2014/main" id="{3754AE74-5818-45CB-901B-2267794D77D2}"/>
+              </a:ext>
+            </a:extLst>
+          </p:cNvPr>
           <p:cNvCxnSpPr>
-            <a:stCxn id="51" idx="1"/>
-            <a:endCxn id="49" idx="1"/>
+            <a:cxnSpLocks/>
           </p:cNvCxnSpPr>
           <p:nvPr/>
         </p:nvCxnSpPr>
         <p:spPr>
-          <a:xfrm>
-            <a:off x="4324972" y="3007222"/>
-            <a:ext cx="367678" cy="12320"/>
+          <a:xfrm flipV="1">
+            <a:off x="6973195" y="3093911"/>
+            <a:ext cx="419833" cy="2582"/>
           </a:xfrm>
           <a:prstGeom prst="straightConnector1">
+            <a:avLst/>
+          </a:prstGeom>
+          <a:ln w="19050">
+            <a:solidFill>
+              <a:srgbClr val="7030A0"/>
+            </a:solidFill>
+            <a:headEnd type="none" w="med" len="med"/>
+            <a:tailEnd type="arrow" w="med" len="med"/>
+          </a:ln>
+        </p:spPr>
+        <p:style>
+          <a:lnRef idx="1">
+            <a:schemeClr val="accent4"/>
+          </a:lnRef>
+          <a:fillRef idx="0">
+            <a:schemeClr val="accent4"/>
+          </a:fillRef>
+          <a:effectRef idx="0">
+            <a:schemeClr val="accent4"/>
+          </a:effectRef>
+          <a:fontRef idx="minor">
+            <a:schemeClr val="tx1"/>
+          </a:fontRef>
+        </p:style>
+      </p:cxnSp>
+      <p:cxnSp>
+        <p:nvCxnSpPr>
+          <p:cNvPr id="166" name="Elbow Connector 78">
+            <a:extLst>
+              <a:ext uri="{FF2B5EF4-FFF2-40B4-BE49-F238E27FC236}">
+                <a16:creationId xmlns:a16="http://schemas.microsoft.com/office/drawing/2014/main" id="{BA7690E2-347B-49E6-8E16-47515F620501}"/>
+              </a:ext>
+            </a:extLst>
+          </p:cNvPr>
+          <p:cNvCxnSpPr>
+            <a:cxnSpLocks/>
+            <a:endCxn id="159" idx="1"/>
+          </p:cNvCxnSpPr>
+          <p:nvPr/>
+        </p:nvCxnSpPr>
+        <p:spPr>
+          <a:xfrm rot="5400000" flipH="1" flipV="1">
+            <a:off x="7074210" y="2798608"/>
+            <a:ext cx="352110" cy="271008"/>
+          </a:xfrm>
+          <a:prstGeom prst="bentConnector2">
             <a:avLst/>
           </a:prstGeom>
           <a:ln w="19050">
@@ -5542,84 +6956,34 @@
           </a:fontRef>
         </p:style>
       </p:cxnSp>
-      <p:sp>
-        <p:nvSpPr>
-          <p:cNvPr id="68" name="Isosceles Triangle 102"/>
-          <p:cNvSpPr/>
+      <p:cxnSp>
+        <p:nvCxnSpPr>
+          <p:cNvPr id="167" name="Elbow Connector 78">
+            <a:extLst>
+              <a:ext uri="{FF2B5EF4-FFF2-40B4-BE49-F238E27FC236}">
+                <a16:creationId xmlns:a16="http://schemas.microsoft.com/office/drawing/2014/main" id="{2CD77293-29C1-4A4A-B9C8-716C0D83DA6A}"/>
+              </a:ext>
+            </a:extLst>
+          </p:cNvPr>
+          <p:cNvCxnSpPr>
+            <a:cxnSpLocks/>
+          </p:cNvCxnSpPr>
           <p:nvPr/>
-        </p:nvSpPr>
-        <p:spPr>
-          <a:xfrm rot="16200000">
-            <a:off x="2669073" y="2069158"/>
-            <a:ext cx="271014" cy="187417"/>
-          </a:xfrm>
-          <a:prstGeom prst="triangle">
-            <a:avLst>
-              <a:gd name="adj" fmla="val 44517"/>
-            </a:avLst>
-          </a:prstGeom>
-          <a:solidFill>
-            <a:schemeClr val="accent4">
-              <a:lumMod val="20000"/>
-              <a:lumOff val="80000"/>
-            </a:schemeClr>
-          </a:solidFill>
+        </p:nvCxnSpPr>
+        <p:spPr>
+          <a:xfrm rot="5400000" flipH="1" flipV="1">
+            <a:off x="7091609" y="2458231"/>
+            <a:ext cx="329791" cy="273770"/>
+          </a:xfrm>
+          <a:prstGeom prst="bentConnector2">
+            <a:avLst/>
+          </a:prstGeom>
           <a:ln w="19050">
             <a:solidFill>
               <a:srgbClr val="7030A0"/>
             </a:solidFill>
-          </a:ln>
-          <a:effectLst/>
-        </p:spPr>
-        <p:style>
-          <a:lnRef idx="1">
-            <a:schemeClr val="accent6"/>
-          </a:lnRef>
-          <a:fillRef idx="2">
-            <a:schemeClr val="accent6"/>
-          </a:fillRef>
-          <a:effectRef idx="1">
-            <a:schemeClr val="accent6"/>
-          </a:effectRef>
-          <a:fontRef idx="minor">
-            <a:schemeClr val="dk1"/>
-          </a:fontRef>
-        </p:style>
-        <p:txBody>
-          <a:bodyPr rtlCol="0" anchor="ctr"/>
-          <a:lstStyle/>
-          <a:p>
-            <a:pPr algn="ctr"/>
-            <a:endParaRPr lang="en-SG" sz="1050"/>
-          </a:p>
-        </p:txBody>
-      </p:sp>
-      <p:cxnSp>
-        <p:nvCxnSpPr>
-          <p:cNvPr id="69" name="Elbow Connector 63"/>
-          <p:cNvCxnSpPr>
-            <a:stCxn id="68" idx="3"/>
-            <a:endCxn id="55" idx="1"/>
-          </p:cNvCxnSpPr>
-          <p:nvPr/>
-        </p:nvCxnSpPr>
-        <p:spPr>
-          <a:xfrm>
-            <a:off x="2898289" y="2177727"/>
-            <a:ext cx="271892" cy="2821"/>
-          </a:xfrm>
-          <a:prstGeom prst="bentConnector3">
-            <a:avLst>
-              <a:gd name="adj1" fmla="val 50000"/>
-            </a:avLst>
-          </a:prstGeom>
-          <a:ln w="19050">
-            <a:solidFill>
-              <a:srgbClr val="7030A0"/>
-            </a:solidFill>
-            <a:prstDash val="sysDot"/>
             <a:headEnd type="none" w="med" len="med"/>
-            <a:tailEnd type="none" w="med" len="med"/>
+            <a:tailEnd type="arrow" w="med" len="med"/>
           </a:ln>
           <a:effectLst/>
         </p:spPr>
@@ -5638,170 +7002,34 @@
           </a:fontRef>
         </p:style>
       </p:cxnSp>
-      <p:sp>
-        <p:nvSpPr>
-          <p:cNvPr id="57" name="Rectangle 8">
+      <p:cxnSp>
+        <p:nvCxnSpPr>
+          <p:cNvPr id="168" name="Elbow Connector 78">
             <a:extLst>
               <a:ext uri="{FF2B5EF4-FFF2-40B4-BE49-F238E27FC236}">
-                <a16:creationId xmlns:a16="http://schemas.microsoft.com/office/drawing/2014/main" id="{6A42DA50-9012-4391-9EF3-285E4FA3FCD8}"/>
-              </a:ext>
-            </a:extLst>
-          </p:cNvPr>
-          <p:cNvSpPr/>
-          <p:nvPr/>
-        </p:nvSpPr>
-        <p:spPr>
-          <a:xfrm>
-            <a:off x="4238892" y="3460864"/>
-            <a:ext cx="1293486" cy="346760"/>
-          </a:xfrm>
-          <a:prstGeom prst="rect">
-            <a:avLst/>
-          </a:prstGeom>
-          <a:ln w="19050">
-            <a:solidFill>
-              <a:srgbClr val="7030A0"/>
-            </a:solidFill>
-          </a:ln>
-          <a:effectLst/>
-        </p:spPr>
-        <p:style>
-          <a:lnRef idx="1">
-            <a:schemeClr val="accent4"/>
-          </a:lnRef>
-          <a:fillRef idx="2">
-            <a:schemeClr val="accent4"/>
-          </a:fillRef>
-          <a:effectRef idx="1">
-            <a:schemeClr val="accent4"/>
-          </a:effectRef>
-          <a:fontRef idx="minor">
-            <a:schemeClr val="dk1"/>
-          </a:fontRef>
-        </p:style>
-        <p:txBody>
-          <a:bodyPr rtlCol="0" anchor="ctr"/>
-          <a:lstStyle/>
-          <a:p>
-            <a:pPr algn="ctr"/>
-            <a:r>
-              <a:rPr lang="en-US" sz="1050" dirty="0">
-                <a:solidFill>
-                  <a:srgbClr val="7030A0"/>
-                </a:solidFill>
-              </a:rPr>
-              <a:t>&lt;&lt;interface&gt;&gt;</a:t>
-            </a:r>
-          </a:p>
-          <a:p>
-            <a:pPr algn="ctr"/>
-            <a:r>
-              <a:rPr lang="en-US" sz="1050" dirty="0" err="1">
-                <a:solidFill>
-                  <a:srgbClr val="7030A0"/>
-                </a:solidFill>
-              </a:rPr>
-              <a:t>ReadOnlyUserPrefs</a:t>
-            </a:r>
-            <a:endParaRPr lang="en-SG" sz="1050" dirty="0">
-              <a:solidFill>
-                <a:srgbClr val="7030A0"/>
-              </a:solidFill>
-            </a:endParaRPr>
-          </a:p>
-        </p:txBody>
-      </p:sp>
-      <p:sp>
-        <p:nvSpPr>
-          <p:cNvPr id="59" name="Isosceles Triangle 102">
-            <a:extLst>
-              <a:ext uri="{FF2B5EF4-FFF2-40B4-BE49-F238E27FC236}">
-                <a16:creationId xmlns:a16="http://schemas.microsoft.com/office/drawing/2014/main" id="{B263B2D7-6E76-465E-B40E-7E2A46254A84}"/>
-              </a:ext>
-            </a:extLst>
-          </p:cNvPr>
-          <p:cNvSpPr/>
-          <p:nvPr/>
-        </p:nvSpPr>
-        <p:spPr>
-          <a:xfrm rot="5400000" flipH="1">
-            <a:off x="3992636" y="3514414"/>
-            <a:ext cx="271014" cy="221497"/>
-          </a:xfrm>
-          <a:prstGeom prst="triangle">
-            <a:avLst>
-              <a:gd name="adj" fmla="val 44517"/>
-            </a:avLst>
-          </a:prstGeom>
-          <a:solidFill>
-            <a:schemeClr val="accent4">
-              <a:lumMod val="20000"/>
-              <a:lumOff val="80000"/>
-            </a:schemeClr>
-          </a:solidFill>
-          <a:ln w="19050">
-            <a:solidFill>
-              <a:srgbClr val="7030A0"/>
-            </a:solidFill>
-          </a:ln>
-          <a:effectLst/>
-        </p:spPr>
-        <p:style>
-          <a:lnRef idx="1">
-            <a:schemeClr val="accent6"/>
-          </a:lnRef>
-          <a:fillRef idx="2">
-            <a:schemeClr val="accent6"/>
-          </a:fillRef>
-          <a:effectRef idx="1">
-            <a:schemeClr val="accent6"/>
-          </a:effectRef>
-          <a:fontRef idx="minor">
-            <a:schemeClr val="dk1"/>
-          </a:fontRef>
-        </p:style>
-        <p:txBody>
-          <a:bodyPr rtlCol="0" anchor="ctr"/>
-          <a:lstStyle/>
-          <a:p>
-            <a:pPr algn="ctr"/>
-            <a:endParaRPr lang="en-SG" sz="1050"/>
-          </a:p>
-        </p:txBody>
-      </p:sp>
-      <p:cxnSp>
-        <p:nvCxnSpPr>
-          <p:cNvPr id="67" name="Elbow Connector 63">
-            <a:extLst>
-              <a:ext uri="{FF2B5EF4-FFF2-40B4-BE49-F238E27FC236}">
-                <a16:creationId xmlns:a16="http://schemas.microsoft.com/office/drawing/2014/main" id="{BA3A25CD-7C1D-4B3B-B294-1B05ABCFECFD}"/>
+                <a16:creationId xmlns:a16="http://schemas.microsoft.com/office/drawing/2014/main" id="{49EB416E-8AAB-44D1-90C9-B46943E8441B}"/>
               </a:ext>
             </a:extLst>
           </p:cNvPr>
           <p:cNvCxnSpPr>
             <a:cxnSpLocks/>
-            <a:stCxn id="59" idx="3"/>
-            <a:endCxn id="2" idx="3"/>
           </p:cNvCxnSpPr>
           <p:nvPr/>
         </p:nvCxnSpPr>
         <p:spPr>
-          <a:xfrm rot="10800000">
-            <a:off x="3703491" y="3636621"/>
-            <a:ext cx="313904" cy="3403"/>
-          </a:xfrm>
-          <a:prstGeom prst="bentConnector3">
-            <a:avLst>
-              <a:gd name="adj1" fmla="val 50000"/>
-            </a:avLst>
+          <a:xfrm rot="5400000" flipH="1" flipV="1">
+            <a:off x="7090889" y="2131111"/>
+            <a:ext cx="329791" cy="273770"/>
+          </a:xfrm>
+          <a:prstGeom prst="bentConnector2">
+            <a:avLst/>
           </a:prstGeom>
           <a:ln w="19050">
             <a:solidFill>
               <a:srgbClr val="7030A0"/>
             </a:solidFill>
-            <a:prstDash val="sysDot"/>
             <a:headEnd type="none" w="med" len="med"/>
-            <a:tailEnd type="none" w="med" len="med"/>
+            <a:tailEnd type="arrow" w="med" len="med"/>
           </a:ln>
           <a:effectLst/>
         </p:spPr>
@@ -5820,6 +7048,397 @@
           </a:fontRef>
         </p:style>
       </p:cxnSp>
+      <p:cxnSp>
+        <p:nvCxnSpPr>
+          <p:cNvPr id="169" name="Elbow Connector 78">
+            <a:extLst>
+              <a:ext uri="{FF2B5EF4-FFF2-40B4-BE49-F238E27FC236}">
+                <a16:creationId xmlns:a16="http://schemas.microsoft.com/office/drawing/2014/main" id="{598FB4D8-09C5-4DCC-9E1B-B3F3D0D8EF8A}"/>
+              </a:ext>
+            </a:extLst>
+          </p:cNvPr>
+          <p:cNvCxnSpPr>
+            <a:cxnSpLocks/>
+          </p:cNvCxnSpPr>
+          <p:nvPr/>
+        </p:nvCxnSpPr>
+        <p:spPr>
+          <a:xfrm rot="5400000" flipH="1" flipV="1">
+            <a:off x="7090890" y="1835106"/>
+            <a:ext cx="329791" cy="273770"/>
+          </a:xfrm>
+          <a:prstGeom prst="bentConnector2">
+            <a:avLst/>
+          </a:prstGeom>
+          <a:ln w="19050">
+            <a:solidFill>
+              <a:srgbClr val="7030A0"/>
+            </a:solidFill>
+            <a:headEnd type="none" w="med" len="med"/>
+            <a:tailEnd type="arrow" w="med" len="med"/>
+          </a:ln>
+          <a:effectLst/>
+        </p:spPr>
+        <p:style>
+          <a:lnRef idx="1">
+            <a:schemeClr val="accent2"/>
+          </a:lnRef>
+          <a:fillRef idx="2">
+            <a:schemeClr val="accent2"/>
+          </a:fillRef>
+          <a:effectRef idx="1">
+            <a:schemeClr val="accent2"/>
+          </a:effectRef>
+          <a:fontRef idx="minor">
+            <a:schemeClr val="dk1"/>
+          </a:fontRef>
+        </p:style>
+      </p:cxnSp>
+      <p:cxnSp>
+        <p:nvCxnSpPr>
+          <p:cNvPr id="171" name="Elbow Connector 63">
+            <a:extLst>
+              <a:ext uri="{FF2B5EF4-FFF2-40B4-BE49-F238E27FC236}">
+                <a16:creationId xmlns:a16="http://schemas.microsoft.com/office/drawing/2014/main" id="{5B20BFCC-8D3A-4649-82D9-4C7E3B0BB952}"/>
+              </a:ext>
+            </a:extLst>
+          </p:cNvPr>
+          <p:cNvCxnSpPr>
+            <a:cxnSpLocks/>
+            <a:stCxn id="51" idx="0"/>
+            <a:endCxn id="148" idx="1"/>
+          </p:cNvCxnSpPr>
+          <p:nvPr/>
+        </p:nvCxnSpPr>
+        <p:spPr>
+          <a:xfrm rot="5400000" flipH="1" flipV="1">
+            <a:off x="3964371" y="3290504"/>
+            <a:ext cx="597303" cy="249653"/>
+          </a:xfrm>
+          <a:prstGeom prst="bentConnector2">
+            <a:avLst/>
+          </a:prstGeom>
+          <a:ln w="19050">
+            <a:solidFill>
+              <a:srgbClr val="7030A0"/>
+            </a:solidFill>
+            <a:headEnd type="none" w="med" len="med"/>
+            <a:tailEnd type="arrow" w="med" len="med"/>
+          </a:ln>
+          <a:effectLst/>
+        </p:spPr>
+        <p:style>
+          <a:lnRef idx="1">
+            <a:schemeClr val="accent2"/>
+          </a:lnRef>
+          <a:fillRef idx="2">
+            <a:schemeClr val="accent2"/>
+          </a:fillRef>
+          <a:effectRef idx="1">
+            <a:schemeClr val="accent2"/>
+          </a:effectRef>
+          <a:fontRef idx="minor">
+            <a:schemeClr val="dk1"/>
+          </a:fontRef>
+        </p:style>
+      </p:cxnSp>
+      <p:sp>
+        <p:nvSpPr>
+          <p:cNvPr id="172" name="Rectangle 8">
+            <a:extLst>
+              <a:ext uri="{FF2B5EF4-FFF2-40B4-BE49-F238E27FC236}">
+                <a16:creationId xmlns:a16="http://schemas.microsoft.com/office/drawing/2014/main" id="{B00EAA1D-9B43-45A3-B937-30224AAF2ABB}"/>
+              </a:ext>
+            </a:extLst>
+          </p:cNvPr>
+          <p:cNvSpPr/>
+          <p:nvPr/>
+        </p:nvSpPr>
+        <p:spPr>
+          <a:xfrm>
+            <a:off x="4388214" y="2318632"/>
+            <a:ext cx="1156969" cy="346760"/>
+          </a:xfrm>
+          <a:prstGeom prst="rect">
+            <a:avLst/>
+          </a:prstGeom>
+          <a:ln w="19050">
+            <a:solidFill>
+              <a:srgbClr val="7030A0"/>
+            </a:solidFill>
+          </a:ln>
+          <a:effectLst/>
+        </p:spPr>
+        <p:style>
+          <a:lnRef idx="1">
+            <a:schemeClr val="accent4"/>
+          </a:lnRef>
+          <a:fillRef idx="2">
+            <a:schemeClr val="accent4"/>
+          </a:fillRef>
+          <a:effectRef idx="1">
+            <a:schemeClr val="accent4"/>
+          </a:effectRef>
+          <a:fontRef idx="minor">
+            <a:schemeClr val="dk1"/>
+          </a:fontRef>
+        </p:style>
+        <p:txBody>
+          <a:bodyPr rtlCol="0" anchor="ctr"/>
+          <a:lstStyle/>
+          <a:p>
+            <a:pPr algn="ctr"/>
+            <a:r>
+              <a:rPr lang="en-US" sz="1050" dirty="0">
+                <a:solidFill>
+                  <a:srgbClr val="7030A0"/>
+                </a:solidFill>
+              </a:rPr>
+              <a:t>dayMap</a:t>
+            </a:r>
+            <a:endParaRPr lang="en-SG" sz="1050" dirty="0">
+              <a:solidFill>
+                <a:srgbClr val="7030A0"/>
+              </a:solidFill>
+            </a:endParaRPr>
+          </a:p>
+        </p:txBody>
+      </p:sp>
+      <p:sp>
+        <p:nvSpPr>
+          <p:cNvPr id="173" name="Flowchart: Decision 96">
+            <a:extLst>
+              <a:ext uri="{FF2B5EF4-FFF2-40B4-BE49-F238E27FC236}">
+                <a16:creationId xmlns:a16="http://schemas.microsoft.com/office/drawing/2014/main" id="{927187D6-8C5E-484B-9C97-75EEA5E47C45}"/>
+              </a:ext>
+            </a:extLst>
+          </p:cNvPr>
+          <p:cNvSpPr/>
+          <p:nvPr/>
+        </p:nvSpPr>
+        <p:spPr>
+          <a:xfrm>
+            <a:off x="5545658" y="2404718"/>
+            <a:ext cx="236048" cy="173380"/>
+          </a:xfrm>
+          <a:prstGeom prst="flowChartDecision">
+            <a:avLst/>
+          </a:prstGeom>
+          <a:noFill/>
+          <a:ln w="19050">
+            <a:solidFill>
+              <a:srgbClr val="7030A0"/>
+            </a:solidFill>
+          </a:ln>
+          <a:effectLst/>
+        </p:spPr>
+        <p:style>
+          <a:lnRef idx="1">
+            <a:schemeClr val="accent6"/>
+          </a:lnRef>
+          <a:fillRef idx="2">
+            <a:schemeClr val="accent6"/>
+          </a:fillRef>
+          <a:effectRef idx="1">
+            <a:schemeClr val="accent6"/>
+          </a:effectRef>
+          <a:fontRef idx="minor">
+            <a:schemeClr val="dk1"/>
+          </a:fontRef>
+        </p:style>
+        <p:txBody>
+          <a:bodyPr rtlCol="0" anchor="ctr"/>
+          <a:lstStyle/>
+          <a:p>
+            <a:pPr algn="ctr"/>
+            <a:endParaRPr lang="en-US" sz="1050"/>
+          </a:p>
+        </p:txBody>
+      </p:sp>
+      <p:sp>
+        <p:nvSpPr>
+          <p:cNvPr id="174" name="TextBox 173">
+            <a:extLst>
+              <a:ext uri="{FF2B5EF4-FFF2-40B4-BE49-F238E27FC236}">
+                <a16:creationId xmlns:a16="http://schemas.microsoft.com/office/drawing/2014/main" id="{19BD9274-85EB-4359-9726-20CAA81191B1}"/>
+              </a:ext>
+            </a:extLst>
+          </p:cNvPr>
+          <p:cNvSpPr txBox="1"/>
+          <p:nvPr/>
+        </p:nvSpPr>
+        <p:spPr>
+          <a:xfrm>
+            <a:off x="6069670" y="2753908"/>
+            <a:ext cx="189257" cy="178683"/>
+          </a:xfrm>
+          <a:prstGeom prst="rect">
+            <a:avLst/>
+          </a:prstGeom>
+          <a:noFill/>
+        </p:spPr>
+        <p:txBody>
+          <a:bodyPr wrap="square" lIns="0" tIns="0" rIns="0" bIns="0" rtlCol="0">
+            <a:noAutofit/>
+          </a:bodyPr>
+          <a:lstStyle/>
+          <a:p>
+            <a:pPr algn="ctr"/>
+            <a:r>
+              <a:rPr lang="en-US" sz="1100" dirty="0">
+                <a:solidFill>
+                  <a:srgbClr val="7030A0"/>
+                </a:solidFill>
+              </a:rPr>
+              <a:t>*</a:t>
+            </a:r>
+            <a:endParaRPr lang="en-SG" sz="1100" dirty="0">
+              <a:solidFill>
+                <a:srgbClr val="7030A0"/>
+              </a:solidFill>
+            </a:endParaRPr>
+          </a:p>
+        </p:txBody>
+      </p:sp>
+      <p:cxnSp>
+        <p:nvCxnSpPr>
+          <p:cNvPr id="175" name="Elbow Connector 78">
+            <a:extLst>
+              <a:ext uri="{FF2B5EF4-FFF2-40B4-BE49-F238E27FC236}">
+                <a16:creationId xmlns:a16="http://schemas.microsoft.com/office/drawing/2014/main" id="{E50418CE-7C39-4FCD-B011-5A870E880B45}"/>
+              </a:ext>
+            </a:extLst>
+          </p:cNvPr>
+          <p:cNvCxnSpPr>
+            <a:cxnSpLocks/>
+            <a:stCxn id="173" idx="3"/>
+          </p:cNvCxnSpPr>
+          <p:nvPr/>
+        </p:nvCxnSpPr>
+        <p:spPr>
+          <a:xfrm>
+            <a:off x="5781706" y="2491408"/>
+            <a:ext cx="508757" cy="441183"/>
+          </a:xfrm>
+          <a:prstGeom prst="bentConnector2">
+            <a:avLst/>
+          </a:prstGeom>
+          <a:ln w="19050">
+            <a:solidFill>
+              <a:srgbClr val="7030A0"/>
+            </a:solidFill>
+            <a:headEnd type="none" w="med" len="med"/>
+            <a:tailEnd type="arrow" w="med" len="med"/>
+          </a:ln>
+          <a:effectLst/>
+        </p:spPr>
+        <p:style>
+          <a:lnRef idx="1">
+            <a:schemeClr val="accent2"/>
+          </a:lnRef>
+          <a:fillRef idx="2">
+            <a:schemeClr val="accent2"/>
+          </a:fillRef>
+          <a:effectRef idx="1">
+            <a:schemeClr val="accent2"/>
+          </a:effectRef>
+          <a:fontRef idx="minor">
+            <a:schemeClr val="dk1"/>
+          </a:fontRef>
+        </p:style>
+      </p:cxnSp>
+      <p:cxnSp>
+        <p:nvCxnSpPr>
+          <p:cNvPr id="176" name="Elbow Connector 63">
+            <a:extLst>
+              <a:ext uri="{FF2B5EF4-FFF2-40B4-BE49-F238E27FC236}">
+                <a16:creationId xmlns:a16="http://schemas.microsoft.com/office/drawing/2014/main" id="{3A8BFE18-15E0-4C3A-8265-27F11D7009AA}"/>
+              </a:ext>
+            </a:extLst>
+          </p:cNvPr>
+          <p:cNvCxnSpPr>
+            <a:cxnSpLocks/>
+            <a:endCxn id="172" idx="1"/>
+          </p:cNvCxnSpPr>
+          <p:nvPr/>
+        </p:nvCxnSpPr>
+        <p:spPr>
+          <a:xfrm rot="5400000" flipH="1" flipV="1">
+            <a:off x="3954111" y="2676625"/>
+            <a:ext cx="618716" cy="249490"/>
+          </a:xfrm>
+          <a:prstGeom prst="bentConnector2">
+            <a:avLst/>
+          </a:prstGeom>
+          <a:ln w="19050">
+            <a:solidFill>
+              <a:srgbClr val="7030A0"/>
+            </a:solidFill>
+            <a:headEnd type="none" w="med" len="med"/>
+            <a:tailEnd type="arrow" w="med" len="med"/>
+          </a:ln>
+          <a:effectLst/>
+        </p:spPr>
+        <p:style>
+          <a:lnRef idx="1">
+            <a:schemeClr val="accent2"/>
+          </a:lnRef>
+          <a:fillRef idx="2">
+            <a:schemeClr val="accent2"/>
+          </a:fillRef>
+          <a:effectRef idx="1">
+            <a:schemeClr val="accent2"/>
+          </a:effectRef>
+          <a:fontRef idx="minor">
+            <a:schemeClr val="dk1"/>
+          </a:fontRef>
+        </p:style>
+      </p:cxnSp>
+      <p:sp>
+        <p:nvSpPr>
+          <p:cNvPr id="177" name="TextBox 176">
+            <a:extLst>
+              <a:ext uri="{FF2B5EF4-FFF2-40B4-BE49-F238E27FC236}">
+                <a16:creationId xmlns:a16="http://schemas.microsoft.com/office/drawing/2014/main" id="{D5EAE191-0381-40A6-BD53-C310632E4165}"/>
+              </a:ext>
+            </a:extLst>
+          </p:cNvPr>
+          <p:cNvSpPr txBox="1"/>
+          <p:nvPr/>
+        </p:nvSpPr>
+        <p:spPr>
+          <a:xfrm>
+            <a:off x="4183655" y="2591977"/>
+            <a:ext cx="189257" cy="178683"/>
+          </a:xfrm>
+          <a:prstGeom prst="rect">
+            <a:avLst/>
+          </a:prstGeom>
+          <a:noFill/>
+        </p:spPr>
+        <p:txBody>
+          <a:bodyPr wrap="square" lIns="0" tIns="0" rIns="0" bIns="0" rtlCol="0">
+            <a:noAutofit/>
+          </a:bodyPr>
+          <a:lstStyle/>
+          <a:p>
+            <a:pPr algn="ctr"/>
+            <a:r>
+              <a:rPr lang="en-US" sz="1100" dirty="0">
+                <a:solidFill>
+                  <a:srgbClr val="7030A0"/>
+                </a:solidFill>
+              </a:rPr>
+              <a:t>1</a:t>
+            </a:r>
+            <a:endParaRPr lang="en-SG" sz="1100" dirty="0">
+              <a:solidFill>
+                <a:srgbClr val="7030A0"/>
+              </a:solidFill>
+            </a:endParaRPr>
+          </a:p>
+        </p:txBody>
+      </p:sp>
     </p:spTree>
     <p:extLst>
       <p:ext uri="{BB962C8B-B14F-4D97-AF65-F5344CB8AC3E}">

--- a/docs/diagrams/ModelComponentClassDiagram.pptx
+++ b/docs/diagrams/ModelComponentClassDiagram.pptx
@@ -208,7 +208,7 @@
           <a:p>
             <a:fld id="{F5CC4B3F-88C1-4FFA-B1B6-F41C21DC6924}" type="datetimeFigureOut">
               <a:rPr lang="en-US" smtClean="0"/>
-              <a:t>04-Apr-19</a:t>
+              <a:t>09-Apr-19</a:t>
             </a:fld>
             <a:endParaRPr lang="en-US"/>
           </a:p>
@@ -654,7 +654,7 @@
           <a:p>
             <a:fld id="{78C97017-6FC3-485B-9764-EAC9E56C1D49}" type="datetimeFigureOut">
               <a:rPr lang="en-US" smtClean="0"/>
-              <a:t>04-Apr-19</a:t>
+              <a:t>09-Apr-19</a:t>
             </a:fld>
             <a:endParaRPr lang="en-US"/>
           </a:p>
@@ -822,7 +822,7 @@
           <a:p>
             <a:fld id="{78C97017-6FC3-485B-9764-EAC9E56C1D49}" type="datetimeFigureOut">
               <a:rPr lang="en-US" smtClean="0"/>
-              <a:t>04-Apr-19</a:t>
+              <a:t>09-Apr-19</a:t>
             </a:fld>
             <a:endParaRPr lang="en-US"/>
           </a:p>
@@ -1000,7 +1000,7 @@
           <a:p>
             <a:fld id="{78C97017-6FC3-485B-9764-EAC9E56C1D49}" type="datetimeFigureOut">
               <a:rPr lang="en-US" smtClean="0"/>
-              <a:t>04-Apr-19</a:t>
+              <a:t>09-Apr-19</a:t>
             </a:fld>
             <a:endParaRPr lang="en-US"/>
           </a:p>
@@ -1168,7 +1168,7 @@
           <a:p>
             <a:fld id="{78C97017-6FC3-485B-9764-EAC9E56C1D49}" type="datetimeFigureOut">
               <a:rPr lang="en-US" smtClean="0"/>
-              <a:t>04-Apr-19</a:t>
+              <a:t>09-Apr-19</a:t>
             </a:fld>
             <a:endParaRPr lang="en-US"/>
           </a:p>
@@ -1413,7 +1413,7 @@
           <a:p>
             <a:fld id="{78C97017-6FC3-485B-9764-EAC9E56C1D49}" type="datetimeFigureOut">
               <a:rPr lang="en-US" smtClean="0"/>
-              <a:t>04-Apr-19</a:t>
+              <a:t>09-Apr-19</a:t>
             </a:fld>
             <a:endParaRPr lang="en-US"/>
           </a:p>
@@ -1698,7 +1698,7 @@
           <a:p>
             <a:fld id="{78C97017-6FC3-485B-9764-EAC9E56C1D49}" type="datetimeFigureOut">
               <a:rPr lang="en-US" smtClean="0"/>
-              <a:t>04-Apr-19</a:t>
+              <a:t>09-Apr-19</a:t>
             </a:fld>
             <a:endParaRPr lang="en-US"/>
           </a:p>
@@ -2117,7 +2117,7 @@
           <a:p>
             <a:fld id="{78C97017-6FC3-485B-9764-EAC9E56C1D49}" type="datetimeFigureOut">
               <a:rPr lang="en-US" smtClean="0"/>
-              <a:t>04-Apr-19</a:t>
+              <a:t>09-Apr-19</a:t>
             </a:fld>
             <a:endParaRPr lang="en-US"/>
           </a:p>
@@ -2234,7 +2234,7 @@
           <a:p>
             <a:fld id="{78C97017-6FC3-485B-9764-EAC9E56C1D49}" type="datetimeFigureOut">
               <a:rPr lang="en-US" smtClean="0"/>
-              <a:t>04-Apr-19</a:t>
+              <a:t>09-Apr-19</a:t>
             </a:fld>
             <a:endParaRPr lang="en-US"/>
           </a:p>
@@ -2329,7 +2329,7 @@
           <a:p>
             <a:fld id="{78C97017-6FC3-485B-9764-EAC9E56C1D49}" type="datetimeFigureOut">
               <a:rPr lang="en-US" smtClean="0"/>
-              <a:t>04-Apr-19</a:t>
+              <a:t>09-Apr-19</a:t>
             </a:fld>
             <a:endParaRPr lang="en-US"/>
           </a:p>
@@ -2604,7 +2604,7 @@
           <a:p>
             <a:fld id="{78C97017-6FC3-485B-9764-EAC9E56C1D49}" type="datetimeFigureOut">
               <a:rPr lang="en-US" smtClean="0"/>
-              <a:t>04-Apr-19</a:t>
+              <a:t>09-Apr-19</a:t>
             </a:fld>
             <a:endParaRPr lang="en-US"/>
           </a:p>
@@ -2856,7 +2856,7 @@
           <a:p>
             <a:fld id="{78C97017-6FC3-485B-9764-EAC9E56C1D49}" type="datetimeFigureOut">
               <a:rPr lang="en-US" smtClean="0"/>
-              <a:t>04-Apr-19</a:t>
+              <a:t>09-Apr-19</a:t>
             </a:fld>
             <a:endParaRPr lang="en-US"/>
           </a:p>
@@ -3067,7 +3067,7 @@
           <a:p>
             <a:fld id="{78C97017-6FC3-485B-9764-EAC9E56C1D49}" type="datetimeFigureOut">
               <a:rPr lang="en-US" smtClean="0"/>
-              <a:t>04-Apr-19</a:t>
+              <a:t>09-Apr-19</a:t>
             </a:fld>
             <a:endParaRPr lang="en-US"/>
           </a:p>
@@ -3450,8 +3450,8 @@
         </p:nvSpPr>
         <p:spPr>
           <a:xfrm>
-            <a:off x="685800" y="1447800"/>
-            <a:ext cx="7848600" cy="4614840"/>
+            <a:off x="694429" y="1022730"/>
+            <a:ext cx="7625503" cy="5140889"/>
           </a:xfrm>
           <a:prstGeom prst="roundRect">
             <a:avLst>
@@ -3511,7 +3511,7 @@
         </p:nvSpPr>
         <p:spPr>
           <a:xfrm>
-            <a:off x="2520480" y="4256689"/>
+            <a:off x="2520480" y="3731869"/>
             <a:ext cx="878211" cy="346760"/>
           </a:xfrm>
           <a:prstGeom prst="rect">
@@ -3567,8 +3567,8 @@
         </p:nvSpPr>
         <p:spPr>
           <a:xfrm rot="16200000">
-            <a:off x="1356748" y="3891199"/>
-            <a:ext cx="1093635" cy="346760"/>
+            <a:off x="767445" y="3780292"/>
+            <a:ext cx="2272242" cy="346760"/>
           </a:xfrm>
           <a:prstGeom prst="rect">
             <a:avLst/>
@@ -3623,19 +3623,17 @@
           <p:cNvPr id="107" name="Elbow Connector 106"/>
           <p:cNvCxnSpPr>
             <a:cxnSpLocks/>
-            <a:stCxn id="9" idx="1"/>
-            <a:endCxn id="62" idx="2"/>
           </p:cNvCxnSpPr>
           <p:nvPr/>
         </p:nvCxnSpPr>
         <p:spPr>
-          <a:xfrm rot="5400000" flipH="1" flipV="1">
-            <a:off x="3826707" y="2075134"/>
-            <a:ext cx="613122" cy="4459404"/>
+          <a:xfrm flipV="1">
+            <a:off x="2083512" y="3492667"/>
+            <a:ext cx="4018808" cy="151530"/>
           </a:xfrm>
           <a:prstGeom prst="bentConnector3">
             <a:avLst>
-              <a:gd name="adj1" fmla="val -26668"/>
+              <a:gd name="adj1" fmla="val 100057"/>
             </a:avLst>
           </a:prstGeom>
           <a:ln w="19050">
@@ -3671,7 +3669,7 @@
         </p:nvSpPr>
         <p:spPr>
           <a:xfrm rot="16200000">
-            <a:off x="651402" y="3638588"/>
+            <a:off x="651402" y="3113768"/>
             <a:ext cx="1093635" cy="346760"/>
           </a:xfrm>
           <a:prstGeom prst="rect">
@@ -3741,7 +3739,7 @@
         </p:nvSpPr>
         <p:spPr>
           <a:xfrm rot="16200000">
-            <a:off x="1322110" y="3745740"/>
+            <a:off x="1322110" y="3220920"/>
             <a:ext cx="270504" cy="175523"/>
           </a:xfrm>
           <a:prstGeom prst="triangle">
@@ -3792,7 +3790,7 @@
         </p:nvCxnSpPr>
         <p:spPr>
           <a:xfrm>
-            <a:off x="2305028" y="4430069"/>
+            <a:off x="2305028" y="3905249"/>
             <a:ext cx="215452" cy="0"/>
           </a:xfrm>
           <a:prstGeom prst="straightConnector1">
@@ -3830,7 +3828,7 @@
         </p:nvCxnSpPr>
         <p:spPr>
           <a:xfrm>
-            <a:off x="605291" y="3833502"/>
+            <a:off x="605291" y="3308682"/>
             <a:ext cx="419548" cy="2860"/>
           </a:xfrm>
           <a:prstGeom prst="bentConnector3">
@@ -3875,7 +3873,7 @@
         </p:nvCxnSpPr>
         <p:spPr>
           <a:xfrm flipV="1">
-            <a:off x="1545124" y="3833501"/>
+            <a:off x="1545124" y="3308681"/>
             <a:ext cx="216105" cy="1"/>
           </a:xfrm>
           <a:prstGeom prst="line">
@@ -3914,7 +3912,7 @@
         </p:nvSpPr>
         <p:spPr>
           <a:xfrm>
-            <a:off x="2068980" y="4343379"/>
+            <a:off x="2068980" y="3818559"/>
             <a:ext cx="236048" cy="173380"/>
           </a:xfrm>
           <a:prstGeom prst="flowChartDecision">
@@ -3959,7 +3957,7 @@
         </p:nvSpPr>
         <p:spPr>
           <a:xfrm>
-            <a:off x="2520480" y="3639611"/>
+            <a:off x="2520480" y="3114791"/>
             <a:ext cx="1490560" cy="334856"/>
           </a:xfrm>
           <a:prstGeom prst="rect">
@@ -4018,7 +4016,7 @@
         </p:nvCxnSpPr>
         <p:spPr>
           <a:xfrm>
-            <a:off x="2319560" y="3796482"/>
+            <a:off x="2319560" y="3271662"/>
             <a:ext cx="200920" cy="10557"/>
           </a:xfrm>
           <a:prstGeom prst="straightConnector1">
@@ -4056,7 +4054,7 @@
         </p:nvSpPr>
         <p:spPr>
           <a:xfrm>
-            <a:off x="2083512" y="3709792"/>
+            <a:off x="2083512" y="3184972"/>
             <a:ext cx="236048" cy="173380"/>
           </a:xfrm>
           <a:prstGeom prst="flowChartDecision">
@@ -4101,7 +4099,7 @@
         </p:nvSpPr>
         <p:spPr>
           <a:xfrm>
-            <a:off x="4387850" y="3639611"/>
+            <a:off x="4387850" y="3114791"/>
             <a:ext cx="1156969" cy="346760"/>
           </a:xfrm>
           <a:prstGeom prst="rect">
@@ -4157,7 +4155,7 @@
         </p:nvSpPr>
         <p:spPr>
           <a:xfrm>
-            <a:off x="4020172" y="3713981"/>
+            <a:off x="4020172" y="3189161"/>
             <a:ext cx="236048" cy="173380"/>
           </a:xfrm>
           <a:prstGeom prst="flowChartDecision">
@@ -4204,7 +4202,7 @@
         </p:nvSpPr>
         <p:spPr>
           <a:xfrm>
-            <a:off x="6008877" y="3651515"/>
+            <a:off x="6008877" y="3126695"/>
             <a:ext cx="708186" cy="346760"/>
           </a:xfrm>
           <a:prstGeom prst="rect">
@@ -4260,7 +4258,7 @@
         </p:nvSpPr>
         <p:spPr>
           <a:xfrm>
-            <a:off x="5553951" y="3735125"/>
+            <a:off x="5553951" y="3210305"/>
             <a:ext cx="236048" cy="173380"/>
           </a:xfrm>
           <a:prstGeom prst="flowChartDecision">
@@ -4308,7 +4306,7 @@
         </p:nvCxnSpPr>
         <p:spPr>
           <a:xfrm>
-            <a:off x="5789999" y="3821815"/>
+            <a:off x="5789999" y="3296995"/>
             <a:ext cx="218878" cy="3080"/>
           </a:xfrm>
           <a:prstGeom prst="bentConnector3">
@@ -4346,7 +4344,7 @@
         </p:nvSpPr>
         <p:spPr>
           <a:xfrm>
-            <a:off x="6737147" y="3741650"/>
+            <a:off x="6737147" y="3216830"/>
             <a:ext cx="236048" cy="173380"/>
           </a:xfrm>
           <a:prstGeom prst="flowChartDecision">
@@ -4397,7 +4395,7 @@
         </p:nvCxnSpPr>
         <p:spPr>
           <a:xfrm rot="5400000">
-            <a:off x="3015015" y="3387988"/>
+            <a:off x="3015015" y="2863168"/>
             <a:ext cx="502368" cy="878"/>
           </a:xfrm>
           <a:prstGeom prst="bentConnector3">
@@ -4438,7 +4436,7 @@
         </p:nvSpPr>
         <p:spPr>
           <a:xfrm rot="10800000" flipV="1">
-            <a:off x="3125445" y="2980181"/>
+            <a:off x="3125445" y="2455361"/>
             <a:ext cx="282387" cy="157062"/>
           </a:xfrm>
           <a:prstGeom prst="triangle">
@@ -4492,7 +4490,7 @@
         </p:nvSpPr>
         <p:spPr>
           <a:xfrm>
-            <a:off x="824068" y="2591977"/>
+            <a:off x="824068" y="2067157"/>
             <a:ext cx="1443661" cy="364396"/>
           </a:xfrm>
           <a:prstGeom prst="rect">
@@ -4562,8 +4560,8 @@
           <p:nvPr/>
         </p:nvSpPr>
         <p:spPr>
-          <a:xfrm rot="16200000">
-            <a:off x="6058086" y="4379754"/>
+          <a:xfrm>
+            <a:off x="5553951" y="3585330"/>
             <a:ext cx="881018" cy="261610"/>
           </a:xfrm>
           <a:prstGeom prst="rect">
@@ -4602,8 +4600,8 @@
         </p:nvSpPr>
         <p:spPr>
           <a:xfrm>
-            <a:off x="1752601" y="5032940"/>
-            <a:ext cx="1066800" cy="346760"/>
+            <a:off x="694429" y="4310652"/>
+            <a:ext cx="980877" cy="346760"/>
           </a:xfrm>
           <a:prstGeom prst="rect">
             <a:avLst/>
@@ -4670,17 +4668,18 @@
           <p:cNvPr id="124" name="Elbow Connector 122"/>
           <p:cNvCxnSpPr>
             <a:cxnSpLocks/>
-            <a:endCxn id="122" idx="1"/>
           </p:cNvCxnSpPr>
           <p:nvPr/>
         </p:nvCxnSpPr>
         <p:spPr>
-          <a:xfrm rot="16200000" flipH="1">
-            <a:off x="1059675" y="4513393"/>
-            <a:ext cx="831471" cy="554381"/>
-          </a:xfrm>
-          <a:prstGeom prst="bentConnector2">
-            <a:avLst/>
+          <a:xfrm rot="5400000">
+            <a:off x="962157" y="4084999"/>
+            <a:ext cx="471034" cy="1093"/>
+          </a:xfrm>
+          <a:prstGeom prst="bentConnector3">
+            <a:avLst>
+              <a:gd name="adj1" fmla="val 50000"/>
+            </a:avLst>
           </a:prstGeom>
           <a:ln w="19050">
             <a:solidFill>
@@ -4715,7 +4714,7 @@
         </p:nvSpPr>
         <p:spPr>
           <a:xfrm>
-            <a:off x="4168972" y="3897030"/>
+            <a:off x="4168972" y="3372210"/>
             <a:ext cx="189257" cy="178683"/>
           </a:xfrm>
           <a:prstGeom prst="rect">
@@ -4754,7 +4753,7 @@
         </p:nvSpPr>
         <p:spPr>
           <a:xfrm>
-            <a:off x="5830456" y="3891366"/>
+            <a:off x="5830456" y="3366546"/>
             <a:ext cx="189257" cy="178683"/>
           </a:xfrm>
           <a:prstGeom prst="rect">
@@ -4793,7 +4792,7 @@
         </p:nvSpPr>
         <p:spPr>
           <a:xfrm>
-            <a:off x="2268594" y="3550164"/>
+            <a:off x="2336613" y="3306287"/>
             <a:ext cx="170110" cy="137542"/>
           </a:xfrm>
           <a:prstGeom prst="rect">
@@ -4832,7 +4831,7 @@
         </p:nvSpPr>
         <p:spPr>
           <a:xfrm>
-            <a:off x="2325391" y="4461186"/>
+            <a:off x="2325391" y="3936366"/>
             <a:ext cx="189257" cy="178683"/>
           </a:xfrm>
           <a:prstGeom prst="rect">
@@ -4871,7 +4870,7 @@
         </p:nvSpPr>
         <p:spPr>
           <a:xfrm>
-            <a:off x="6145096" y="3998275"/>
+            <a:off x="6145096" y="3473455"/>
             <a:ext cx="189257" cy="178683"/>
           </a:xfrm>
           <a:prstGeom prst="rect">
@@ -4916,7 +4915,7 @@
         </p:nvSpPr>
         <p:spPr>
           <a:xfrm>
-            <a:off x="7393027" y="3362612"/>
+            <a:off x="7393027" y="2837792"/>
             <a:ext cx="867269" cy="285783"/>
           </a:xfrm>
           <a:prstGeom prst="rect">
@@ -4978,7 +4977,7 @@
         </p:nvSpPr>
         <p:spPr>
           <a:xfrm>
-            <a:off x="7146874" y="3389506"/>
+            <a:off x="7146874" y="2864686"/>
             <a:ext cx="231771" cy="178683"/>
           </a:xfrm>
           <a:prstGeom prst="rect">
@@ -5017,7 +5016,7 @@
         </p:nvSpPr>
         <p:spPr>
           <a:xfrm>
-            <a:off x="2733327" y="2591977"/>
+            <a:off x="2733327" y="2067157"/>
             <a:ext cx="1060683" cy="364396"/>
           </a:xfrm>
           <a:prstGeom prst="rect">
@@ -5076,7 +5075,7 @@
         </p:nvCxnSpPr>
         <p:spPr>
           <a:xfrm>
-            <a:off x="4020172" y="3800671"/>
+            <a:off x="4020172" y="3275851"/>
             <a:ext cx="367678" cy="12320"/>
           </a:xfrm>
           <a:prstGeom prst="straightConnector1">
@@ -5114,7 +5113,7 @@
         </p:nvSpPr>
         <p:spPr>
           <a:xfrm rot="16200000">
-            <a:off x="2232219" y="2662785"/>
+            <a:off x="2232219" y="2137965"/>
             <a:ext cx="271014" cy="187417"/>
           </a:xfrm>
           <a:prstGeom prst="triangle">
@@ -5169,7 +5168,7 @@
         </p:nvCxnSpPr>
         <p:spPr>
           <a:xfrm>
-            <a:off x="2461435" y="2771354"/>
+            <a:off x="2461435" y="2246534"/>
             <a:ext cx="271892" cy="2821"/>
           </a:xfrm>
           <a:prstGeom prst="bentConnector3">
@@ -5216,7 +5215,7 @@
         </p:nvSpPr>
         <p:spPr>
           <a:xfrm>
-            <a:off x="3934092" y="4254313"/>
+            <a:off x="3934092" y="3729493"/>
             <a:ext cx="1293486" cy="346760"/>
           </a:xfrm>
           <a:prstGeom prst="rect">
@@ -5289,7 +5288,7 @@
         </p:nvSpPr>
         <p:spPr>
           <a:xfrm rot="5400000" flipH="1">
-            <a:off x="3687836" y="4307863"/>
+            <a:off x="3687836" y="3783043"/>
             <a:ext cx="271014" cy="221497"/>
           </a:xfrm>
           <a:prstGeom prst="triangle">
@@ -5351,7 +5350,7 @@
         </p:nvCxnSpPr>
         <p:spPr>
           <a:xfrm rot="10800000">
-            <a:off x="3398691" y="4430070"/>
+            <a:off x="3398691" y="3905250"/>
             <a:ext cx="313904" cy="3403"/>
           </a:xfrm>
           <a:prstGeom prst="bentConnector3">
@@ -5398,7 +5397,7 @@
         </p:nvSpPr>
         <p:spPr>
           <a:xfrm>
-            <a:off x="7393028" y="3682866"/>
+            <a:off x="7393028" y="3158046"/>
             <a:ext cx="874528" cy="285783"/>
           </a:xfrm>
           <a:prstGeom prst="rect">
@@ -5460,7 +5459,7 @@
         </p:nvSpPr>
         <p:spPr>
           <a:xfrm>
-            <a:off x="7393028" y="4005844"/>
+            <a:off x="7393028" y="3481024"/>
             <a:ext cx="867269" cy="285783"/>
           </a:xfrm>
           <a:prstGeom prst="rect">
@@ -5522,7 +5521,7 @@
         </p:nvSpPr>
         <p:spPr>
           <a:xfrm>
-            <a:off x="7393029" y="4328822"/>
+            <a:off x="7393029" y="3804002"/>
             <a:ext cx="867270" cy="285783"/>
           </a:xfrm>
           <a:prstGeom prst="rect">
@@ -5584,7 +5583,7 @@
         </p:nvSpPr>
         <p:spPr>
           <a:xfrm>
-            <a:off x="7393028" y="4651799"/>
+            <a:off x="7393028" y="4126979"/>
             <a:ext cx="874527" cy="285783"/>
           </a:xfrm>
           <a:prstGeom prst="rect">
@@ -5646,7 +5645,7 @@
         </p:nvSpPr>
         <p:spPr>
           <a:xfrm>
-            <a:off x="7393028" y="4974776"/>
+            <a:off x="7393028" y="4449956"/>
             <a:ext cx="874527" cy="285783"/>
           </a:xfrm>
           <a:prstGeom prst="rect">
@@ -5711,7 +5710,7 @@
         </p:nvCxnSpPr>
         <p:spPr>
           <a:xfrm rot="16200000" flipH="1">
-            <a:off x="7096037" y="4820677"/>
+            <a:off x="7096037" y="4295857"/>
             <a:ext cx="322980" cy="271002"/>
           </a:xfrm>
           <a:prstGeom prst="bentConnector2">
@@ -5755,7 +5754,7 @@
         </p:nvSpPr>
         <p:spPr>
           <a:xfrm>
-            <a:off x="7395709" y="5292961"/>
+            <a:off x="7395709" y="4768141"/>
             <a:ext cx="874527" cy="285783"/>
           </a:xfrm>
           <a:prstGeom prst="rect">
@@ -5820,7 +5819,7 @@
         </p:nvCxnSpPr>
         <p:spPr>
           <a:xfrm rot="16200000" flipH="1">
-            <a:off x="7101692" y="5141836"/>
+            <a:off x="7101692" y="4617016"/>
             <a:ext cx="314344" cy="273690"/>
           </a:xfrm>
           <a:prstGeom prst="bentConnector2">
@@ -5864,7 +5863,7 @@
         </p:nvSpPr>
         <p:spPr>
           <a:xfrm>
-            <a:off x="7403656" y="5614617"/>
+            <a:off x="7403656" y="5089797"/>
             <a:ext cx="874527" cy="285783"/>
           </a:xfrm>
           <a:prstGeom prst="rect">
@@ -5928,7 +5927,7 @@
         </p:nvCxnSpPr>
         <p:spPr>
           <a:xfrm rot="16200000" flipH="1">
-            <a:off x="7106361" y="5454294"/>
+            <a:off x="7106361" y="4929474"/>
             <a:ext cx="314342" cy="273069"/>
           </a:xfrm>
           <a:prstGeom prst="bentConnector2">
@@ -5974,7 +5973,7 @@
         </p:nvCxnSpPr>
         <p:spPr>
           <a:xfrm rot="5400000" flipH="1" flipV="1">
-            <a:off x="7104219" y="4174053"/>
+            <a:off x="7104219" y="3649233"/>
             <a:ext cx="319291" cy="282632"/>
           </a:xfrm>
           <a:prstGeom prst="bentConnector2">
@@ -6020,7 +6019,7 @@
         </p:nvCxnSpPr>
         <p:spPr>
           <a:xfrm rot="16200000" flipH="1">
-            <a:off x="7098711" y="4494979"/>
+            <a:off x="7098711" y="3970159"/>
             <a:ext cx="322980" cy="271002"/>
           </a:xfrm>
           <a:prstGeom prst="bentConnector2">
@@ -6067,7 +6066,7 @@
         </p:nvCxnSpPr>
         <p:spPr>
           <a:xfrm rot="5400000" flipH="1" flipV="1">
-            <a:off x="6926666" y="3700858"/>
+            <a:off x="6926666" y="3176038"/>
             <a:ext cx="661715" cy="271008"/>
           </a:xfrm>
           <a:prstGeom prst="bentConnector2">
@@ -6113,7 +6112,7 @@
         </p:nvCxnSpPr>
         <p:spPr>
           <a:xfrm>
-            <a:off x="7131050" y="4472910"/>
+            <a:off x="7131050" y="3948090"/>
             <a:ext cx="260459" cy="0"/>
           </a:xfrm>
           <a:prstGeom prst="straightConnector1">
@@ -6156,7 +6155,7 @@
         </p:nvSpPr>
         <p:spPr>
           <a:xfrm>
-            <a:off x="4387849" y="2943298"/>
+            <a:off x="4387849" y="2418478"/>
             <a:ext cx="1156969" cy="346760"/>
           </a:xfrm>
           <a:prstGeom prst="rect">
@@ -6218,7 +6217,7 @@
         </p:nvSpPr>
         <p:spPr>
           <a:xfrm>
-            <a:off x="4161279" y="3229379"/>
+            <a:off x="4161279" y="2704559"/>
             <a:ext cx="189257" cy="178683"/>
           </a:xfrm>
           <a:prstGeom prst="rect">
@@ -6263,7 +6262,7 @@
         </p:nvSpPr>
         <p:spPr>
           <a:xfrm>
-            <a:off x="6008877" y="2936787"/>
+            <a:off x="6008877" y="2411967"/>
             <a:ext cx="708186" cy="346760"/>
           </a:xfrm>
           <a:prstGeom prst="rect">
@@ -6325,7 +6324,7 @@
         </p:nvSpPr>
         <p:spPr>
           <a:xfrm>
-            <a:off x="5561564" y="3023769"/>
+            <a:off x="5561564" y="2498949"/>
             <a:ext cx="236048" cy="173380"/>
           </a:xfrm>
           <a:prstGeom prst="flowChartDecision">
@@ -6376,7 +6375,7 @@
         </p:nvSpPr>
         <p:spPr>
           <a:xfrm>
-            <a:off x="5844312" y="3163688"/>
+            <a:off x="5844312" y="2638868"/>
             <a:ext cx="189257" cy="178683"/>
           </a:xfrm>
           <a:prstGeom prst="rect">
@@ -6421,7 +6420,7 @@
         </p:nvSpPr>
         <p:spPr>
           <a:xfrm rot="10800000">
-            <a:off x="6727968" y="3000741"/>
+            <a:off x="6727968" y="2475921"/>
             <a:ext cx="236048" cy="190718"/>
           </a:xfrm>
           <a:prstGeom prst="flowChartDecision">
@@ -6478,7 +6477,7 @@
         </p:nvCxnSpPr>
         <p:spPr>
           <a:xfrm flipV="1">
-            <a:off x="5797612" y="3110167"/>
+            <a:off x="5797612" y="2585347"/>
             <a:ext cx="211265" cy="292"/>
           </a:xfrm>
           <a:prstGeom prst="straightConnector1">
@@ -6525,7 +6524,7 @@
         </p:nvCxnSpPr>
         <p:spPr>
           <a:xfrm flipV="1">
-            <a:off x="6973195" y="3825758"/>
+            <a:off x="6973195" y="3300938"/>
             <a:ext cx="419833" cy="2582"/>
           </a:xfrm>
           <a:prstGeom prst="straightConnector1">
@@ -6568,7 +6567,7 @@
         </p:nvSpPr>
         <p:spPr>
           <a:xfrm>
-            <a:off x="7385769" y="2287328"/>
+            <a:off x="7385769" y="1762508"/>
             <a:ext cx="874527" cy="285783"/>
           </a:xfrm>
           <a:prstGeom prst="rect">
@@ -6630,7 +6629,7 @@
         </p:nvSpPr>
         <p:spPr>
           <a:xfrm>
-            <a:off x="7378644" y="1959496"/>
+            <a:off x="7378644" y="1434676"/>
             <a:ext cx="874527" cy="285783"/>
           </a:xfrm>
           <a:prstGeom prst="rect">
@@ -6692,7 +6691,7 @@
         </p:nvSpPr>
         <p:spPr>
           <a:xfrm>
-            <a:off x="7378644" y="1637395"/>
+            <a:off x="7378644" y="1112575"/>
             <a:ext cx="874527" cy="285783"/>
           </a:xfrm>
           <a:prstGeom prst="rect">
@@ -6754,7 +6753,7 @@
         </p:nvSpPr>
         <p:spPr>
           <a:xfrm>
-            <a:off x="7385769" y="2615165"/>
+            <a:off x="7385769" y="2090345"/>
             <a:ext cx="874527" cy="285783"/>
           </a:xfrm>
           <a:prstGeom prst="rect">
@@ -6816,7 +6815,7 @@
         </p:nvSpPr>
         <p:spPr>
           <a:xfrm>
-            <a:off x="7378645" y="2943596"/>
+            <a:off x="7378645" y="2418776"/>
             <a:ext cx="874527" cy="285783"/>
           </a:xfrm>
           <a:prstGeom prst="rect">
@@ -6880,7 +6879,7 @@
         </p:nvCxnSpPr>
         <p:spPr>
           <a:xfrm flipV="1">
-            <a:off x="6973195" y="3093911"/>
+            <a:off x="6973195" y="2569091"/>
             <a:ext cx="419833" cy="2582"/>
           </a:xfrm>
           <a:prstGeom prst="straightConnector1">
@@ -6926,7 +6925,7 @@
         </p:nvCxnSpPr>
         <p:spPr>
           <a:xfrm rot="5400000" flipH="1" flipV="1">
-            <a:off x="7074210" y="2798608"/>
+            <a:off x="7074210" y="2273788"/>
             <a:ext cx="352110" cy="271008"/>
           </a:xfrm>
           <a:prstGeom prst="bentConnector2">
@@ -6972,7 +6971,7 @@
         </p:nvCxnSpPr>
         <p:spPr>
           <a:xfrm rot="5400000" flipH="1" flipV="1">
-            <a:off x="7091609" y="2458231"/>
+            <a:off x="7091609" y="1933411"/>
             <a:ext cx="329791" cy="273770"/>
           </a:xfrm>
           <a:prstGeom prst="bentConnector2">
@@ -7018,7 +7017,7 @@
         </p:nvCxnSpPr>
         <p:spPr>
           <a:xfrm rot="5400000" flipH="1" flipV="1">
-            <a:off x="7090889" y="2131111"/>
+            <a:off x="7090889" y="1606291"/>
             <a:ext cx="329791" cy="273770"/>
           </a:xfrm>
           <a:prstGeom prst="bentConnector2">
@@ -7064,7 +7063,7 @@
         </p:nvCxnSpPr>
         <p:spPr>
           <a:xfrm rot="5400000" flipH="1" flipV="1">
-            <a:off x="7090890" y="1835106"/>
+            <a:off x="7090890" y="1310286"/>
             <a:ext cx="329791" cy="273770"/>
           </a:xfrm>
           <a:prstGeom prst="bentConnector2">
@@ -7112,7 +7111,7 @@
         </p:nvCxnSpPr>
         <p:spPr>
           <a:xfrm rot="5400000" flipH="1" flipV="1">
-            <a:off x="3964371" y="3290504"/>
+            <a:off x="3964371" y="2765684"/>
             <a:ext cx="597303" cy="249653"/>
           </a:xfrm>
           <a:prstGeom prst="bentConnector2">
@@ -7156,7 +7155,7 @@
         </p:nvSpPr>
         <p:spPr>
           <a:xfrm>
-            <a:off x="4388214" y="2318632"/>
+            <a:off x="4388214" y="1793812"/>
             <a:ext cx="1156969" cy="346760"/>
           </a:xfrm>
           <a:prstGeom prst="rect">
@@ -7218,7 +7217,7 @@
         </p:nvSpPr>
         <p:spPr>
           <a:xfrm>
-            <a:off x="5545658" y="2404718"/>
+            <a:off x="5545658" y="1879898"/>
             <a:ext cx="236048" cy="173380"/>
           </a:xfrm>
           <a:prstGeom prst="flowChartDecision">
@@ -7269,7 +7268,7 @@
         </p:nvSpPr>
         <p:spPr>
           <a:xfrm>
-            <a:off x="6069670" y="2753908"/>
+            <a:off x="6069670" y="2229088"/>
             <a:ext cx="189257" cy="178683"/>
           </a:xfrm>
           <a:prstGeom prst="rect">
@@ -7317,7 +7316,7 @@
         </p:nvCxnSpPr>
         <p:spPr>
           <a:xfrm>
-            <a:off x="5781706" y="2491408"/>
+            <a:off x="5781706" y="1966588"/>
             <a:ext cx="508757" cy="441183"/>
           </a:xfrm>
           <a:prstGeom prst="bentConnector2">
@@ -7364,7 +7363,7 @@
         </p:nvCxnSpPr>
         <p:spPr>
           <a:xfrm rot="5400000" flipH="1" flipV="1">
-            <a:off x="3954111" y="2676625"/>
+            <a:off x="3954111" y="2151805"/>
             <a:ext cx="618716" cy="249490"/>
           </a:xfrm>
           <a:prstGeom prst="bentConnector2">
@@ -7408,7 +7407,7 @@
         </p:nvSpPr>
         <p:spPr>
           <a:xfrm>
-            <a:off x="4183655" y="2591977"/>
+            <a:off x="4183655" y="2067157"/>
             <a:ext cx="189257" cy="178683"/>
           </a:xfrm>
           <a:prstGeom prst="rect">
@@ -7430,6 +7429,1835 @@
                 </a:solidFill>
               </a:rPr>
               <a:t>1</a:t>
+            </a:r>
+            <a:endParaRPr lang="en-SG" sz="1100" dirty="0">
+              <a:solidFill>
+                <a:srgbClr val="7030A0"/>
+              </a:solidFill>
+            </a:endParaRPr>
+          </a:p>
+        </p:txBody>
+      </p:sp>
+      <p:cxnSp>
+        <p:nvCxnSpPr>
+          <p:cNvPr id="82" name="Elbow Connector 106">
+            <a:extLst>
+              <a:ext uri="{FF2B5EF4-FFF2-40B4-BE49-F238E27FC236}">
+                <a16:creationId xmlns:a16="http://schemas.microsoft.com/office/drawing/2014/main" id="{9AF15FCC-5BA6-4960-8E10-C681D23EEB85}"/>
+              </a:ext>
+            </a:extLst>
+          </p:cNvPr>
+          <p:cNvCxnSpPr>
+            <a:cxnSpLocks/>
+            <a:endCxn id="150" idx="2"/>
+          </p:cNvCxnSpPr>
+          <p:nvPr/>
+        </p:nvCxnSpPr>
+        <p:spPr>
+          <a:xfrm flipV="1">
+            <a:off x="2068980" y="2758727"/>
+            <a:ext cx="4293990" cy="245946"/>
+          </a:xfrm>
+          <a:prstGeom prst="bentConnector2">
+            <a:avLst/>
+          </a:prstGeom>
+          <a:ln w="19050">
+            <a:solidFill>
+              <a:srgbClr val="7030A0"/>
+            </a:solidFill>
+            <a:prstDash val="solid"/>
+            <a:headEnd type="none" w="med" len="med"/>
+            <a:tailEnd type="arrow" w="med" len="med"/>
+          </a:ln>
+          <a:effectLst/>
+        </p:spPr>
+        <p:style>
+          <a:lnRef idx="1">
+            <a:schemeClr val="accent2"/>
+          </a:lnRef>
+          <a:fillRef idx="2">
+            <a:schemeClr val="accent2"/>
+          </a:fillRef>
+          <a:effectRef idx="1">
+            <a:schemeClr val="accent2"/>
+          </a:effectRef>
+          <a:fontRef idx="minor">
+            <a:schemeClr val="dk1"/>
+          </a:fontRef>
+        </p:style>
+      </p:cxnSp>
+      <p:sp>
+        <p:nvSpPr>
+          <p:cNvPr id="91" name="TextBox 90">
+            <a:extLst>
+              <a:ext uri="{FF2B5EF4-FFF2-40B4-BE49-F238E27FC236}">
+                <a16:creationId xmlns:a16="http://schemas.microsoft.com/office/drawing/2014/main" id="{2F9F9ABA-71A6-45A5-8656-A5707191421C}"/>
+              </a:ext>
+            </a:extLst>
+          </p:cNvPr>
+          <p:cNvSpPr txBox="1"/>
+          <p:nvPr/>
+        </p:nvSpPr>
+        <p:spPr>
+          <a:xfrm>
+            <a:off x="6102320" y="2818090"/>
+            <a:ext cx="189257" cy="178683"/>
+          </a:xfrm>
+          <a:prstGeom prst="rect">
+            <a:avLst/>
+          </a:prstGeom>
+          <a:noFill/>
+        </p:spPr>
+        <p:txBody>
+          <a:bodyPr wrap="square" lIns="0" tIns="0" rIns="0" bIns="0" rtlCol="0">
+            <a:noAutofit/>
+          </a:bodyPr>
+          <a:lstStyle/>
+          <a:p>
+            <a:pPr algn="ctr"/>
+            <a:r>
+              <a:rPr lang="en-US" sz="1100" dirty="0">
+                <a:solidFill>
+                  <a:srgbClr val="7030A0"/>
+                </a:solidFill>
+              </a:rPr>
+              <a:t>1</a:t>
+            </a:r>
+            <a:endParaRPr lang="en-SG" sz="1100" dirty="0">
+              <a:solidFill>
+                <a:srgbClr val="7030A0"/>
+              </a:solidFill>
+            </a:endParaRPr>
+          </a:p>
+        </p:txBody>
+      </p:sp>
+      <p:sp>
+        <p:nvSpPr>
+          <p:cNvPr id="92" name="TextBox 91">
+            <a:extLst>
+              <a:ext uri="{FF2B5EF4-FFF2-40B4-BE49-F238E27FC236}">
+                <a16:creationId xmlns:a16="http://schemas.microsoft.com/office/drawing/2014/main" id="{989BCDDA-6001-42A5-8D9E-969A3D079156}"/>
+              </a:ext>
+            </a:extLst>
+          </p:cNvPr>
+          <p:cNvSpPr txBox="1"/>
+          <p:nvPr/>
+        </p:nvSpPr>
+        <p:spPr>
+          <a:xfrm>
+            <a:off x="6247491" y="2755918"/>
+            <a:ext cx="881018" cy="261610"/>
+          </a:xfrm>
+          <a:prstGeom prst="rect">
+            <a:avLst/>
+          </a:prstGeom>
+          <a:noFill/>
+        </p:spPr>
+        <p:txBody>
+          <a:bodyPr wrap="square" rtlCol="0">
+            <a:spAutoFit/>
+          </a:bodyPr>
+          <a:lstStyle/>
+          <a:p>
+            <a:pPr algn="r"/>
+            <a:r>
+              <a:rPr lang="en-US" sz="1100" dirty="0">
+                <a:solidFill>
+                  <a:srgbClr val="7030A0"/>
+                </a:solidFill>
+              </a:rPr>
+              <a:t>filtered list</a:t>
+            </a:r>
+            <a:endParaRPr lang="en-SG" sz="1100" dirty="0">
+              <a:solidFill>
+                <a:srgbClr val="7030A0"/>
+              </a:solidFill>
+            </a:endParaRPr>
+          </a:p>
+        </p:txBody>
+      </p:sp>
+      <p:sp>
+        <p:nvSpPr>
+          <p:cNvPr id="93" name="Rectangle 8">
+            <a:extLst>
+              <a:ext uri="{FF2B5EF4-FFF2-40B4-BE49-F238E27FC236}">
+                <a16:creationId xmlns:a16="http://schemas.microsoft.com/office/drawing/2014/main" id="{205E516D-0048-423E-B81D-DFF50D4A80AB}"/>
+              </a:ext>
+            </a:extLst>
+          </p:cNvPr>
+          <p:cNvSpPr/>
+          <p:nvPr/>
+        </p:nvSpPr>
+        <p:spPr>
+          <a:xfrm>
+            <a:off x="2513741" y="4249371"/>
+            <a:ext cx="1490560" cy="334856"/>
+          </a:xfrm>
+          <a:prstGeom prst="rect">
+            <a:avLst/>
+          </a:prstGeom>
+          <a:ln w="19050">
+            <a:solidFill>
+              <a:srgbClr val="7030A0"/>
+            </a:solidFill>
+          </a:ln>
+          <a:effectLst/>
+        </p:spPr>
+        <p:style>
+          <a:lnRef idx="1">
+            <a:schemeClr val="accent4"/>
+          </a:lnRef>
+          <a:fillRef idx="2">
+            <a:schemeClr val="accent4"/>
+          </a:fillRef>
+          <a:effectRef idx="1">
+            <a:schemeClr val="accent4"/>
+          </a:effectRef>
+          <a:fontRef idx="minor">
+            <a:schemeClr val="dk1"/>
+          </a:fontRef>
+        </p:style>
+        <p:txBody>
+          <a:bodyPr rtlCol="0" anchor="ctr"/>
+          <a:lstStyle/>
+          <a:p>
+            <a:pPr algn="ctr"/>
+            <a:r>
+              <a:rPr lang="en-US" sz="1050" dirty="0">
+                <a:solidFill>
+                  <a:srgbClr val="7030A0"/>
+                </a:solidFill>
+              </a:rPr>
+              <a:t>VersionedAccountList</a:t>
+            </a:r>
+            <a:endParaRPr lang="en-SG" sz="1050" dirty="0">
+              <a:solidFill>
+                <a:srgbClr val="7030A0"/>
+              </a:solidFill>
+            </a:endParaRPr>
+          </a:p>
+        </p:txBody>
+      </p:sp>
+      <p:cxnSp>
+        <p:nvCxnSpPr>
+          <p:cNvPr id="94" name="Straight Arrow Connector 93">
+            <a:extLst>
+              <a:ext uri="{FF2B5EF4-FFF2-40B4-BE49-F238E27FC236}">
+                <a16:creationId xmlns:a16="http://schemas.microsoft.com/office/drawing/2014/main" id="{F0A0D094-496C-44B8-BF5B-A83D6F3FE457}"/>
+              </a:ext>
+            </a:extLst>
+          </p:cNvPr>
+          <p:cNvCxnSpPr>
+            <a:stCxn id="95" idx="3"/>
+            <a:endCxn id="93" idx="1"/>
+          </p:cNvCxnSpPr>
+          <p:nvPr/>
+        </p:nvCxnSpPr>
+        <p:spPr>
+          <a:xfrm>
+            <a:off x="2312821" y="4406242"/>
+            <a:ext cx="200920" cy="10557"/>
+          </a:xfrm>
+          <a:prstGeom prst="straightConnector1">
+            <a:avLst/>
+          </a:prstGeom>
+          <a:ln w="19050">
+            <a:solidFill>
+              <a:srgbClr val="7030A0"/>
+            </a:solidFill>
+            <a:headEnd type="none" w="med" len="med"/>
+            <a:tailEnd type="arrow" w="med" len="med"/>
+          </a:ln>
+          <a:effectLst/>
+        </p:spPr>
+        <p:style>
+          <a:lnRef idx="1">
+            <a:schemeClr val="accent2"/>
+          </a:lnRef>
+          <a:fillRef idx="2">
+            <a:schemeClr val="accent2"/>
+          </a:fillRef>
+          <a:effectRef idx="1">
+            <a:schemeClr val="accent2"/>
+          </a:effectRef>
+          <a:fontRef idx="minor">
+            <a:schemeClr val="dk1"/>
+          </a:fontRef>
+        </p:style>
+      </p:cxnSp>
+      <p:sp>
+        <p:nvSpPr>
+          <p:cNvPr id="95" name="Flowchart: Decision 96">
+            <a:extLst>
+              <a:ext uri="{FF2B5EF4-FFF2-40B4-BE49-F238E27FC236}">
+                <a16:creationId xmlns:a16="http://schemas.microsoft.com/office/drawing/2014/main" id="{2B3D73AD-A636-46DD-8FE9-3E0A56969E85}"/>
+              </a:ext>
+            </a:extLst>
+          </p:cNvPr>
+          <p:cNvSpPr/>
+          <p:nvPr/>
+        </p:nvSpPr>
+        <p:spPr>
+          <a:xfrm>
+            <a:off x="2076773" y="4319552"/>
+            <a:ext cx="236048" cy="173380"/>
+          </a:xfrm>
+          <a:prstGeom prst="flowChartDecision">
+            <a:avLst/>
+          </a:prstGeom>
+          <a:noFill/>
+          <a:ln w="19050">
+            <a:solidFill>
+              <a:srgbClr val="7030A0"/>
+            </a:solidFill>
+          </a:ln>
+          <a:effectLst/>
+        </p:spPr>
+        <p:style>
+          <a:lnRef idx="1">
+            <a:schemeClr val="accent6"/>
+          </a:lnRef>
+          <a:fillRef idx="2">
+            <a:schemeClr val="accent6"/>
+          </a:fillRef>
+          <a:effectRef idx="1">
+            <a:schemeClr val="accent6"/>
+          </a:effectRef>
+          <a:fontRef idx="minor">
+            <a:schemeClr val="dk1"/>
+          </a:fontRef>
+        </p:style>
+        <p:txBody>
+          <a:bodyPr rtlCol="0" anchor="ctr"/>
+          <a:lstStyle/>
+          <a:p>
+            <a:pPr algn="ctr"/>
+            <a:endParaRPr lang="en-US" sz="1050"/>
+          </a:p>
+        </p:txBody>
+      </p:sp>
+      <p:sp>
+        <p:nvSpPr>
+          <p:cNvPr id="96" name="TextBox 95">
+            <a:extLst>
+              <a:ext uri="{FF2B5EF4-FFF2-40B4-BE49-F238E27FC236}">
+                <a16:creationId xmlns:a16="http://schemas.microsoft.com/office/drawing/2014/main" id="{58512A1A-C886-454D-B98F-D832EF8D0A95}"/>
+              </a:ext>
+            </a:extLst>
+          </p:cNvPr>
+          <p:cNvSpPr txBox="1"/>
+          <p:nvPr/>
+        </p:nvSpPr>
+        <p:spPr>
+          <a:xfrm>
+            <a:off x="2329874" y="4440867"/>
+            <a:ext cx="170110" cy="137542"/>
+          </a:xfrm>
+          <a:prstGeom prst="rect">
+            <a:avLst/>
+          </a:prstGeom>
+          <a:noFill/>
+        </p:spPr>
+        <p:txBody>
+          <a:bodyPr wrap="square" lIns="0" tIns="0" rIns="0" bIns="0" rtlCol="0">
+            <a:noAutofit/>
+          </a:bodyPr>
+          <a:lstStyle/>
+          <a:p>
+            <a:pPr algn="ctr"/>
+            <a:r>
+              <a:rPr lang="en-US" sz="1100" dirty="0">
+                <a:solidFill>
+                  <a:srgbClr val="7030A0"/>
+                </a:solidFill>
+              </a:rPr>
+              <a:t>1</a:t>
+            </a:r>
+            <a:endParaRPr lang="en-SG" sz="1100" dirty="0">
+              <a:solidFill>
+                <a:srgbClr val="7030A0"/>
+              </a:solidFill>
+            </a:endParaRPr>
+          </a:p>
+        </p:txBody>
+      </p:sp>
+      <p:cxnSp>
+        <p:nvCxnSpPr>
+          <p:cNvPr id="128" name="Elbow Connector 63">
+            <a:extLst>
+              <a:ext uri="{FF2B5EF4-FFF2-40B4-BE49-F238E27FC236}">
+                <a16:creationId xmlns:a16="http://schemas.microsoft.com/office/drawing/2014/main" id="{AB00D1A4-4CFA-450E-A170-005B68EEC13D}"/>
+              </a:ext>
+            </a:extLst>
+          </p:cNvPr>
+          <p:cNvCxnSpPr>
+            <a:cxnSpLocks/>
+            <a:endCxn id="129" idx="3"/>
+          </p:cNvCxnSpPr>
+          <p:nvPr/>
+        </p:nvCxnSpPr>
+        <p:spPr>
+          <a:xfrm rot="5400000">
+            <a:off x="2672543" y="5041284"/>
+            <a:ext cx="880905" cy="2"/>
+          </a:xfrm>
+          <a:prstGeom prst="bentConnector3">
+            <a:avLst>
+              <a:gd name="adj1" fmla="val 50000"/>
+            </a:avLst>
+          </a:prstGeom>
+          <a:ln w="19050">
+            <a:solidFill>
+              <a:srgbClr val="7030A0"/>
+            </a:solidFill>
+            <a:prstDash val="sysDot"/>
+            <a:headEnd type="none" w="med" len="med"/>
+            <a:tailEnd type="none" w="med" len="med"/>
+          </a:ln>
+          <a:effectLst/>
+        </p:spPr>
+        <p:style>
+          <a:lnRef idx="1">
+            <a:schemeClr val="accent2"/>
+          </a:lnRef>
+          <a:fillRef idx="2">
+            <a:schemeClr val="accent2"/>
+          </a:fillRef>
+          <a:effectRef idx="1">
+            <a:schemeClr val="accent2"/>
+          </a:effectRef>
+          <a:fontRef idx="minor">
+            <a:schemeClr val="dk1"/>
+          </a:fontRef>
+        </p:style>
+      </p:cxnSp>
+      <p:sp>
+        <p:nvSpPr>
+          <p:cNvPr id="129" name="Isosceles Triangle 102">
+            <a:extLst>
+              <a:ext uri="{FF2B5EF4-FFF2-40B4-BE49-F238E27FC236}">
+                <a16:creationId xmlns:a16="http://schemas.microsoft.com/office/drawing/2014/main" id="{84E7A743-5048-43B7-977F-0F5914C92969}"/>
+              </a:ext>
+            </a:extLst>
+          </p:cNvPr>
+          <p:cNvSpPr/>
+          <p:nvPr/>
+        </p:nvSpPr>
+        <p:spPr>
+          <a:xfrm flipV="1">
+            <a:off x="2971800" y="5481738"/>
+            <a:ext cx="282387" cy="157062"/>
+          </a:xfrm>
+          <a:prstGeom prst="triangle">
+            <a:avLst/>
+          </a:prstGeom>
+          <a:solidFill>
+            <a:schemeClr val="accent4">
+              <a:lumMod val="20000"/>
+              <a:lumOff val="80000"/>
+            </a:schemeClr>
+          </a:solidFill>
+          <a:ln w="19050">
+            <a:solidFill>
+              <a:srgbClr val="7030A0"/>
+            </a:solidFill>
+          </a:ln>
+          <a:effectLst/>
+        </p:spPr>
+        <p:style>
+          <a:lnRef idx="1">
+            <a:schemeClr val="accent4"/>
+          </a:lnRef>
+          <a:fillRef idx="2">
+            <a:schemeClr val="accent4"/>
+          </a:fillRef>
+          <a:effectRef idx="1">
+            <a:schemeClr val="accent4"/>
+          </a:effectRef>
+          <a:fontRef idx="minor">
+            <a:schemeClr val="dk1"/>
+          </a:fontRef>
+        </p:style>
+        <p:txBody>
+          <a:bodyPr rtlCol="0" anchor="ctr"/>
+          <a:lstStyle/>
+          <a:p>
+            <a:pPr algn="ctr"/>
+            <a:endParaRPr lang="en-SG" sz="1050" b="1">
+              <a:solidFill>
+                <a:srgbClr val="92D050"/>
+              </a:solidFill>
+            </a:endParaRPr>
+          </a:p>
+        </p:txBody>
+      </p:sp>
+      <p:sp>
+        <p:nvSpPr>
+          <p:cNvPr id="131" name="Rectangle 8">
+            <a:extLst>
+              <a:ext uri="{FF2B5EF4-FFF2-40B4-BE49-F238E27FC236}">
+                <a16:creationId xmlns:a16="http://schemas.microsoft.com/office/drawing/2014/main" id="{1D45A047-8218-4649-A715-EBD792402CB4}"/>
+              </a:ext>
+            </a:extLst>
+          </p:cNvPr>
+          <p:cNvSpPr/>
+          <p:nvPr/>
+        </p:nvSpPr>
+        <p:spPr>
+          <a:xfrm>
+            <a:off x="2707386" y="5655404"/>
+            <a:ext cx="1060683" cy="364396"/>
+          </a:xfrm>
+          <a:prstGeom prst="rect">
+            <a:avLst/>
+          </a:prstGeom>
+          <a:ln w="19050">
+            <a:solidFill>
+              <a:srgbClr val="7030A0"/>
+            </a:solidFill>
+          </a:ln>
+          <a:effectLst/>
+        </p:spPr>
+        <p:style>
+          <a:lnRef idx="1">
+            <a:schemeClr val="accent4"/>
+          </a:lnRef>
+          <a:fillRef idx="2">
+            <a:schemeClr val="accent4"/>
+          </a:fillRef>
+          <a:effectRef idx="1">
+            <a:schemeClr val="accent4"/>
+          </a:effectRef>
+          <a:fontRef idx="minor">
+            <a:schemeClr val="dk1"/>
+          </a:fontRef>
+        </p:style>
+        <p:txBody>
+          <a:bodyPr rtlCol="0" anchor="ctr"/>
+          <a:lstStyle/>
+          <a:p>
+            <a:pPr algn="ctr"/>
+            <a:r>
+              <a:rPr lang="en-US" sz="1050" dirty="0">
+                <a:solidFill>
+                  <a:srgbClr val="7030A0"/>
+                </a:solidFill>
+              </a:rPr>
+              <a:t>AccountList</a:t>
+            </a:r>
+            <a:endParaRPr lang="en-SG" sz="1050" dirty="0">
+              <a:solidFill>
+                <a:srgbClr val="7030A0"/>
+              </a:solidFill>
+            </a:endParaRPr>
+          </a:p>
+        </p:txBody>
+      </p:sp>
+      <p:sp>
+        <p:nvSpPr>
+          <p:cNvPr id="134" name="Rectangle 8">
+            <a:extLst>
+              <a:ext uri="{FF2B5EF4-FFF2-40B4-BE49-F238E27FC236}">
+                <a16:creationId xmlns:a16="http://schemas.microsoft.com/office/drawing/2014/main" id="{90415E58-6857-4D43-9434-038E98958C3D}"/>
+              </a:ext>
+            </a:extLst>
+          </p:cNvPr>
+          <p:cNvSpPr/>
+          <p:nvPr/>
+        </p:nvSpPr>
+        <p:spPr>
+          <a:xfrm>
+            <a:off x="811615" y="5646930"/>
+            <a:ext cx="1443661" cy="364396"/>
+          </a:xfrm>
+          <a:prstGeom prst="rect">
+            <a:avLst/>
+          </a:prstGeom>
+          <a:ln w="19050">
+            <a:solidFill>
+              <a:srgbClr val="7030A0"/>
+            </a:solidFill>
+          </a:ln>
+          <a:effectLst/>
+        </p:spPr>
+        <p:style>
+          <a:lnRef idx="1">
+            <a:schemeClr val="accent4"/>
+          </a:lnRef>
+          <a:fillRef idx="2">
+            <a:schemeClr val="accent4"/>
+          </a:fillRef>
+          <a:effectRef idx="1">
+            <a:schemeClr val="accent4"/>
+          </a:effectRef>
+          <a:fontRef idx="minor">
+            <a:schemeClr val="dk1"/>
+          </a:fontRef>
+        </p:style>
+        <p:txBody>
+          <a:bodyPr rtlCol="0" anchor="ctr"/>
+          <a:lstStyle/>
+          <a:p>
+            <a:pPr algn="ctr"/>
+            <a:r>
+              <a:rPr lang="en-US" sz="1050" dirty="0">
+                <a:solidFill>
+                  <a:srgbClr val="7030A0"/>
+                </a:solidFill>
+              </a:rPr>
+              <a:t>&lt;&lt;interface&gt;&gt;</a:t>
+            </a:r>
+            <a:br>
+              <a:rPr lang="en-US" sz="1050" dirty="0">
+                <a:solidFill>
+                  <a:srgbClr val="7030A0"/>
+                </a:solidFill>
+              </a:rPr>
+            </a:br>
+            <a:r>
+              <a:rPr lang="en-US" sz="1050" dirty="0">
+                <a:solidFill>
+                  <a:srgbClr val="7030A0"/>
+                </a:solidFill>
+              </a:rPr>
+              <a:t>ReadOnlyAccountList</a:t>
+            </a:r>
+            <a:endParaRPr lang="en-SG" sz="1050" dirty="0">
+              <a:solidFill>
+                <a:srgbClr val="7030A0"/>
+              </a:solidFill>
+            </a:endParaRPr>
+          </a:p>
+        </p:txBody>
+      </p:sp>
+      <p:sp>
+        <p:nvSpPr>
+          <p:cNvPr id="136" name="Isosceles Triangle 102">
+            <a:extLst>
+              <a:ext uri="{FF2B5EF4-FFF2-40B4-BE49-F238E27FC236}">
+                <a16:creationId xmlns:a16="http://schemas.microsoft.com/office/drawing/2014/main" id="{FDA8A358-D7DF-467D-B520-A5168B552F44}"/>
+              </a:ext>
+            </a:extLst>
+          </p:cNvPr>
+          <p:cNvSpPr/>
+          <p:nvPr/>
+        </p:nvSpPr>
+        <p:spPr>
+          <a:xfrm rot="16200000">
+            <a:off x="2219766" y="5717738"/>
+            <a:ext cx="271014" cy="187417"/>
+          </a:xfrm>
+          <a:prstGeom prst="triangle">
+            <a:avLst>
+              <a:gd name="adj" fmla="val 44517"/>
+            </a:avLst>
+          </a:prstGeom>
+          <a:solidFill>
+            <a:schemeClr val="accent4">
+              <a:lumMod val="20000"/>
+              <a:lumOff val="80000"/>
+            </a:schemeClr>
+          </a:solidFill>
+          <a:ln w="19050">
+            <a:solidFill>
+              <a:srgbClr val="7030A0"/>
+            </a:solidFill>
+          </a:ln>
+          <a:effectLst/>
+        </p:spPr>
+        <p:style>
+          <a:lnRef idx="1">
+            <a:schemeClr val="accent6"/>
+          </a:lnRef>
+          <a:fillRef idx="2">
+            <a:schemeClr val="accent6"/>
+          </a:fillRef>
+          <a:effectRef idx="1">
+            <a:schemeClr val="accent6"/>
+          </a:effectRef>
+          <a:fontRef idx="minor">
+            <a:schemeClr val="dk1"/>
+          </a:fontRef>
+        </p:style>
+        <p:txBody>
+          <a:bodyPr rtlCol="0" anchor="ctr"/>
+          <a:lstStyle/>
+          <a:p>
+            <a:pPr algn="ctr"/>
+            <a:endParaRPr lang="en-SG" sz="1050"/>
+          </a:p>
+        </p:txBody>
+      </p:sp>
+      <p:cxnSp>
+        <p:nvCxnSpPr>
+          <p:cNvPr id="147" name="Elbow Connector 63">
+            <a:extLst>
+              <a:ext uri="{FF2B5EF4-FFF2-40B4-BE49-F238E27FC236}">
+                <a16:creationId xmlns:a16="http://schemas.microsoft.com/office/drawing/2014/main" id="{BEA98A50-B86E-4934-B57E-56B35D1FBC99}"/>
+              </a:ext>
+            </a:extLst>
+          </p:cNvPr>
+          <p:cNvCxnSpPr>
+            <a:stCxn id="136" idx="3"/>
+          </p:cNvCxnSpPr>
+          <p:nvPr/>
+        </p:nvCxnSpPr>
+        <p:spPr>
+          <a:xfrm>
+            <a:off x="2448982" y="5826307"/>
+            <a:ext cx="271892" cy="2821"/>
+          </a:xfrm>
+          <a:prstGeom prst="bentConnector3">
+            <a:avLst>
+              <a:gd name="adj1" fmla="val 50000"/>
+            </a:avLst>
+          </a:prstGeom>
+          <a:ln w="19050">
+            <a:solidFill>
+              <a:srgbClr val="7030A0"/>
+            </a:solidFill>
+            <a:prstDash val="sysDot"/>
+            <a:headEnd type="none" w="med" len="med"/>
+            <a:tailEnd type="none" w="med" len="med"/>
+          </a:ln>
+          <a:effectLst/>
+        </p:spPr>
+        <p:style>
+          <a:lnRef idx="1">
+            <a:schemeClr val="accent2"/>
+          </a:lnRef>
+          <a:fillRef idx="2">
+            <a:schemeClr val="accent2"/>
+          </a:fillRef>
+          <a:effectRef idx="1">
+            <a:schemeClr val="accent2"/>
+          </a:effectRef>
+          <a:fontRef idx="minor">
+            <a:schemeClr val="dk1"/>
+          </a:fontRef>
+        </p:style>
+      </p:cxnSp>
+      <p:sp>
+        <p:nvSpPr>
+          <p:cNvPr id="161" name="Rectangle 8">
+            <a:extLst>
+              <a:ext uri="{FF2B5EF4-FFF2-40B4-BE49-F238E27FC236}">
+                <a16:creationId xmlns:a16="http://schemas.microsoft.com/office/drawing/2014/main" id="{AC7465EE-F077-4D67-9FC4-14A56A683FC2}"/>
+              </a:ext>
+            </a:extLst>
+          </p:cNvPr>
+          <p:cNvSpPr/>
+          <p:nvPr/>
+        </p:nvSpPr>
+        <p:spPr>
+          <a:xfrm>
+            <a:off x="4401289" y="4267200"/>
+            <a:ext cx="1237511" cy="346760"/>
+          </a:xfrm>
+          <a:prstGeom prst="rect">
+            <a:avLst/>
+          </a:prstGeom>
+          <a:ln w="19050">
+            <a:solidFill>
+              <a:srgbClr val="7030A0"/>
+            </a:solidFill>
+          </a:ln>
+          <a:effectLst/>
+        </p:spPr>
+        <p:style>
+          <a:lnRef idx="1">
+            <a:schemeClr val="accent4"/>
+          </a:lnRef>
+          <a:fillRef idx="2">
+            <a:schemeClr val="accent4"/>
+          </a:fillRef>
+          <a:effectRef idx="1">
+            <a:schemeClr val="accent4"/>
+          </a:effectRef>
+          <a:fontRef idx="minor">
+            <a:schemeClr val="dk1"/>
+          </a:fontRef>
+        </p:style>
+        <p:txBody>
+          <a:bodyPr rtlCol="0" anchor="ctr"/>
+          <a:lstStyle/>
+          <a:p>
+            <a:pPr algn="ctr"/>
+            <a:r>
+              <a:rPr lang="en-US" sz="1050" dirty="0">
+                <a:solidFill>
+                  <a:srgbClr val="7030A0"/>
+                </a:solidFill>
+              </a:rPr>
+              <a:t>UniqueAccountList</a:t>
+            </a:r>
+            <a:endParaRPr lang="en-SG" sz="1050" dirty="0">
+              <a:solidFill>
+                <a:srgbClr val="7030A0"/>
+              </a:solidFill>
+            </a:endParaRPr>
+          </a:p>
+        </p:txBody>
+      </p:sp>
+      <p:sp>
+        <p:nvSpPr>
+          <p:cNvPr id="162" name="Flowchart: Decision 96">
+            <a:extLst>
+              <a:ext uri="{FF2B5EF4-FFF2-40B4-BE49-F238E27FC236}">
+                <a16:creationId xmlns:a16="http://schemas.microsoft.com/office/drawing/2014/main" id="{A3F61833-D478-49FF-8E67-201EC1B80E20}"/>
+              </a:ext>
+            </a:extLst>
+          </p:cNvPr>
+          <p:cNvSpPr/>
+          <p:nvPr/>
+        </p:nvSpPr>
+        <p:spPr>
+          <a:xfrm>
+            <a:off x="4006585" y="4352350"/>
+            <a:ext cx="236048" cy="173380"/>
+          </a:xfrm>
+          <a:prstGeom prst="flowChartDecision">
+            <a:avLst/>
+          </a:prstGeom>
+          <a:solidFill>
+            <a:srgbClr val="7030A0"/>
+          </a:solidFill>
+          <a:ln w="19050">
+            <a:solidFill>
+              <a:srgbClr val="7030A0"/>
+            </a:solidFill>
+          </a:ln>
+          <a:effectLst/>
+        </p:spPr>
+        <p:style>
+          <a:lnRef idx="1">
+            <a:schemeClr val="accent6"/>
+          </a:lnRef>
+          <a:fillRef idx="2">
+            <a:schemeClr val="accent6"/>
+          </a:fillRef>
+          <a:effectRef idx="1">
+            <a:schemeClr val="accent6"/>
+          </a:effectRef>
+          <a:fontRef idx="minor">
+            <a:schemeClr val="dk1"/>
+          </a:fontRef>
+        </p:style>
+        <p:txBody>
+          <a:bodyPr rtlCol="0" anchor="ctr"/>
+          <a:lstStyle/>
+          <a:p>
+            <a:pPr algn="ctr"/>
+            <a:endParaRPr lang="en-US" sz="1050"/>
+          </a:p>
+        </p:txBody>
+      </p:sp>
+      <p:sp>
+        <p:nvSpPr>
+          <p:cNvPr id="163" name="TextBox 162">
+            <a:extLst>
+              <a:ext uri="{FF2B5EF4-FFF2-40B4-BE49-F238E27FC236}">
+                <a16:creationId xmlns:a16="http://schemas.microsoft.com/office/drawing/2014/main" id="{AFFB6E50-AAEA-4FAD-B3DE-5C7E9A31371C}"/>
+              </a:ext>
+            </a:extLst>
+          </p:cNvPr>
+          <p:cNvSpPr txBox="1"/>
+          <p:nvPr/>
+        </p:nvSpPr>
+        <p:spPr>
+          <a:xfrm>
+            <a:off x="4182411" y="4524619"/>
+            <a:ext cx="189257" cy="178683"/>
+          </a:xfrm>
+          <a:prstGeom prst="rect">
+            <a:avLst/>
+          </a:prstGeom>
+          <a:noFill/>
+        </p:spPr>
+        <p:txBody>
+          <a:bodyPr wrap="square" lIns="0" tIns="0" rIns="0" bIns="0" rtlCol="0">
+            <a:noAutofit/>
+          </a:bodyPr>
+          <a:lstStyle/>
+          <a:p>
+            <a:pPr algn="ctr"/>
+            <a:r>
+              <a:rPr lang="en-US" sz="1100" dirty="0">
+                <a:solidFill>
+                  <a:srgbClr val="7030A0"/>
+                </a:solidFill>
+              </a:rPr>
+              <a:t>1</a:t>
+            </a:r>
+            <a:endParaRPr lang="en-SG" sz="1100" dirty="0">
+              <a:solidFill>
+                <a:srgbClr val="7030A0"/>
+              </a:solidFill>
+            </a:endParaRPr>
+          </a:p>
+        </p:txBody>
+      </p:sp>
+      <p:cxnSp>
+        <p:nvCxnSpPr>
+          <p:cNvPr id="165" name="Straight Arrow Connector 164">
+            <a:extLst>
+              <a:ext uri="{FF2B5EF4-FFF2-40B4-BE49-F238E27FC236}">
+                <a16:creationId xmlns:a16="http://schemas.microsoft.com/office/drawing/2014/main" id="{70B42486-10F6-4A56-AAFB-AFC0FBAAE2DE}"/>
+              </a:ext>
+            </a:extLst>
+          </p:cNvPr>
+          <p:cNvCxnSpPr>
+            <a:cxnSpLocks/>
+            <a:endCxn id="161" idx="1"/>
+          </p:cNvCxnSpPr>
+          <p:nvPr/>
+        </p:nvCxnSpPr>
+        <p:spPr>
+          <a:xfrm>
+            <a:off x="4033611" y="4428260"/>
+            <a:ext cx="367678" cy="12320"/>
+          </a:xfrm>
+          <a:prstGeom prst="straightConnector1">
+            <a:avLst/>
+          </a:prstGeom>
+          <a:ln w="19050">
+            <a:solidFill>
+              <a:srgbClr val="7030A0"/>
+            </a:solidFill>
+            <a:headEnd type="none" w="med" len="med"/>
+            <a:tailEnd type="arrow" w="med" len="med"/>
+          </a:ln>
+          <a:effectLst/>
+        </p:spPr>
+        <p:style>
+          <a:lnRef idx="1">
+            <a:schemeClr val="accent2"/>
+          </a:lnRef>
+          <a:fillRef idx="2">
+            <a:schemeClr val="accent2"/>
+          </a:fillRef>
+          <a:effectRef idx="1">
+            <a:schemeClr val="accent2"/>
+          </a:effectRef>
+          <a:fontRef idx="minor">
+            <a:schemeClr val="dk1"/>
+          </a:fontRef>
+        </p:style>
+      </p:cxnSp>
+      <p:sp>
+        <p:nvSpPr>
+          <p:cNvPr id="170" name="Rectangle 8">
+            <a:extLst>
+              <a:ext uri="{FF2B5EF4-FFF2-40B4-BE49-F238E27FC236}">
+                <a16:creationId xmlns:a16="http://schemas.microsoft.com/office/drawing/2014/main" id="{527F0582-ED33-4834-B068-31E602297015}"/>
+              </a:ext>
+            </a:extLst>
+          </p:cNvPr>
+          <p:cNvSpPr/>
+          <p:nvPr/>
+        </p:nvSpPr>
+        <p:spPr>
+          <a:xfrm>
+            <a:off x="6073614" y="4282440"/>
+            <a:ext cx="708186" cy="346760"/>
+          </a:xfrm>
+          <a:prstGeom prst="rect">
+            <a:avLst/>
+          </a:prstGeom>
+          <a:ln w="19050">
+            <a:solidFill>
+              <a:srgbClr val="7030A0"/>
+            </a:solidFill>
+          </a:ln>
+          <a:effectLst/>
+        </p:spPr>
+        <p:style>
+          <a:lnRef idx="1">
+            <a:schemeClr val="accent4"/>
+          </a:lnRef>
+          <a:fillRef idx="2">
+            <a:schemeClr val="accent4"/>
+          </a:fillRef>
+          <a:effectRef idx="1">
+            <a:schemeClr val="accent4"/>
+          </a:effectRef>
+          <a:fontRef idx="minor">
+            <a:schemeClr val="dk1"/>
+          </a:fontRef>
+        </p:style>
+        <p:txBody>
+          <a:bodyPr rtlCol="0" anchor="ctr"/>
+          <a:lstStyle/>
+          <a:p>
+            <a:pPr algn="ctr"/>
+            <a:r>
+              <a:rPr lang="en-US" sz="1050" dirty="0">
+                <a:solidFill>
+                  <a:srgbClr val="7030A0"/>
+                </a:solidFill>
+              </a:rPr>
+              <a:t>Account</a:t>
+            </a:r>
+            <a:endParaRPr lang="en-SG" sz="1050" dirty="0">
+              <a:solidFill>
+                <a:srgbClr val="7030A0"/>
+              </a:solidFill>
+            </a:endParaRPr>
+          </a:p>
+        </p:txBody>
+      </p:sp>
+      <p:sp>
+        <p:nvSpPr>
+          <p:cNvPr id="178" name="Flowchart: Decision 96">
+            <a:extLst>
+              <a:ext uri="{FF2B5EF4-FFF2-40B4-BE49-F238E27FC236}">
+                <a16:creationId xmlns:a16="http://schemas.microsoft.com/office/drawing/2014/main" id="{AFCCE568-764E-496E-A7B3-9E40EE6FF3F7}"/>
+              </a:ext>
+            </a:extLst>
+          </p:cNvPr>
+          <p:cNvSpPr/>
+          <p:nvPr/>
+        </p:nvSpPr>
+        <p:spPr>
+          <a:xfrm>
+            <a:off x="5638636" y="4365069"/>
+            <a:ext cx="236048" cy="173380"/>
+          </a:xfrm>
+          <a:prstGeom prst="flowChartDecision">
+            <a:avLst/>
+          </a:prstGeom>
+          <a:noFill/>
+          <a:ln w="19050">
+            <a:solidFill>
+              <a:srgbClr val="7030A0"/>
+            </a:solidFill>
+          </a:ln>
+          <a:effectLst/>
+        </p:spPr>
+        <p:style>
+          <a:lnRef idx="1">
+            <a:schemeClr val="accent6"/>
+          </a:lnRef>
+          <a:fillRef idx="2">
+            <a:schemeClr val="accent6"/>
+          </a:fillRef>
+          <a:effectRef idx="1">
+            <a:schemeClr val="accent6"/>
+          </a:effectRef>
+          <a:fontRef idx="minor">
+            <a:schemeClr val="dk1"/>
+          </a:fontRef>
+        </p:style>
+        <p:txBody>
+          <a:bodyPr rtlCol="0" anchor="ctr"/>
+          <a:lstStyle/>
+          <a:p>
+            <a:pPr algn="ctr"/>
+            <a:endParaRPr lang="en-US" sz="1050"/>
+          </a:p>
+        </p:txBody>
+      </p:sp>
+      <p:cxnSp>
+        <p:nvCxnSpPr>
+          <p:cNvPr id="179" name="Elbow Connector 63">
+            <a:extLst>
+              <a:ext uri="{FF2B5EF4-FFF2-40B4-BE49-F238E27FC236}">
+                <a16:creationId xmlns:a16="http://schemas.microsoft.com/office/drawing/2014/main" id="{D647EBFF-5B09-4BDC-8B01-08BC44072C08}"/>
+              </a:ext>
+            </a:extLst>
+          </p:cNvPr>
+          <p:cNvCxnSpPr>
+            <a:cxnSpLocks/>
+            <a:endCxn id="170" idx="1"/>
+          </p:cNvCxnSpPr>
+          <p:nvPr/>
+        </p:nvCxnSpPr>
+        <p:spPr>
+          <a:xfrm>
+            <a:off x="5854736" y="4452733"/>
+            <a:ext cx="218878" cy="3087"/>
+          </a:xfrm>
+          <a:prstGeom prst="bentConnector3">
+            <a:avLst/>
+          </a:prstGeom>
+          <a:ln w="19050">
+            <a:solidFill>
+              <a:srgbClr val="7030A0"/>
+            </a:solidFill>
+            <a:headEnd type="none" w="med" len="med"/>
+            <a:tailEnd type="arrow" w="med" len="med"/>
+          </a:ln>
+          <a:effectLst/>
+        </p:spPr>
+        <p:style>
+          <a:lnRef idx="1">
+            <a:schemeClr val="accent2"/>
+          </a:lnRef>
+          <a:fillRef idx="2">
+            <a:schemeClr val="accent2"/>
+          </a:fillRef>
+          <a:effectRef idx="1">
+            <a:schemeClr val="accent2"/>
+          </a:effectRef>
+          <a:fontRef idx="minor">
+            <a:schemeClr val="dk1"/>
+          </a:fontRef>
+        </p:style>
+      </p:cxnSp>
+      <p:sp>
+        <p:nvSpPr>
+          <p:cNvPr id="180" name="TextBox 179">
+            <a:extLst>
+              <a:ext uri="{FF2B5EF4-FFF2-40B4-BE49-F238E27FC236}">
+                <a16:creationId xmlns:a16="http://schemas.microsoft.com/office/drawing/2014/main" id="{2CBA2342-9E3E-44BC-A67B-36EAD654B3F1}"/>
+              </a:ext>
+            </a:extLst>
+          </p:cNvPr>
+          <p:cNvSpPr txBox="1"/>
+          <p:nvPr/>
+        </p:nvSpPr>
+        <p:spPr>
+          <a:xfrm>
+            <a:off x="5895193" y="4522291"/>
+            <a:ext cx="189257" cy="178683"/>
+          </a:xfrm>
+          <a:prstGeom prst="rect">
+            <a:avLst/>
+          </a:prstGeom>
+          <a:noFill/>
+        </p:spPr>
+        <p:txBody>
+          <a:bodyPr wrap="square" lIns="0" tIns="0" rIns="0" bIns="0" rtlCol="0">
+            <a:noAutofit/>
+          </a:bodyPr>
+          <a:lstStyle/>
+          <a:p>
+            <a:pPr algn="ctr"/>
+            <a:r>
+              <a:rPr lang="en-US" sz="1100" dirty="0">
+                <a:solidFill>
+                  <a:srgbClr val="7030A0"/>
+                </a:solidFill>
+              </a:rPr>
+              <a:t>*</a:t>
+            </a:r>
+            <a:endParaRPr lang="en-SG" sz="1100" dirty="0">
+              <a:solidFill>
+                <a:srgbClr val="7030A0"/>
+              </a:solidFill>
+            </a:endParaRPr>
+          </a:p>
+        </p:txBody>
+      </p:sp>
+      <p:sp>
+        <p:nvSpPr>
+          <p:cNvPr id="181" name="Flowchart: Decision 96">
+            <a:extLst>
+              <a:ext uri="{FF2B5EF4-FFF2-40B4-BE49-F238E27FC236}">
+                <a16:creationId xmlns:a16="http://schemas.microsoft.com/office/drawing/2014/main" id="{321EEB1E-008E-4D6D-A4C8-060711091261}"/>
+              </a:ext>
+            </a:extLst>
+          </p:cNvPr>
+          <p:cNvSpPr/>
+          <p:nvPr/>
+        </p:nvSpPr>
+        <p:spPr>
+          <a:xfrm rot="5400000">
+            <a:off x="6267073" y="4668312"/>
+            <a:ext cx="236048" cy="173380"/>
+          </a:xfrm>
+          <a:prstGeom prst="flowChartDecision">
+            <a:avLst/>
+          </a:prstGeom>
+          <a:solidFill>
+            <a:srgbClr val="7030A0"/>
+          </a:solidFill>
+          <a:ln w="19050">
+            <a:solidFill>
+              <a:srgbClr val="7030A0"/>
+            </a:solidFill>
+          </a:ln>
+          <a:effectLst/>
+        </p:spPr>
+        <p:style>
+          <a:lnRef idx="1">
+            <a:schemeClr val="accent6"/>
+          </a:lnRef>
+          <a:fillRef idx="2">
+            <a:schemeClr val="accent6"/>
+          </a:fillRef>
+          <a:effectRef idx="1">
+            <a:schemeClr val="accent6"/>
+          </a:effectRef>
+          <a:fontRef idx="minor">
+            <a:schemeClr val="dk1"/>
+          </a:fontRef>
+        </p:style>
+        <p:txBody>
+          <a:bodyPr rtlCol="0" anchor="ctr"/>
+          <a:lstStyle/>
+          <a:p>
+            <a:pPr algn="ctr"/>
+            <a:endParaRPr lang="en-US" sz="1050"/>
+          </a:p>
+        </p:txBody>
+      </p:sp>
+      <p:cxnSp>
+        <p:nvCxnSpPr>
+          <p:cNvPr id="182" name="Straight Arrow Connector 181">
+            <a:extLst>
+              <a:ext uri="{FF2B5EF4-FFF2-40B4-BE49-F238E27FC236}">
+                <a16:creationId xmlns:a16="http://schemas.microsoft.com/office/drawing/2014/main" id="{AE7572D1-694D-4544-BEF3-77F228872BA9}"/>
+              </a:ext>
+            </a:extLst>
+          </p:cNvPr>
+          <p:cNvCxnSpPr>
+            <a:cxnSpLocks/>
+            <a:stCxn id="181" idx="3"/>
+            <a:endCxn id="183" idx="0"/>
+          </p:cNvCxnSpPr>
+          <p:nvPr/>
+        </p:nvCxnSpPr>
+        <p:spPr>
+          <a:xfrm flipH="1">
+            <a:off x="6376474" y="4873026"/>
+            <a:ext cx="8623" cy="819351"/>
+          </a:xfrm>
+          <a:prstGeom prst="straightConnector1">
+            <a:avLst/>
+          </a:prstGeom>
+          <a:ln w="19050">
+            <a:solidFill>
+              <a:srgbClr val="7030A0"/>
+            </a:solidFill>
+            <a:headEnd type="none" w="med" len="med"/>
+            <a:tailEnd type="arrow" w="med" len="med"/>
+          </a:ln>
+        </p:spPr>
+        <p:style>
+          <a:lnRef idx="1">
+            <a:schemeClr val="accent4"/>
+          </a:lnRef>
+          <a:fillRef idx="0">
+            <a:schemeClr val="accent4"/>
+          </a:fillRef>
+          <a:effectRef idx="0">
+            <a:schemeClr val="accent4"/>
+          </a:effectRef>
+          <a:fontRef idx="minor">
+            <a:schemeClr val="tx1"/>
+          </a:fontRef>
+        </p:style>
+      </p:cxnSp>
+      <p:sp>
+        <p:nvSpPr>
+          <p:cNvPr id="183" name="Rectangle 8">
+            <a:extLst>
+              <a:ext uri="{FF2B5EF4-FFF2-40B4-BE49-F238E27FC236}">
+                <a16:creationId xmlns:a16="http://schemas.microsoft.com/office/drawing/2014/main" id="{3D301EDA-725B-4C3A-84C7-9C47F602D18D}"/>
+              </a:ext>
+            </a:extLst>
+          </p:cNvPr>
+          <p:cNvSpPr/>
+          <p:nvPr/>
+        </p:nvSpPr>
+        <p:spPr>
+          <a:xfrm>
+            <a:off x="5939210" y="5692377"/>
+            <a:ext cx="874528" cy="285783"/>
+          </a:xfrm>
+          <a:prstGeom prst="rect">
+            <a:avLst/>
+          </a:prstGeom>
+          <a:ln w="19050">
+            <a:solidFill>
+              <a:srgbClr val="7030A0"/>
+            </a:solidFill>
+          </a:ln>
+          <a:effectLst/>
+        </p:spPr>
+        <p:style>
+          <a:lnRef idx="1">
+            <a:schemeClr val="accent4"/>
+          </a:lnRef>
+          <a:fillRef idx="2">
+            <a:schemeClr val="accent4"/>
+          </a:fillRef>
+          <a:effectRef idx="1">
+            <a:schemeClr val="accent4"/>
+          </a:effectRef>
+          <a:fontRef idx="minor">
+            <a:schemeClr val="dk1"/>
+          </a:fontRef>
+        </p:style>
+        <p:txBody>
+          <a:bodyPr rtlCol="0" anchor="ctr"/>
+          <a:lstStyle/>
+          <a:p>
+            <a:pPr algn="ctr"/>
+            <a:r>
+              <a:rPr lang="en-US" sz="1050" dirty="0">
+                <a:solidFill>
+                  <a:srgbClr val="7030A0"/>
+                </a:solidFill>
+              </a:rPr>
+              <a:t>Username</a:t>
+            </a:r>
+            <a:endParaRPr lang="en-SG" sz="1050" dirty="0">
+              <a:solidFill>
+                <a:srgbClr val="7030A0"/>
+              </a:solidFill>
+            </a:endParaRPr>
+          </a:p>
+        </p:txBody>
+      </p:sp>
+      <p:cxnSp>
+        <p:nvCxnSpPr>
+          <p:cNvPr id="184" name="Elbow Connector 80">
+            <a:extLst>
+              <a:ext uri="{FF2B5EF4-FFF2-40B4-BE49-F238E27FC236}">
+                <a16:creationId xmlns:a16="http://schemas.microsoft.com/office/drawing/2014/main" id="{25E81621-2C3D-4F40-8DFE-E960DC713028}"/>
+              </a:ext>
+            </a:extLst>
+          </p:cNvPr>
+          <p:cNvCxnSpPr>
+            <a:cxnSpLocks/>
+            <a:endCxn id="186" idx="0"/>
+          </p:cNvCxnSpPr>
+          <p:nvPr/>
+        </p:nvCxnSpPr>
+        <p:spPr>
+          <a:xfrm>
+            <a:off x="6385097" y="5438185"/>
+            <a:ext cx="1000672" cy="248514"/>
+          </a:xfrm>
+          <a:prstGeom prst="bentConnector2">
+            <a:avLst/>
+          </a:prstGeom>
+          <a:ln w="19050">
+            <a:solidFill>
+              <a:srgbClr val="7030A0"/>
+            </a:solidFill>
+            <a:headEnd type="none" w="med" len="med"/>
+            <a:tailEnd type="arrow" w="med" len="med"/>
+          </a:ln>
+          <a:effectLst/>
+        </p:spPr>
+        <p:style>
+          <a:lnRef idx="1">
+            <a:schemeClr val="accent2"/>
+          </a:lnRef>
+          <a:fillRef idx="2">
+            <a:schemeClr val="accent2"/>
+          </a:fillRef>
+          <a:effectRef idx="1">
+            <a:schemeClr val="accent2"/>
+          </a:effectRef>
+          <a:fontRef idx="minor">
+            <a:schemeClr val="dk1"/>
+          </a:fontRef>
+        </p:style>
+      </p:cxnSp>
+      <p:sp>
+        <p:nvSpPr>
+          <p:cNvPr id="186" name="Rectangle 8">
+            <a:extLst>
+              <a:ext uri="{FF2B5EF4-FFF2-40B4-BE49-F238E27FC236}">
+                <a16:creationId xmlns:a16="http://schemas.microsoft.com/office/drawing/2014/main" id="{6D80CFB9-603A-4681-9A70-C69CBFFDF869}"/>
+              </a:ext>
+            </a:extLst>
+          </p:cNvPr>
+          <p:cNvSpPr/>
+          <p:nvPr/>
+        </p:nvSpPr>
+        <p:spPr>
+          <a:xfrm>
+            <a:off x="6948505" y="5686699"/>
+            <a:ext cx="874528" cy="285783"/>
+          </a:xfrm>
+          <a:prstGeom prst="rect">
+            <a:avLst/>
+          </a:prstGeom>
+          <a:ln w="19050">
+            <a:solidFill>
+              <a:srgbClr val="7030A0"/>
+            </a:solidFill>
+          </a:ln>
+          <a:effectLst/>
+        </p:spPr>
+        <p:style>
+          <a:lnRef idx="1">
+            <a:schemeClr val="accent4"/>
+          </a:lnRef>
+          <a:fillRef idx="2">
+            <a:schemeClr val="accent4"/>
+          </a:fillRef>
+          <a:effectRef idx="1">
+            <a:schemeClr val="accent4"/>
+          </a:effectRef>
+          <a:fontRef idx="minor">
+            <a:schemeClr val="dk1"/>
+          </a:fontRef>
+        </p:style>
+        <p:txBody>
+          <a:bodyPr rtlCol="0" anchor="ctr"/>
+          <a:lstStyle/>
+          <a:p>
+            <a:pPr algn="ctr"/>
+            <a:r>
+              <a:rPr lang="en-US" sz="1050" dirty="0">
+                <a:solidFill>
+                  <a:srgbClr val="7030A0"/>
+                </a:solidFill>
+              </a:rPr>
+              <a:t>Password</a:t>
+            </a:r>
+            <a:endParaRPr lang="en-SG" sz="1050" dirty="0">
+              <a:solidFill>
+                <a:srgbClr val="7030A0"/>
+              </a:solidFill>
+            </a:endParaRPr>
+          </a:p>
+        </p:txBody>
+      </p:sp>
+      <p:sp>
+        <p:nvSpPr>
+          <p:cNvPr id="188" name="Rectangle 8">
+            <a:extLst>
+              <a:ext uri="{FF2B5EF4-FFF2-40B4-BE49-F238E27FC236}">
+                <a16:creationId xmlns:a16="http://schemas.microsoft.com/office/drawing/2014/main" id="{E94A30C1-7D45-4443-BE2E-0D3F72E150A3}"/>
+              </a:ext>
+            </a:extLst>
+          </p:cNvPr>
+          <p:cNvSpPr/>
+          <p:nvPr/>
+        </p:nvSpPr>
+        <p:spPr>
+          <a:xfrm>
+            <a:off x="3423692" y="4781313"/>
+            <a:ext cx="1261660" cy="334856"/>
+          </a:xfrm>
+          <a:prstGeom prst="rect">
+            <a:avLst/>
+          </a:prstGeom>
+          <a:ln w="19050">
+            <a:solidFill>
+              <a:srgbClr val="7030A0"/>
+            </a:solidFill>
+          </a:ln>
+          <a:effectLst/>
+        </p:spPr>
+        <p:style>
+          <a:lnRef idx="1">
+            <a:schemeClr val="accent4"/>
+          </a:lnRef>
+          <a:fillRef idx="2">
+            <a:schemeClr val="accent4"/>
+          </a:fillRef>
+          <a:effectRef idx="1">
+            <a:schemeClr val="accent4"/>
+          </a:effectRef>
+          <a:fontRef idx="minor">
+            <a:schemeClr val="dk1"/>
+          </a:fontRef>
+        </p:style>
+        <p:txBody>
+          <a:bodyPr rtlCol="0" anchor="ctr"/>
+          <a:lstStyle/>
+          <a:p>
+            <a:pPr algn="ctr"/>
+            <a:r>
+              <a:rPr lang="en-US" sz="1050" dirty="0">
+                <a:solidFill>
+                  <a:srgbClr val="7030A0"/>
+                </a:solidFill>
+              </a:rPr>
+              <a:t>LoggedInAccount</a:t>
+            </a:r>
+            <a:endParaRPr lang="en-SG" sz="1050" dirty="0">
+              <a:solidFill>
+                <a:srgbClr val="7030A0"/>
+              </a:solidFill>
+            </a:endParaRPr>
+          </a:p>
+        </p:txBody>
+      </p:sp>
+      <p:cxnSp>
+        <p:nvCxnSpPr>
+          <p:cNvPr id="189" name="Straight Arrow Connector 188">
+            <a:extLst>
+              <a:ext uri="{FF2B5EF4-FFF2-40B4-BE49-F238E27FC236}">
+                <a16:creationId xmlns:a16="http://schemas.microsoft.com/office/drawing/2014/main" id="{1FFB827B-F21E-46EA-8970-2E23BE60E5B6}"/>
+              </a:ext>
+            </a:extLst>
+          </p:cNvPr>
+          <p:cNvCxnSpPr>
+            <a:cxnSpLocks/>
+            <a:stCxn id="190" idx="3"/>
+            <a:endCxn id="188" idx="1"/>
+          </p:cNvCxnSpPr>
+          <p:nvPr/>
+        </p:nvCxnSpPr>
+        <p:spPr>
+          <a:xfrm>
+            <a:off x="2313953" y="4936281"/>
+            <a:ext cx="1109739" cy="12460"/>
+          </a:xfrm>
+          <a:prstGeom prst="straightConnector1">
+            <a:avLst/>
+          </a:prstGeom>
+          <a:ln w="19050">
+            <a:solidFill>
+              <a:srgbClr val="7030A0"/>
+            </a:solidFill>
+            <a:headEnd type="none" w="med" len="med"/>
+            <a:tailEnd type="arrow" w="med" len="med"/>
+          </a:ln>
+          <a:effectLst/>
+        </p:spPr>
+        <p:style>
+          <a:lnRef idx="1">
+            <a:schemeClr val="accent2"/>
+          </a:lnRef>
+          <a:fillRef idx="2">
+            <a:schemeClr val="accent2"/>
+          </a:fillRef>
+          <a:effectRef idx="1">
+            <a:schemeClr val="accent2"/>
+          </a:effectRef>
+          <a:fontRef idx="minor">
+            <a:schemeClr val="dk1"/>
+          </a:fontRef>
+        </p:style>
+      </p:cxnSp>
+      <p:sp>
+        <p:nvSpPr>
+          <p:cNvPr id="190" name="Flowchart: Decision 96">
+            <a:extLst>
+              <a:ext uri="{FF2B5EF4-FFF2-40B4-BE49-F238E27FC236}">
+                <a16:creationId xmlns:a16="http://schemas.microsoft.com/office/drawing/2014/main" id="{2973C5D1-79AA-4C76-90DC-CE0CC33E151C}"/>
+              </a:ext>
+            </a:extLst>
+          </p:cNvPr>
+          <p:cNvSpPr/>
+          <p:nvPr/>
+        </p:nvSpPr>
+        <p:spPr>
+          <a:xfrm>
+            <a:off x="2077905" y="4849591"/>
+            <a:ext cx="236048" cy="173380"/>
+          </a:xfrm>
+          <a:prstGeom prst="flowChartDecision">
+            <a:avLst/>
+          </a:prstGeom>
+          <a:noFill/>
+          <a:ln w="19050">
+            <a:solidFill>
+              <a:srgbClr val="7030A0"/>
+            </a:solidFill>
+          </a:ln>
+          <a:effectLst/>
+        </p:spPr>
+        <p:style>
+          <a:lnRef idx="1">
+            <a:schemeClr val="accent6"/>
+          </a:lnRef>
+          <a:fillRef idx="2">
+            <a:schemeClr val="accent6"/>
+          </a:fillRef>
+          <a:effectRef idx="1">
+            <a:schemeClr val="accent6"/>
+          </a:effectRef>
+          <a:fontRef idx="minor">
+            <a:schemeClr val="dk1"/>
+          </a:fontRef>
+        </p:style>
+        <p:txBody>
+          <a:bodyPr rtlCol="0" anchor="ctr"/>
+          <a:lstStyle/>
+          <a:p>
+            <a:pPr algn="ctr"/>
+            <a:endParaRPr lang="en-US" sz="1050"/>
+          </a:p>
+        </p:txBody>
+      </p:sp>
+      <p:sp>
+        <p:nvSpPr>
+          <p:cNvPr id="191" name="TextBox 190">
+            <a:extLst>
+              <a:ext uri="{FF2B5EF4-FFF2-40B4-BE49-F238E27FC236}">
+                <a16:creationId xmlns:a16="http://schemas.microsoft.com/office/drawing/2014/main" id="{69707839-B35E-49DB-BBED-1B7E89D0EBA6}"/>
+              </a:ext>
+            </a:extLst>
+          </p:cNvPr>
+          <p:cNvSpPr txBox="1"/>
+          <p:nvPr/>
+        </p:nvSpPr>
+        <p:spPr>
+          <a:xfrm>
+            <a:off x="3239825" y="4972809"/>
+            <a:ext cx="170110" cy="137542"/>
+          </a:xfrm>
+          <a:prstGeom prst="rect">
+            <a:avLst/>
+          </a:prstGeom>
+          <a:noFill/>
+        </p:spPr>
+        <p:txBody>
+          <a:bodyPr wrap="square" lIns="0" tIns="0" rIns="0" bIns="0" rtlCol="0">
+            <a:noAutofit/>
+          </a:bodyPr>
+          <a:lstStyle/>
+          <a:p>
+            <a:pPr algn="ctr"/>
+            <a:r>
+              <a:rPr lang="en-US" sz="1100" dirty="0">
+                <a:solidFill>
+                  <a:srgbClr val="7030A0"/>
+                </a:solidFill>
+              </a:rPr>
+              <a:t>1</a:t>
+            </a:r>
+            <a:endParaRPr lang="en-SG" sz="1100" dirty="0">
+              <a:solidFill>
+                <a:srgbClr val="7030A0"/>
+              </a:solidFill>
+            </a:endParaRPr>
+          </a:p>
+        </p:txBody>
+      </p:sp>
+      <p:sp>
+        <p:nvSpPr>
+          <p:cNvPr id="192" name="Flowchart: Decision 96">
+            <a:extLst>
+              <a:ext uri="{FF2B5EF4-FFF2-40B4-BE49-F238E27FC236}">
+                <a16:creationId xmlns:a16="http://schemas.microsoft.com/office/drawing/2014/main" id="{5AEEE746-2D28-4ADB-AE7F-41D174C7FBC8}"/>
+              </a:ext>
+            </a:extLst>
+          </p:cNvPr>
+          <p:cNvSpPr/>
+          <p:nvPr/>
+        </p:nvSpPr>
+        <p:spPr>
+          <a:xfrm>
+            <a:off x="4696766" y="4857080"/>
+            <a:ext cx="236048" cy="173380"/>
+          </a:xfrm>
+          <a:prstGeom prst="flowChartDecision">
+            <a:avLst/>
+          </a:prstGeom>
+          <a:solidFill>
+            <a:srgbClr val="7030A0"/>
+          </a:solidFill>
+          <a:ln w="19050">
+            <a:solidFill>
+              <a:srgbClr val="7030A0"/>
+            </a:solidFill>
+          </a:ln>
+          <a:effectLst/>
+        </p:spPr>
+        <p:style>
+          <a:lnRef idx="1">
+            <a:schemeClr val="accent6"/>
+          </a:lnRef>
+          <a:fillRef idx="2">
+            <a:schemeClr val="accent6"/>
+          </a:fillRef>
+          <a:effectRef idx="1">
+            <a:schemeClr val="accent6"/>
+          </a:effectRef>
+          <a:fontRef idx="minor">
+            <a:schemeClr val="dk1"/>
+          </a:fontRef>
+        </p:style>
+        <p:txBody>
+          <a:bodyPr rtlCol="0" anchor="ctr"/>
+          <a:lstStyle/>
+          <a:p>
+            <a:pPr algn="ctr"/>
+            <a:endParaRPr lang="en-US" sz="1050"/>
+          </a:p>
+        </p:txBody>
+      </p:sp>
+      <p:cxnSp>
+        <p:nvCxnSpPr>
+          <p:cNvPr id="193" name="Elbow Connector 80">
+            <a:extLst>
+              <a:ext uri="{FF2B5EF4-FFF2-40B4-BE49-F238E27FC236}">
+                <a16:creationId xmlns:a16="http://schemas.microsoft.com/office/drawing/2014/main" id="{0993BEA9-0F4C-4904-8C61-8B6F1214DA44}"/>
+              </a:ext>
+            </a:extLst>
+          </p:cNvPr>
+          <p:cNvCxnSpPr>
+            <a:cxnSpLocks/>
+            <a:endCxn id="183" idx="1"/>
+          </p:cNvCxnSpPr>
+          <p:nvPr/>
+        </p:nvCxnSpPr>
+        <p:spPr>
+          <a:xfrm>
+            <a:off x="4922358" y="4936281"/>
+            <a:ext cx="1016852" cy="898988"/>
+          </a:xfrm>
+          <a:prstGeom prst="bentConnector3">
+            <a:avLst>
+              <a:gd name="adj1" fmla="val 50000"/>
+            </a:avLst>
+          </a:prstGeom>
+          <a:ln w="19050">
+            <a:solidFill>
+              <a:srgbClr val="7030A0"/>
+            </a:solidFill>
+            <a:headEnd type="none" w="med" len="med"/>
+            <a:tailEnd type="arrow" w="med" len="med"/>
+          </a:ln>
+          <a:effectLst/>
+        </p:spPr>
+        <p:style>
+          <a:lnRef idx="1">
+            <a:schemeClr val="accent2"/>
+          </a:lnRef>
+          <a:fillRef idx="2">
+            <a:schemeClr val="accent2"/>
+          </a:fillRef>
+          <a:effectRef idx="1">
+            <a:schemeClr val="accent2"/>
+          </a:effectRef>
+          <a:fontRef idx="minor">
+            <a:schemeClr val="dk1"/>
+          </a:fontRef>
+        </p:style>
+      </p:cxnSp>
+      <p:cxnSp>
+        <p:nvCxnSpPr>
+          <p:cNvPr id="112" name="Elbow Connector 106">
+            <a:extLst>
+              <a:ext uri="{FF2B5EF4-FFF2-40B4-BE49-F238E27FC236}">
+                <a16:creationId xmlns:a16="http://schemas.microsoft.com/office/drawing/2014/main" id="{91D8A3A0-7EF2-4091-9ADB-FE8CFF33149D}"/>
+              </a:ext>
+            </a:extLst>
+          </p:cNvPr>
+          <p:cNvCxnSpPr>
+            <a:cxnSpLocks/>
+          </p:cNvCxnSpPr>
+          <p:nvPr/>
+        </p:nvCxnSpPr>
+        <p:spPr>
+          <a:xfrm>
+            <a:off x="2050862" y="4170268"/>
+            <a:ext cx="4094234" cy="111231"/>
+          </a:xfrm>
+          <a:prstGeom prst="bentConnector3">
+            <a:avLst>
+              <a:gd name="adj1" fmla="val 100011"/>
+            </a:avLst>
+          </a:prstGeom>
+          <a:ln w="19050">
+            <a:solidFill>
+              <a:srgbClr val="7030A0"/>
+            </a:solidFill>
+            <a:prstDash val="solid"/>
+            <a:headEnd type="none" w="med" len="med"/>
+            <a:tailEnd type="arrow" w="med" len="med"/>
+          </a:ln>
+          <a:effectLst/>
+        </p:spPr>
+        <p:style>
+          <a:lnRef idx="1">
+            <a:schemeClr val="accent2"/>
+          </a:lnRef>
+          <a:fillRef idx="2">
+            <a:schemeClr val="accent2"/>
+          </a:fillRef>
+          <a:effectRef idx="1">
+            <a:schemeClr val="accent2"/>
+          </a:effectRef>
+          <a:fontRef idx="minor">
+            <a:schemeClr val="dk1"/>
+          </a:fontRef>
+        </p:style>
+      </p:cxnSp>
+      <p:sp>
+        <p:nvSpPr>
+          <p:cNvPr id="185" name="TextBox 184">
+            <a:extLst>
+              <a:ext uri="{FF2B5EF4-FFF2-40B4-BE49-F238E27FC236}">
+                <a16:creationId xmlns:a16="http://schemas.microsoft.com/office/drawing/2014/main" id="{11724D98-5248-4336-A7E2-B38783DB7A0E}"/>
+              </a:ext>
+            </a:extLst>
+          </p:cNvPr>
+          <p:cNvSpPr txBox="1"/>
+          <p:nvPr/>
+        </p:nvSpPr>
+        <p:spPr>
+          <a:xfrm>
+            <a:off x="6173713" y="4110504"/>
+            <a:ext cx="189257" cy="178683"/>
+          </a:xfrm>
+          <a:prstGeom prst="rect">
+            <a:avLst/>
+          </a:prstGeom>
+          <a:noFill/>
+        </p:spPr>
+        <p:txBody>
+          <a:bodyPr wrap="square" lIns="0" tIns="0" rIns="0" bIns="0" rtlCol="0">
+            <a:noAutofit/>
+          </a:bodyPr>
+          <a:lstStyle/>
+          <a:p>
+            <a:pPr algn="ctr"/>
+            <a:r>
+              <a:rPr lang="en-US" sz="1100" dirty="0">
+                <a:solidFill>
+                  <a:srgbClr val="7030A0"/>
+                </a:solidFill>
+              </a:rPr>
+              <a:t>1</a:t>
+            </a:r>
+            <a:endParaRPr lang="en-SG" sz="1100" dirty="0">
+              <a:solidFill>
+                <a:srgbClr val="7030A0"/>
+              </a:solidFill>
+            </a:endParaRPr>
+          </a:p>
+        </p:txBody>
+      </p:sp>
+      <p:sp>
+        <p:nvSpPr>
+          <p:cNvPr id="194" name="TextBox 193">
+            <a:extLst>
+              <a:ext uri="{FF2B5EF4-FFF2-40B4-BE49-F238E27FC236}">
+                <a16:creationId xmlns:a16="http://schemas.microsoft.com/office/drawing/2014/main" id="{334D2A1D-B165-44D4-B975-8A5AFC185193}"/>
+              </a:ext>
+            </a:extLst>
+          </p:cNvPr>
+          <p:cNvSpPr txBox="1"/>
+          <p:nvPr/>
+        </p:nvSpPr>
+        <p:spPr>
+          <a:xfrm>
+            <a:off x="5544818" y="3938087"/>
+            <a:ext cx="881018" cy="261610"/>
+          </a:xfrm>
+          <a:prstGeom prst="rect">
+            <a:avLst/>
+          </a:prstGeom>
+          <a:noFill/>
+        </p:spPr>
+        <p:txBody>
+          <a:bodyPr wrap="square" rtlCol="0">
+            <a:spAutoFit/>
+          </a:bodyPr>
+          <a:lstStyle/>
+          <a:p>
+            <a:pPr algn="r"/>
+            <a:r>
+              <a:rPr lang="en-US" sz="1100" dirty="0">
+                <a:solidFill>
+                  <a:srgbClr val="7030A0"/>
+                </a:solidFill>
+              </a:rPr>
+              <a:t>filtered list</a:t>
             </a:r>
             <a:endParaRPr lang="en-SG" sz="1100" dirty="0">
               <a:solidFill>
